--- a/PPT/01.타입스크립트 - 타입 정의.pptx
+++ b/PPT/01.타입스크립트 - 타입 정의.pptx
@@ -1632,7 +1632,7 @@
   <pc:docChgLst>
     <pc:chgData name="jeongkilyong" userId="42a1e730-e7ec-4950-9a60-48236c77d83b" providerId="ADAL" clId="{6932074E-482F-4F04-8510-30F029D456F7}"/>
     <pc:docChg chg="undo redo custSel addSld delSld modSld">
-      <pc:chgData name="jeongkilyong" userId="42a1e730-e7ec-4950-9a60-48236c77d83b" providerId="ADAL" clId="{6932074E-482F-4F04-8510-30F029D456F7}" dt="2023-10-31T13:15:03.980" v="12519" actId="20577"/>
+      <pc:chgData name="jeongkilyong" userId="42a1e730-e7ec-4950-9a60-48236c77d83b" providerId="ADAL" clId="{6932074E-482F-4F04-8510-30F029D456F7}" dt="2023-10-31T22:32:00.075" v="12573" actId="20577"/>
       <pc:docMkLst>
         <pc:docMk/>
       </pc:docMkLst>
@@ -1879,7 +1879,7 @@
         </pc:picChg>
       </pc:sldChg>
       <pc:sldChg chg="addSp delSp modSp mod">
-        <pc:chgData name="jeongkilyong" userId="42a1e730-e7ec-4950-9a60-48236c77d83b" providerId="ADAL" clId="{6932074E-482F-4F04-8510-30F029D456F7}" dt="2023-10-31T10:38:19.900" v="11976" actId="1076"/>
+        <pc:chgData name="jeongkilyong" userId="42a1e730-e7ec-4950-9a60-48236c77d83b" providerId="ADAL" clId="{6932074E-482F-4F04-8510-30F029D456F7}" dt="2023-10-31T22:25:33.729" v="12528" actId="20577"/>
         <pc:sldMkLst>
           <pc:docMk/>
           <pc:sldMk cId="3262124915" sldId="295"/>
@@ -1917,7 +1917,7 @@
           </ac:spMkLst>
         </pc:spChg>
         <pc:spChg chg="mod">
-          <ac:chgData name="jeongkilyong" userId="42a1e730-e7ec-4950-9a60-48236c77d83b" providerId="ADAL" clId="{6932074E-482F-4F04-8510-30F029D456F7}" dt="2023-10-29T13:00:28.109" v="2127" actId="6549"/>
+          <ac:chgData name="jeongkilyong" userId="42a1e730-e7ec-4950-9a60-48236c77d83b" providerId="ADAL" clId="{6932074E-482F-4F04-8510-30F029D456F7}" dt="2023-10-31T22:25:33.729" v="12528" actId="20577"/>
           <ac:spMkLst>
             <pc:docMk/>
             <pc:sldMk cId="3262124915" sldId="295"/>
@@ -2374,7 +2374,7 @@
         </pc:spChg>
       </pc:sldChg>
       <pc:sldChg chg="addSp delSp modSp add mod">
-        <pc:chgData name="jeongkilyong" userId="42a1e730-e7ec-4950-9a60-48236c77d83b" providerId="ADAL" clId="{6932074E-482F-4F04-8510-30F029D456F7}" dt="2023-10-31T11:30:27.106" v="12390" actId="6549"/>
+        <pc:chgData name="jeongkilyong" userId="42a1e730-e7ec-4950-9a60-48236c77d83b" providerId="ADAL" clId="{6932074E-482F-4F04-8510-30F029D456F7}" dt="2023-10-31T22:31:19.922" v="12539" actId="20577"/>
         <pc:sldMkLst>
           <pc:docMk/>
           <pc:sldMk cId="2378294150" sldId="320"/>
@@ -2428,7 +2428,7 @@
           </ac:spMkLst>
         </pc:spChg>
         <pc:spChg chg="add mod">
-          <ac:chgData name="jeongkilyong" userId="42a1e730-e7ec-4950-9a60-48236c77d83b" providerId="ADAL" clId="{6932074E-482F-4F04-8510-30F029D456F7}" dt="2023-10-31T11:30:27.106" v="12390" actId="6549"/>
+          <ac:chgData name="jeongkilyong" userId="42a1e730-e7ec-4950-9a60-48236c77d83b" providerId="ADAL" clId="{6932074E-482F-4F04-8510-30F029D456F7}" dt="2023-10-31T22:31:19.922" v="12539" actId="20577"/>
           <ac:spMkLst>
             <pc:docMk/>
             <pc:sldMk cId="2378294150" sldId="320"/>
@@ -2500,7 +2500,7 @@
         </pc:picChg>
       </pc:sldChg>
       <pc:sldChg chg="addSp delSp modSp add mod">
-        <pc:chgData name="jeongkilyong" userId="42a1e730-e7ec-4950-9a60-48236c77d83b" providerId="ADAL" clId="{6932074E-482F-4F04-8510-30F029D456F7}" dt="2023-10-31T11:36:47.946" v="12413" actId="6549"/>
+        <pc:chgData name="jeongkilyong" userId="42a1e730-e7ec-4950-9a60-48236c77d83b" providerId="ADAL" clId="{6932074E-482F-4F04-8510-30F029D456F7}" dt="2023-10-31T22:31:35.026" v="12547" actId="20577"/>
         <pc:sldMkLst>
           <pc:docMk/>
           <pc:sldMk cId="2524346248" sldId="322"/>
@@ -2522,7 +2522,7 @@
           </ac:spMkLst>
         </pc:spChg>
         <pc:spChg chg="add mod">
-          <ac:chgData name="jeongkilyong" userId="42a1e730-e7ec-4950-9a60-48236c77d83b" providerId="ADAL" clId="{6932074E-482F-4F04-8510-30F029D456F7}" dt="2023-10-31T11:36:47.946" v="12413" actId="6549"/>
+          <ac:chgData name="jeongkilyong" userId="42a1e730-e7ec-4950-9a60-48236c77d83b" providerId="ADAL" clId="{6932074E-482F-4F04-8510-30F029D456F7}" dt="2023-10-31T22:31:35.026" v="12547" actId="20577"/>
           <ac:spMkLst>
             <pc:docMk/>
             <pc:sldMk cId="2524346248" sldId="322"/>
@@ -2602,7 +2602,7 @@
         </pc:spChg>
       </pc:sldChg>
       <pc:sldChg chg="addSp delSp modSp add mod">
-        <pc:chgData name="jeongkilyong" userId="42a1e730-e7ec-4950-9a60-48236c77d83b" providerId="ADAL" clId="{6932074E-482F-4F04-8510-30F029D456F7}" dt="2023-10-31T11:38:22.400" v="12428" actId="6549"/>
+        <pc:chgData name="jeongkilyong" userId="42a1e730-e7ec-4950-9a60-48236c77d83b" providerId="ADAL" clId="{6932074E-482F-4F04-8510-30F029D456F7}" dt="2023-10-31T22:31:51.812" v="12567" actId="20577"/>
         <pc:sldMkLst>
           <pc:docMk/>
           <pc:sldMk cId="3970146633" sldId="324"/>
@@ -2632,7 +2632,7 @@
           </ac:spMkLst>
         </pc:spChg>
         <pc:spChg chg="add mod">
-          <ac:chgData name="jeongkilyong" userId="42a1e730-e7ec-4950-9a60-48236c77d83b" providerId="ADAL" clId="{6932074E-482F-4F04-8510-30F029D456F7}" dt="2023-10-31T11:38:22.400" v="12428" actId="6549"/>
+          <ac:chgData name="jeongkilyong" userId="42a1e730-e7ec-4950-9a60-48236c77d83b" providerId="ADAL" clId="{6932074E-482F-4F04-8510-30F029D456F7}" dt="2023-10-31T22:31:51.812" v="12567" actId="20577"/>
           <ac:spMkLst>
             <pc:docMk/>
             <pc:sldMk cId="3970146633" sldId="324"/>
@@ -2657,7 +2657,7 @@
         </pc:picChg>
       </pc:sldChg>
       <pc:sldChg chg="addSp modSp add mod">
-        <pc:chgData name="jeongkilyong" userId="42a1e730-e7ec-4950-9a60-48236c77d83b" providerId="ADAL" clId="{6932074E-482F-4F04-8510-30F029D456F7}" dt="2023-10-31T11:39:14.116" v="12436" actId="6549"/>
+        <pc:chgData name="jeongkilyong" userId="42a1e730-e7ec-4950-9a60-48236c77d83b" providerId="ADAL" clId="{6932074E-482F-4F04-8510-30F029D456F7}" dt="2023-10-31T22:31:57.124" v="12571" actId="20577"/>
         <pc:sldMkLst>
           <pc:docMk/>
           <pc:sldMk cId="278584242" sldId="325"/>
@@ -2679,7 +2679,7 @@
           </ac:spMkLst>
         </pc:spChg>
         <pc:spChg chg="add mod">
-          <ac:chgData name="jeongkilyong" userId="42a1e730-e7ec-4950-9a60-48236c77d83b" providerId="ADAL" clId="{6932074E-482F-4F04-8510-30F029D456F7}" dt="2023-10-31T11:39:14.116" v="12436" actId="6549"/>
+          <ac:chgData name="jeongkilyong" userId="42a1e730-e7ec-4950-9a60-48236c77d83b" providerId="ADAL" clId="{6932074E-482F-4F04-8510-30F029D456F7}" dt="2023-10-31T22:31:57.124" v="12571" actId="20577"/>
           <ac:spMkLst>
             <pc:docMk/>
             <pc:sldMk cId="278584242" sldId="325"/>
@@ -2704,7 +2704,7 @@
         </pc:picChg>
       </pc:sldChg>
       <pc:sldChg chg="addSp modSp add mod">
-        <pc:chgData name="jeongkilyong" userId="42a1e730-e7ec-4950-9a60-48236c77d83b" providerId="ADAL" clId="{6932074E-482F-4F04-8510-30F029D456F7}" dt="2023-10-31T11:39:43.805" v="12439" actId="20577"/>
+        <pc:chgData name="jeongkilyong" userId="42a1e730-e7ec-4950-9a60-48236c77d83b" providerId="ADAL" clId="{6932074E-482F-4F04-8510-30F029D456F7}" dt="2023-10-31T22:32:00.075" v="12573" actId="20577"/>
         <pc:sldMkLst>
           <pc:docMk/>
           <pc:sldMk cId="4100588819" sldId="326"/>
@@ -2734,7 +2734,7 @@
           </ac:spMkLst>
         </pc:spChg>
         <pc:spChg chg="add mod">
-          <ac:chgData name="jeongkilyong" userId="42a1e730-e7ec-4950-9a60-48236c77d83b" providerId="ADAL" clId="{6932074E-482F-4F04-8510-30F029D456F7}" dt="2023-10-31T11:39:43.805" v="12439" actId="20577"/>
+          <ac:chgData name="jeongkilyong" userId="42a1e730-e7ec-4950-9a60-48236c77d83b" providerId="ADAL" clId="{6932074E-482F-4F04-8510-30F029D456F7}" dt="2023-10-31T22:32:00.075" v="12573" actId="20577"/>
           <ac:spMkLst>
             <pc:docMk/>
             <pc:sldMk cId="4100588819" sldId="326"/>
@@ -2868,7 +2868,7 @@
         </pc:spChg>
       </pc:sldChg>
       <pc:sldChg chg="addSp delSp modSp add mod">
-        <pc:chgData name="jeongkilyong" userId="42a1e730-e7ec-4950-9a60-48236c77d83b" providerId="ADAL" clId="{6932074E-482F-4F04-8510-30F029D456F7}" dt="2023-10-31T11:32:32.510" v="12394" actId="20577"/>
+        <pc:chgData name="jeongkilyong" userId="42a1e730-e7ec-4950-9a60-48236c77d83b" providerId="ADAL" clId="{6932074E-482F-4F04-8510-30F029D456F7}" dt="2023-10-31T22:31:24.355" v="12541" actId="20577"/>
         <pc:sldMkLst>
           <pc:docMk/>
           <pc:sldMk cId="398385100" sldId="338"/>
@@ -2898,7 +2898,7 @@
           </ac:spMkLst>
         </pc:spChg>
         <pc:spChg chg="add mod">
-          <ac:chgData name="jeongkilyong" userId="42a1e730-e7ec-4950-9a60-48236c77d83b" providerId="ADAL" clId="{6932074E-482F-4F04-8510-30F029D456F7}" dt="2023-10-31T11:32:32.510" v="12394" actId="20577"/>
+          <ac:chgData name="jeongkilyong" userId="42a1e730-e7ec-4950-9a60-48236c77d83b" providerId="ADAL" clId="{6932074E-482F-4F04-8510-30F029D456F7}" dt="2023-10-31T22:31:24.355" v="12541" actId="20577"/>
           <ac:spMkLst>
             <pc:docMk/>
             <pc:sldMk cId="398385100" sldId="338"/>
@@ -2915,7 +2915,7 @@
         </pc:picChg>
       </pc:sldChg>
       <pc:sldChg chg="addSp modSp add mod">
-        <pc:chgData name="jeongkilyong" userId="42a1e730-e7ec-4950-9a60-48236c77d83b" providerId="ADAL" clId="{6932074E-482F-4F04-8510-30F029D456F7}" dt="2023-10-31T11:35:54.724" v="12405" actId="6549"/>
+        <pc:chgData name="jeongkilyong" userId="42a1e730-e7ec-4950-9a60-48236c77d83b" providerId="ADAL" clId="{6932074E-482F-4F04-8510-30F029D456F7}" dt="2023-10-31T22:31:31.195" v="12545" actId="20577"/>
         <pc:sldMkLst>
           <pc:docMk/>
           <pc:sldMk cId="941473831" sldId="339"/>
@@ -2929,7 +2929,7 @@
           </ac:spMkLst>
         </pc:spChg>
         <pc:spChg chg="add mod">
-          <ac:chgData name="jeongkilyong" userId="42a1e730-e7ec-4950-9a60-48236c77d83b" providerId="ADAL" clId="{6932074E-482F-4F04-8510-30F029D456F7}" dt="2023-10-31T11:35:54.724" v="12405" actId="6549"/>
+          <ac:chgData name="jeongkilyong" userId="42a1e730-e7ec-4950-9a60-48236c77d83b" providerId="ADAL" clId="{6932074E-482F-4F04-8510-30F029D456F7}" dt="2023-10-31T22:31:31.195" v="12545" actId="20577"/>
           <ac:spMkLst>
             <pc:docMk/>
             <pc:sldMk cId="941473831" sldId="339"/>
@@ -2954,7 +2954,7 @@
         </pc:picChg>
       </pc:sldChg>
       <pc:sldChg chg="addSp delSp modSp add mod">
-        <pc:chgData name="jeongkilyong" userId="42a1e730-e7ec-4950-9a60-48236c77d83b" providerId="ADAL" clId="{6932074E-482F-4F04-8510-30F029D456F7}" dt="2023-10-31T11:38:59.140" v="12432" actId="6549"/>
+        <pc:chgData name="jeongkilyong" userId="42a1e730-e7ec-4950-9a60-48236c77d83b" providerId="ADAL" clId="{6932074E-482F-4F04-8510-30F029D456F7}" dt="2023-10-31T22:31:54.532" v="12569" actId="20577"/>
         <pc:sldMkLst>
           <pc:docMk/>
           <pc:sldMk cId="3240753077" sldId="340"/>
@@ -2976,7 +2976,7 @@
           </ac:spMkLst>
         </pc:spChg>
         <pc:spChg chg="mod">
-          <ac:chgData name="jeongkilyong" userId="42a1e730-e7ec-4950-9a60-48236c77d83b" providerId="ADAL" clId="{6932074E-482F-4F04-8510-30F029D456F7}" dt="2023-10-31T11:38:59.140" v="12432" actId="6549"/>
+          <ac:chgData name="jeongkilyong" userId="42a1e730-e7ec-4950-9a60-48236c77d83b" providerId="ADAL" clId="{6932074E-482F-4F04-8510-30F029D456F7}" dt="2023-10-31T22:31:54.532" v="12569" actId="20577"/>
           <ac:spMkLst>
             <pc:docMk/>
             <pc:sldMk cId="3240753077" sldId="340"/>
@@ -3001,7 +3001,7 @@
         </pc:spChg>
       </pc:sldChg>
       <pc:sldChg chg="modSp add mod">
-        <pc:chgData name="jeongkilyong" userId="42a1e730-e7ec-4950-9a60-48236c77d83b" providerId="ADAL" clId="{6932074E-482F-4F04-8510-30F029D456F7}" dt="2023-10-31T11:37:18.424" v="12417" actId="20577"/>
+        <pc:chgData name="jeongkilyong" userId="42a1e730-e7ec-4950-9a60-48236c77d83b" providerId="ADAL" clId="{6932074E-482F-4F04-8510-30F029D456F7}" dt="2023-10-31T22:31:37.643" v="12549" actId="20577"/>
         <pc:sldMkLst>
           <pc:docMk/>
           <pc:sldMk cId="1431093418" sldId="341"/>
@@ -3015,7 +3015,7 @@
           </ac:spMkLst>
         </pc:spChg>
         <pc:spChg chg="mod">
-          <ac:chgData name="jeongkilyong" userId="42a1e730-e7ec-4950-9a60-48236c77d83b" providerId="ADAL" clId="{6932074E-482F-4F04-8510-30F029D456F7}" dt="2023-10-31T11:37:18.424" v="12417" actId="20577"/>
+          <ac:chgData name="jeongkilyong" userId="42a1e730-e7ec-4950-9a60-48236c77d83b" providerId="ADAL" clId="{6932074E-482F-4F04-8510-30F029D456F7}" dt="2023-10-31T22:31:37.643" v="12549" actId="20577"/>
           <ac:spMkLst>
             <pc:docMk/>
             <pc:sldMk cId="1431093418" sldId="341"/>
@@ -3040,7 +3040,7 @@
         </pc:spChg>
       </pc:sldChg>
       <pc:sldChg chg="addSp delSp modSp add mod">
-        <pc:chgData name="jeongkilyong" userId="42a1e730-e7ec-4950-9a60-48236c77d83b" providerId="ADAL" clId="{6932074E-482F-4F04-8510-30F029D456F7}" dt="2023-10-31T11:34:15.570" v="12401" actId="6549"/>
+        <pc:chgData name="jeongkilyong" userId="42a1e730-e7ec-4950-9a60-48236c77d83b" providerId="ADAL" clId="{6932074E-482F-4F04-8510-30F029D456F7}" dt="2023-10-31T22:31:27.891" v="12543" actId="20577"/>
         <pc:sldMkLst>
           <pc:docMk/>
           <pc:sldMk cId="2299188607" sldId="342"/>
@@ -3070,7 +3070,7 @@
           </ac:spMkLst>
         </pc:spChg>
         <pc:spChg chg="mod">
-          <ac:chgData name="jeongkilyong" userId="42a1e730-e7ec-4950-9a60-48236c77d83b" providerId="ADAL" clId="{6932074E-482F-4F04-8510-30F029D456F7}" dt="2023-10-31T11:34:15.570" v="12401" actId="6549"/>
+          <ac:chgData name="jeongkilyong" userId="42a1e730-e7ec-4950-9a60-48236c77d83b" providerId="ADAL" clId="{6932074E-482F-4F04-8510-30F029D456F7}" dt="2023-10-31T22:31:27.891" v="12543" actId="20577"/>
           <ac:spMkLst>
             <pc:docMk/>
             <pc:sldMk cId="2299188607" sldId="342"/>
@@ -3086,7 +3086,7 @@
         </pc:sldMkLst>
       </pc:sldChg>
       <pc:sldChg chg="addSp delSp modSp add mod">
-        <pc:chgData name="jeongkilyong" userId="42a1e730-e7ec-4950-9a60-48236c77d83b" providerId="ADAL" clId="{6932074E-482F-4F04-8510-30F029D456F7}" dt="2023-10-31T11:56:03.377" v="12465" actId="14100"/>
+        <pc:chgData name="jeongkilyong" userId="42a1e730-e7ec-4950-9a60-48236c77d83b" providerId="ADAL" clId="{6932074E-482F-4F04-8510-30F029D456F7}" dt="2023-10-31T22:31:46.036" v="12565" actId="6549"/>
         <pc:sldMkLst>
           <pc:docMk/>
           <pc:sldMk cId="4257425873" sldId="343"/>
@@ -3108,7 +3108,7 @@
           </ac:spMkLst>
         </pc:spChg>
         <pc:spChg chg="mod">
-          <ac:chgData name="jeongkilyong" userId="42a1e730-e7ec-4950-9a60-48236c77d83b" providerId="ADAL" clId="{6932074E-482F-4F04-8510-30F029D456F7}" dt="2023-10-31T11:56:03.377" v="12465" actId="14100"/>
+          <ac:chgData name="jeongkilyong" userId="42a1e730-e7ec-4950-9a60-48236c77d83b" providerId="ADAL" clId="{6932074E-482F-4F04-8510-30F029D456F7}" dt="2023-10-31T22:31:46.036" v="12565" actId="6549"/>
           <ac:spMkLst>
             <pc:docMk/>
             <pc:sldMk cId="4257425873" sldId="343"/>
@@ -3171,7 +3171,7 @@
         </pc:sldMkLst>
       </pc:sldChg>
       <pc:sldChg chg="addSp delSp modSp add mod">
-        <pc:chgData name="jeongkilyong" userId="42a1e730-e7ec-4950-9a60-48236c77d83b" providerId="ADAL" clId="{6932074E-482F-4F04-8510-30F029D456F7}" dt="2023-10-31T11:53:32.567" v="12446" actId="20577"/>
+        <pc:chgData name="jeongkilyong" userId="42a1e730-e7ec-4950-9a60-48236c77d83b" providerId="ADAL" clId="{6932074E-482F-4F04-8510-30F029D456F7}" dt="2023-10-31T22:31:10.163" v="12535" actId="6549"/>
         <pc:sldMkLst>
           <pc:docMk/>
           <pc:sldMk cId="215276518" sldId="345"/>
@@ -3209,7 +3209,7 @@
           </ac:spMkLst>
         </pc:spChg>
         <pc:spChg chg="mod">
-          <ac:chgData name="jeongkilyong" userId="42a1e730-e7ec-4950-9a60-48236c77d83b" providerId="ADAL" clId="{6932074E-482F-4F04-8510-30F029D456F7}" dt="2023-10-31T11:53:32.567" v="12446" actId="20577"/>
+          <ac:chgData name="jeongkilyong" userId="42a1e730-e7ec-4950-9a60-48236c77d83b" providerId="ADAL" clId="{6932074E-482F-4F04-8510-30F029D456F7}" dt="2023-10-31T22:31:10.163" v="12535" actId="6549"/>
           <ac:spMkLst>
             <pc:docMk/>
             <pc:sldMk cId="215276518" sldId="345"/>
@@ -3535,7 +3535,7 @@
             <a:fld id="{C5EB0431-1611-1744-95F0-8172773087C5}" type="datetimeFigureOut">
               <a:rPr lang="en-US" altLang="ko-Kore-KR" smtClean="0"/>
               <a:pPr/>
-              <a:t>10/29/2023</a:t>
+              <a:t>11/1/2023</a:t>
             </a:fld>
             <a:endParaRPr lang="ko-Kore-KR"/>
           </a:p>
@@ -3955,7 +3955,7 @@
           <a:p>
             <a:fld id="{5FD0AF26-B2D6-41C9-847A-12B3D1677265}" type="datetime1">
               <a:rPr kumimoji="1" lang="ko-KR" altLang="en-US" smtClean="0"/>
-              <a:t>2023-10-29</a:t>
+              <a:t>2023-11-01</a:t>
             </a:fld>
             <a:endParaRPr kumimoji="1" lang="ko-KR" altLang="en-US"/>
           </a:p>
@@ -4153,7 +4153,7 @@
           <a:p>
             <a:fld id="{11A845FB-4EAB-4F93-BE87-891FAC391B0C}" type="datetime1">
               <a:rPr kumimoji="1" lang="ko-KR" altLang="en-US" smtClean="0"/>
-              <a:t>2023-10-29</a:t>
+              <a:t>2023-11-01</a:t>
             </a:fld>
             <a:endParaRPr kumimoji="1" lang="ko-KR" altLang="en-US"/>
           </a:p>
@@ -4361,7 +4361,7 @@
           <a:p>
             <a:fld id="{6597FBCF-59BC-423C-A27E-A4E0342EEDF5}" type="datetime1">
               <a:rPr kumimoji="1" lang="ko-KR" altLang="en-US" smtClean="0"/>
-              <a:t>2023-10-29</a:t>
+              <a:t>2023-11-01</a:t>
             </a:fld>
             <a:endParaRPr kumimoji="1" lang="ko-KR" altLang="en-US"/>
           </a:p>
@@ -4559,7 +4559,7 @@
           <a:p>
             <a:fld id="{59DE6E8A-4C0D-4CC6-BBD6-2F945A6B3540}" type="datetime1">
               <a:rPr kumimoji="1" lang="ko-KR" altLang="en-US" smtClean="0"/>
-              <a:t>2023-10-29</a:t>
+              <a:t>2023-11-01</a:t>
             </a:fld>
             <a:endParaRPr kumimoji="1" lang="ko-KR" altLang="en-US"/>
           </a:p>
@@ -4834,7 +4834,7 @@
           <a:p>
             <a:fld id="{BEBFBD75-CCBA-4C22-86CA-859D220600AA}" type="datetime1">
               <a:rPr kumimoji="1" lang="ko-KR" altLang="en-US" smtClean="0"/>
-              <a:t>2023-10-29</a:t>
+              <a:t>2023-11-01</a:t>
             </a:fld>
             <a:endParaRPr kumimoji="1" lang="ko-KR" altLang="en-US"/>
           </a:p>
@@ -5099,7 +5099,7 @@
           <a:p>
             <a:fld id="{DB031150-5CB0-41C0-9104-5695DD253F49}" type="datetime1">
               <a:rPr kumimoji="1" lang="ko-KR" altLang="en-US" smtClean="0"/>
-              <a:t>2023-10-29</a:t>
+              <a:t>2023-11-01</a:t>
             </a:fld>
             <a:endParaRPr kumimoji="1" lang="ko-KR" altLang="en-US"/>
           </a:p>
@@ -5511,7 +5511,7 @@
           <a:p>
             <a:fld id="{0B78CFAD-1435-498E-ACFE-38131B135631}" type="datetime1">
               <a:rPr kumimoji="1" lang="ko-KR" altLang="en-US" smtClean="0"/>
-              <a:t>2023-10-29</a:t>
+              <a:t>2023-11-01</a:t>
             </a:fld>
             <a:endParaRPr kumimoji="1" lang="ko-KR" altLang="en-US"/>
           </a:p>
@@ -5652,7 +5652,7 @@
           <a:p>
             <a:fld id="{BF2AA6DB-F13D-4C47-BC2B-E1D25CB476ED}" type="datetime1">
               <a:rPr kumimoji="1" lang="ko-KR" altLang="en-US" smtClean="0"/>
-              <a:t>2023-10-29</a:t>
+              <a:t>2023-11-01</a:t>
             </a:fld>
             <a:endParaRPr kumimoji="1" lang="ko-KR" altLang="en-US"/>
           </a:p>
@@ -5765,7 +5765,7 @@
           <a:p>
             <a:fld id="{14FBB438-2880-4761-94BA-7F7996C8C3BD}" type="datetime1">
               <a:rPr kumimoji="1" lang="ko-KR" altLang="en-US" smtClean="0"/>
-              <a:t>2023-10-29</a:t>
+              <a:t>2023-11-01</a:t>
             </a:fld>
             <a:endParaRPr kumimoji="1" lang="ko-KR" altLang="en-US"/>
           </a:p>
@@ -6076,7 +6076,7 @@
           <a:p>
             <a:fld id="{C4D9C33D-E09A-4F6E-A7FA-CF959C3E6DEE}" type="datetime1">
               <a:rPr kumimoji="1" lang="ko-KR" altLang="en-US" smtClean="0"/>
-              <a:t>2023-10-29</a:t>
+              <a:t>2023-11-01</a:t>
             </a:fld>
             <a:endParaRPr kumimoji="1" lang="ko-KR" altLang="en-US"/>
           </a:p>
@@ -6364,7 +6364,7 @@
           <a:p>
             <a:fld id="{DB10E3DE-CCA8-4CB9-BDA2-4741B0CD6641}" type="datetime1">
               <a:rPr kumimoji="1" lang="ko-KR" altLang="en-US" smtClean="0"/>
-              <a:t>2023-10-29</a:t>
+              <a:t>2023-11-01</a:t>
             </a:fld>
             <a:endParaRPr kumimoji="1" lang="ko-KR" altLang="en-US"/>
           </a:p>
@@ -6607,7 +6607,7 @@
           <a:p>
             <a:fld id="{827CA893-2A65-4E72-A022-7CB16F3818A4}" type="datetime1">
               <a:rPr kumimoji="1" lang="ko-KR" altLang="en-US" smtClean="0"/>
-              <a:t>2023-10-29</a:t>
+              <a:t>2023-11-01</a:t>
             </a:fld>
             <a:endParaRPr kumimoji="1" lang="ko-KR" altLang="en-US"/>
           </a:p>
@@ -7850,7 +7850,7 @@
                 <a:latin typeface="Noto Sans CJK KR Regular" panose="020B0500000000000000" pitchFamily="34" charset="-127"/>
                 <a:ea typeface="Noto Sans CJK KR Regular" panose="020B0500000000000000" pitchFamily="34" charset="-127"/>
               </a:rPr>
-              <a:t>ex01-05.ts, 05-01</a:t>
+              <a:t>ex01-05.ts</a:t>
             </a:r>
             <a:endParaRPr lang="ko-KR" altLang="en-US" dirty="0">
               <a:solidFill>
@@ -11915,7 +11915,7 @@
                 <a:latin typeface="Noto Sans CJK KR Regular" panose="020B0500000000000000" pitchFamily="34" charset="-127"/>
                 <a:ea typeface="Noto Sans CJK KR Regular" panose="020B0500000000000000" pitchFamily="34" charset="-127"/>
               </a:rPr>
-              <a:t>ex01-10.ts</a:t>
+              <a:t>ex01-09.ts</a:t>
             </a:r>
             <a:endParaRPr lang="ko-KR" altLang="en-US" dirty="0">
               <a:solidFill>
@@ -12853,7 +12853,7 @@
                 <a:latin typeface="Noto Sans CJK KR Regular" panose="020B0500000000000000" pitchFamily="34" charset="-127"/>
                 <a:ea typeface="Noto Sans CJK KR Regular" panose="020B0500000000000000" pitchFamily="34" charset="-127"/>
               </a:rPr>
-              <a:t>ex01-11.ts</a:t>
+              <a:t>ex01-10.ts</a:t>
             </a:r>
             <a:endParaRPr lang="ko-KR" altLang="en-US" dirty="0">
               <a:solidFill>
@@ -13251,7 +13251,7 @@
                 <a:latin typeface="Noto Sans CJK KR Regular" panose="020B0500000000000000" pitchFamily="34" charset="-127"/>
                 <a:ea typeface="Noto Sans CJK KR Regular" panose="020B0500000000000000" pitchFamily="34" charset="-127"/>
               </a:rPr>
-              <a:t>ex01-12.ts</a:t>
+              <a:t>ex01-11.ts</a:t>
             </a:r>
             <a:endParaRPr lang="ko-KR" altLang="en-US" dirty="0">
               <a:solidFill>
@@ -14148,7 +14148,7 @@
                 <a:latin typeface="Noto Sans CJK KR Regular" panose="020B0500000000000000" pitchFamily="34" charset="-127"/>
                 <a:ea typeface="Noto Sans CJK KR Regular" panose="020B0500000000000000" pitchFamily="34" charset="-127"/>
               </a:rPr>
-              <a:t>ex01-13.ts</a:t>
+              <a:t>ex01-12.ts</a:t>
             </a:r>
             <a:endParaRPr lang="ko-KR" altLang="en-US" dirty="0">
               <a:solidFill>
@@ -14518,7 +14518,7 @@
                 <a:latin typeface="Noto Sans CJK KR Regular" panose="020B0500000000000000" pitchFamily="34" charset="-127"/>
                 <a:ea typeface="Noto Sans CJK KR Regular" panose="020B0500000000000000" pitchFamily="34" charset="-127"/>
               </a:rPr>
-              <a:t>ex01-13.ts</a:t>
+              <a:t>ex01-12.ts</a:t>
             </a:r>
             <a:endParaRPr lang="ko-KR" altLang="en-US" dirty="0">
               <a:solidFill>
@@ -15390,7 +15390,7 @@
                 <a:latin typeface="Noto Sans CJK KR Regular" panose="020B0500000000000000" pitchFamily="34" charset="-127"/>
                 <a:ea typeface="Noto Sans CJK KR Regular" panose="020B0500000000000000" pitchFamily="34" charset="-127"/>
               </a:rPr>
-              <a:t>ex01-13.ts</a:t>
+              <a:t>ex01-12.ts</a:t>
             </a:r>
             <a:endParaRPr lang="ko-KR" altLang="en-US" dirty="0">
               <a:solidFill>
@@ -17070,7 +17070,7 @@
                 <a:latin typeface="Noto Sans CJK KR Regular" panose="020B0500000000000000" pitchFamily="34" charset="-127"/>
                 <a:ea typeface="Noto Sans CJK KR Regular" panose="020B0500000000000000" pitchFamily="34" charset="-127"/>
               </a:rPr>
-              <a:t>ex01-14.ts, 14-01, 14-02</a:t>
+              <a:t>ex01-13.ts</a:t>
             </a:r>
             <a:endParaRPr lang="ko-KR" altLang="en-US" dirty="0">
               <a:solidFill>
@@ -19117,7 +19117,7 @@
                 <a:latin typeface="Noto Sans CJK KR Regular" panose="020B0500000000000000" pitchFamily="34" charset="-127"/>
                 <a:ea typeface="Noto Sans CJK KR Regular" panose="020B0500000000000000" pitchFamily="34" charset="-127"/>
               </a:rPr>
-              <a:t>ex01-15.ts</a:t>
+              <a:t>ex01-14.ts</a:t>
             </a:r>
             <a:endParaRPr lang="ko-KR" altLang="en-US" dirty="0">
               <a:solidFill>
@@ -19481,7 +19481,7 @@
                 <a:latin typeface="Noto Sans CJK KR Regular" panose="020B0500000000000000" pitchFamily="34" charset="-127"/>
                 <a:ea typeface="Noto Sans CJK KR Regular" panose="020B0500000000000000" pitchFamily="34" charset="-127"/>
               </a:rPr>
-              <a:t>ex01-16.ts</a:t>
+              <a:t>ex01-15.ts</a:t>
             </a:r>
             <a:endParaRPr lang="ko-KR" altLang="en-US" dirty="0">
               <a:solidFill>
@@ -20356,7 +20356,7 @@
                 <a:latin typeface="Noto Sans CJK KR Regular" panose="020B0500000000000000" pitchFamily="34" charset="-127"/>
                 <a:ea typeface="Noto Sans CJK KR Regular" panose="020B0500000000000000" pitchFamily="34" charset="-127"/>
               </a:rPr>
-              <a:t>ex01-17.ts</a:t>
+              <a:t>ex01-16.ts</a:t>
             </a:r>
             <a:endParaRPr lang="ko-KR" altLang="en-US" dirty="0">
               <a:solidFill>
@@ -21222,7 +21222,7 @@
                 <a:latin typeface="Noto Sans CJK KR Regular" panose="020B0500000000000000" pitchFamily="34" charset="-127"/>
                 <a:ea typeface="Noto Sans CJK KR Regular" panose="020B0500000000000000" pitchFamily="34" charset="-127"/>
               </a:rPr>
-              <a:t>ex01-18.ts</a:t>
+              <a:t>ex01-17.ts</a:t>
             </a:r>
             <a:endParaRPr lang="ko-KR" altLang="en-US" dirty="0">
               <a:solidFill>
@@ -27128,7 +27128,7 @@
                 <a:latin typeface="Noto Sans CJK KR DemiLight" panose="020B0400000000000000" pitchFamily="34" charset="-128"/>
                 <a:ea typeface="Noto Sans CJK KR DemiLight" panose="020B0400000000000000" pitchFamily="34" charset="-128"/>
               </a:rPr>
-              <a:t>  함수에 타입 정의</a:t>
+              <a:t>  함수에 타입 지정</a:t>
             </a:r>
             <a:endParaRPr kumimoji="1" lang="ko-KR" altLang="en-US" sz="1600" spc="-60" dirty="0">
               <a:solidFill>

--- a/PPT/01.타입스크립트 - 타입 정의.pptx
+++ b/PPT/01.타입스크립트 - 타입 정의.pptx
@@ -5,7 +5,7 @@
     <p:sldMasterId id="2147483648" r:id="rId1"/>
   </p:sldMasterIdLst>
   <p:notesMasterIdLst>
-    <p:notesMasterId r:id="rId28"/>
+    <p:notesMasterId r:id="rId30"/>
   </p:notesMasterIdLst>
   <p:sldIdLst>
     <p:sldId id="283" r:id="rId2"/>
@@ -34,6 +34,8 @@
     <p:sldId id="325" r:id="rId25"/>
     <p:sldId id="326" r:id="rId26"/>
     <p:sldId id="327" r:id="rId27"/>
+    <p:sldId id="381" r:id="rId28"/>
+    <p:sldId id="353" r:id="rId29"/>
   </p:sldIdLst>
   <p:sldSz cx="12192000" cy="6858000"/>
   <p:notesSz cx="6858000" cy="9144000"/>
@@ -175,6 +177,1822 @@
 
 <file path=ppt/changesInfos/changesInfo1.xml><?xml version="1.0" encoding="utf-8"?>
 <pc:chgInfo xmlns:a="http://schemas.openxmlformats.org/drawingml/2006/main" xmlns:r="http://schemas.openxmlformats.org/officeDocument/2006/relationships" xmlns:ac="http://schemas.microsoft.com/office/drawing/2013/main/command" xmlns:pc="http://schemas.microsoft.com/office/powerpoint/2013/main/command">
+  <pc:docChgLst>
+    <pc:chgData name="jeongkilyong" userId="42a1e730-e7ec-4950-9a60-48236c77d83b" providerId="ADAL" clId="{6932074E-482F-4F04-8510-30F029D456F7}"/>
+    <pc:docChg chg="undo redo custSel addSld delSld modSld">
+      <pc:chgData name="jeongkilyong" userId="42a1e730-e7ec-4950-9a60-48236c77d83b" providerId="ADAL" clId="{6932074E-482F-4F04-8510-30F029D456F7}" dt="2023-11-01T09:16:00.241" v="12778" actId="20577"/>
+      <pc:docMkLst>
+        <pc:docMk/>
+      </pc:docMkLst>
+      <pc:sldChg chg="modSp mod">
+        <pc:chgData name="jeongkilyong" userId="42a1e730-e7ec-4950-9a60-48236c77d83b" providerId="ADAL" clId="{6932074E-482F-4F04-8510-30F029D456F7}" dt="2023-10-31T13:15:03.980" v="12519" actId="20577"/>
+        <pc:sldMkLst>
+          <pc:docMk/>
+          <pc:sldMk cId="4235148381" sldId="283"/>
+        </pc:sldMkLst>
+        <pc:spChg chg="mod">
+          <ac:chgData name="jeongkilyong" userId="42a1e730-e7ec-4950-9a60-48236c77d83b" providerId="ADAL" clId="{6932074E-482F-4F04-8510-30F029D456F7}" dt="2023-10-31T13:15:03.980" v="12519" actId="20577"/>
+          <ac:spMkLst>
+            <pc:docMk/>
+            <pc:sldMk cId="4235148381" sldId="283"/>
+            <ac:spMk id="26" creationId="{9E4FB064-8ECA-9144-943F-EC7F301DF48C}"/>
+          </ac:spMkLst>
+        </pc:spChg>
+      </pc:sldChg>
+      <pc:sldChg chg="modSp mod">
+        <pc:chgData name="jeongkilyong" userId="42a1e730-e7ec-4950-9a60-48236c77d83b" providerId="ADAL" clId="{6932074E-482F-4F04-8510-30F029D456F7}" dt="2023-10-31T10:47:22.926" v="12200" actId="1076"/>
+        <pc:sldMkLst>
+          <pc:docMk/>
+          <pc:sldMk cId="2518751162" sldId="285"/>
+        </pc:sldMkLst>
+        <pc:spChg chg="mod">
+          <ac:chgData name="jeongkilyong" userId="42a1e730-e7ec-4950-9a60-48236c77d83b" providerId="ADAL" clId="{6932074E-482F-4F04-8510-30F029D456F7}" dt="2023-10-31T10:47:22.926" v="12200" actId="1076"/>
+          <ac:spMkLst>
+            <pc:docMk/>
+            <pc:sldMk cId="2518751162" sldId="285"/>
+            <ac:spMk id="12" creationId="{F8B16E97-6244-1F49-89E2-02A389AB2CB2}"/>
+          </ac:spMkLst>
+        </pc:spChg>
+        <pc:spChg chg="mod">
+          <ac:chgData name="jeongkilyong" userId="42a1e730-e7ec-4950-9a60-48236c77d83b" providerId="ADAL" clId="{6932074E-482F-4F04-8510-30F029D456F7}" dt="2023-10-31T10:43:46.940" v="12104" actId="6549"/>
+          <ac:spMkLst>
+            <pc:docMk/>
+            <pc:sldMk cId="2518751162" sldId="285"/>
+            <ac:spMk id="14" creationId="{F7047AB8-3A27-8A4C-B98D-ABDB785695C1}"/>
+          </ac:spMkLst>
+        </pc:spChg>
+      </pc:sldChg>
+      <pc:sldChg chg="del">
+        <pc:chgData name="jeongkilyong" userId="42a1e730-e7ec-4950-9a60-48236c77d83b" providerId="ADAL" clId="{6932074E-482F-4F04-8510-30F029D456F7}" dt="2023-10-29T11:49:32.884" v="1658" actId="47"/>
+        <pc:sldMkLst>
+          <pc:docMk/>
+          <pc:sldMk cId="3364918572" sldId="286"/>
+        </pc:sldMkLst>
+      </pc:sldChg>
+      <pc:sldChg chg="addSp delSp modSp mod">
+        <pc:chgData name="jeongkilyong" userId="42a1e730-e7ec-4950-9a60-48236c77d83b" providerId="ADAL" clId="{6932074E-482F-4F04-8510-30F029D456F7}" dt="2023-10-31T11:21:34.955" v="12367" actId="14100"/>
+        <pc:sldMkLst>
+          <pc:docMk/>
+          <pc:sldMk cId="3485235614" sldId="292"/>
+        </pc:sldMkLst>
+        <pc:spChg chg="mod">
+          <ac:chgData name="jeongkilyong" userId="42a1e730-e7ec-4950-9a60-48236c77d83b" providerId="ADAL" clId="{6932074E-482F-4F04-8510-30F029D456F7}" dt="2023-10-29T11:01:13.598" v="1183"/>
+          <ac:spMkLst>
+            <pc:docMk/>
+            <pc:sldMk cId="3485235614" sldId="292"/>
+            <ac:spMk id="2" creationId="{C903C940-4878-447B-88DC-FCEAD9FA9392}"/>
+          </ac:spMkLst>
+        </pc:spChg>
+        <pc:spChg chg="mod">
+          <ac:chgData name="jeongkilyong" userId="42a1e730-e7ec-4950-9a60-48236c77d83b" providerId="ADAL" clId="{6932074E-482F-4F04-8510-30F029D456F7}" dt="2023-10-31T11:21:34.955" v="12367" actId="14100"/>
+          <ac:spMkLst>
+            <pc:docMk/>
+            <pc:sldMk cId="3485235614" sldId="292"/>
+            <ac:spMk id="5" creationId="{FB35D915-9598-4DE5-A561-CC6FE4D2171D}"/>
+          </ac:spMkLst>
+        </pc:spChg>
+        <pc:spChg chg="del">
+          <ac:chgData name="jeongkilyong" userId="42a1e730-e7ec-4950-9a60-48236c77d83b" providerId="ADAL" clId="{6932074E-482F-4F04-8510-30F029D456F7}" dt="2023-10-29T13:05:35.816" v="2439" actId="478"/>
+          <ac:spMkLst>
+            <pc:docMk/>
+            <pc:sldMk cId="3485235614" sldId="292"/>
+            <ac:spMk id="7" creationId="{E08312F0-3BD2-4F32-9089-FB425567B7D7}"/>
+          </ac:spMkLst>
+        </pc:spChg>
+        <pc:spChg chg="add mod">
+          <ac:chgData name="jeongkilyong" userId="42a1e730-e7ec-4950-9a60-48236c77d83b" providerId="ADAL" clId="{6932074E-482F-4F04-8510-30F029D456F7}" dt="2023-10-31T10:38:32.058" v="11977" actId="1076"/>
+          <ac:spMkLst>
+            <pc:docMk/>
+            <pc:sldMk cId="3485235614" sldId="292"/>
+            <ac:spMk id="9" creationId="{A401B613-CAD7-4AE1-A426-5AD8B905B4BF}"/>
+          </ac:spMkLst>
+        </pc:spChg>
+        <pc:spChg chg="add mod">
+          <ac:chgData name="jeongkilyong" userId="42a1e730-e7ec-4950-9a60-48236c77d83b" providerId="ADAL" clId="{6932074E-482F-4F04-8510-30F029D456F7}" dt="2023-10-31T10:38:32.058" v="11977" actId="1076"/>
+          <ac:spMkLst>
+            <pc:docMk/>
+            <pc:sldMk cId="3485235614" sldId="292"/>
+            <ac:spMk id="11" creationId="{4CFF54E6-C5DE-46C9-8F5D-94A55333D0FD}"/>
+          </ac:spMkLst>
+        </pc:spChg>
+        <pc:spChg chg="mod">
+          <ac:chgData name="jeongkilyong" userId="42a1e730-e7ec-4950-9a60-48236c77d83b" providerId="ADAL" clId="{6932074E-482F-4F04-8510-30F029D456F7}" dt="2023-10-31T10:43:54.581" v="12118" actId="20577"/>
+          <ac:spMkLst>
+            <pc:docMk/>
+            <pc:sldMk cId="3485235614" sldId="292"/>
+            <ac:spMk id="12" creationId="{10ACD4E5-1FFB-574E-8F99-C84FF7F7144F}"/>
+          </ac:spMkLst>
+        </pc:spChg>
+        <pc:picChg chg="del">
+          <ac:chgData name="jeongkilyong" userId="42a1e730-e7ec-4950-9a60-48236c77d83b" providerId="ADAL" clId="{6932074E-482F-4F04-8510-30F029D456F7}" dt="2023-10-29T13:05:35.816" v="2439" actId="478"/>
+          <ac:picMkLst>
+            <pc:docMk/>
+            <pc:sldMk cId="3485235614" sldId="292"/>
+            <ac:picMk id="6" creationId="{70EB4F47-E0CF-4334-93D6-7B7E49AA174A}"/>
+          </ac:picMkLst>
+        </pc:picChg>
+        <pc:picChg chg="add mod">
+          <ac:chgData name="jeongkilyong" userId="42a1e730-e7ec-4950-9a60-48236c77d83b" providerId="ADAL" clId="{6932074E-482F-4F04-8510-30F029D456F7}" dt="2023-10-31T10:38:32.058" v="11977" actId="1076"/>
+          <ac:picMkLst>
+            <pc:docMk/>
+            <pc:sldMk cId="3485235614" sldId="292"/>
+            <ac:picMk id="13" creationId="{69D8EFFB-1772-41AC-9159-2838E67AC3BC}"/>
+          </ac:picMkLst>
+        </pc:picChg>
+        <pc:picChg chg="add mod">
+          <ac:chgData name="jeongkilyong" userId="42a1e730-e7ec-4950-9a60-48236c77d83b" providerId="ADAL" clId="{6932074E-482F-4F04-8510-30F029D456F7}" dt="2023-10-31T10:38:32.058" v="11977" actId="1076"/>
+          <ac:picMkLst>
+            <pc:docMk/>
+            <pc:sldMk cId="3485235614" sldId="292"/>
+            <ac:picMk id="14" creationId="{86DA58E1-4E63-4691-A87F-5C0514B3B2B8}"/>
+          </ac:picMkLst>
+        </pc:picChg>
+      </pc:sldChg>
+      <pc:sldChg chg="addSp modSp mod">
+        <pc:chgData name="jeongkilyong" userId="42a1e730-e7ec-4950-9a60-48236c77d83b" providerId="ADAL" clId="{6932074E-482F-4F04-8510-30F029D456F7}" dt="2023-10-31T10:46:20.972" v="12131" actId="2711"/>
+        <pc:sldMkLst>
+          <pc:docMk/>
+          <pc:sldMk cId="2773633433" sldId="293"/>
+        </pc:sldMkLst>
+        <pc:spChg chg="mod">
+          <ac:chgData name="jeongkilyong" userId="42a1e730-e7ec-4950-9a60-48236c77d83b" providerId="ADAL" clId="{6932074E-482F-4F04-8510-30F029D456F7}" dt="2023-10-31T10:46:20.972" v="12131" actId="2711"/>
+          <ac:spMkLst>
+            <pc:docMk/>
+            <pc:sldMk cId="2773633433" sldId="293"/>
+            <ac:spMk id="4" creationId="{8BA83490-67D1-48A7-9E3E-EF473E8F231B}"/>
+          </ac:spMkLst>
+        </pc:spChg>
+        <pc:spChg chg="add mod">
+          <ac:chgData name="jeongkilyong" userId="42a1e730-e7ec-4950-9a60-48236c77d83b" providerId="ADAL" clId="{6932074E-482F-4F04-8510-30F029D456F7}" dt="2023-10-29T11:53:09.937" v="1774" actId="1076"/>
+          <ac:spMkLst>
+            <pc:docMk/>
+            <pc:sldMk cId="2773633433" sldId="293"/>
+            <ac:spMk id="7" creationId="{398BEAED-4CB2-4103-B222-0806B728007D}"/>
+          </ac:spMkLst>
+        </pc:spChg>
+        <pc:spChg chg="add mod">
+          <ac:chgData name="jeongkilyong" userId="42a1e730-e7ec-4950-9a60-48236c77d83b" providerId="ADAL" clId="{6932074E-482F-4F04-8510-30F029D456F7}" dt="2023-10-31T10:35:48.446" v="11844" actId="207"/>
+          <ac:spMkLst>
+            <pc:docMk/>
+            <pc:sldMk cId="2773633433" sldId="293"/>
+            <ac:spMk id="10" creationId="{32A5D699-2FB8-46E1-9AD1-BF1E47DAC4C6}"/>
+          </ac:spMkLst>
+        </pc:spChg>
+        <pc:spChg chg="mod">
+          <ac:chgData name="jeongkilyong" userId="42a1e730-e7ec-4950-9a60-48236c77d83b" providerId="ADAL" clId="{6932074E-482F-4F04-8510-30F029D456F7}" dt="2023-10-29T11:36:00.935" v="1442" actId="20577"/>
+          <ac:spMkLst>
+            <pc:docMk/>
+            <pc:sldMk cId="2773633433" sldId="293"/>
+            <ac:spMk id="12" creationId="{10ACD4E5-1FFB-574E-8F99-C84FF7F7144F}"/>
+          </ac:spMkLst>
+        </pc:spChg>
+        <pc:spChg chg="add mod">
+          <ac:chgData name="jeongkilyong" userId="42a1e730-e7ec-4950-9a60-48236c77d83b" providerId="ADAL" clId="{6932074E-482F-4F04-8510-30F029D456F7}" dt="2023-10-29T12:07:05.719" v="1778" actId="20577"/>
+          <ac:spMkLst>
+            <pc:docMk/>
+            <pc:sldMk cId="2773633433" sldId="293"/>
+            <ac:spMk id="15" creationId="{1EC50098-2F43-49F7-BEFD-87007EA718AF}"/>
+          </ac:spMkLst>
+        </pc:spChg>
+        <pc:picChg chg="add mod">
+          <ac:chgData name="jeongkilyong" userId="42a1e730-e7ec-4950-9a60-48236c77d83b" providerId="ADAL" clId="{6932074E-482F-4F04-8510-30F029D456F7}" dt="2023-10-29T11:52:56.849" v="1772" actId="1076"/>
+          <ac:picMkLst>
+            <pc:docMk/>
+            <pc:sldMk cId="2773633433" sldId="293"/>
+            <ac:picMk id="11" creationId="{F89A905D-3DDD-4DC5-BAA1-1FF680FFAA8B}"/>
+          </ac:picMkLst>
+        </pc:picChg>
+        <pc:picChg chg="add mod">
+          <ac:chgData name="jeongkilyong" userId="42a1e730-e7ec-4950-9a60-48236c77d83b" providerId="ADAL" clId="{6932074E-482F-4F04-8510-30F029D456F7}" dt="2023-10-29T11:53:09.937" v="1774" actId="1076"/>
+          <ac:picMkLst>
+            <pc:docMk/>
+            <pc:sldMk cId="2773633433" sldId="293"/>
+            <ac:picMk id="13" creationId="{58DE4103-8A12-4410-97E6-1B0EDE60CFC7}"/>
+          </ac:picMkLst>
+        </pc:picChg>
+        <pc:picChg chg="add mod">
+          <ac:chgData name="jeongkilyong" userId="42a1e730-e7ec-4950-9a60-48236c77d83b" providerId="ADAL" clId="{6932074E-482F-4F04-8510-30F029D456F7}" dt="2023-10-29T12:07:03.157" v="1776"/>
+          <ac:picMkLst>
+            <pc:docMk/>
+            <pc:sldMk cId="2773633433" sldId="293"/>
+            <ac:picMk id="14" creationId="{8FD342DF-185B-4674-8D8B-DDCDD3B3083B}"/>
+          </ac:picMkLst>
+        </pc:picChg>
+      </pc:sldChg>
+      <pc:sldChg chg="addSp modSp mod">
+        <pc:chgData name="jeongkilyong" userId="42a1e730-e7ec-4950-9a60-48236c77d83b" providerId="ADAL" clId="{6932074E-482F-4F04-8510-30F029D456F7}" dt="2023-10-31T10:36:40.544" v="11864" actId="207"/>
+        <pc:sldMkLst>
+          <pc:docMk/>
+          <pc:sldMk cId="1339143532" sldId="294"/>
+        </pc:sldMkLst>
+        <pc:spChg chg="mod">
+          <ac:chgData name="jeongkilyong" userId="42a1e730-e7ec-4950-9a60-48236c77d83b" providerId="ADAL" clId="{6932074E-482F-4F04-8510-30F029D456F7}" dt="2023-10-29T12:45:36.016" v="2049" actId="1037"/>
+          <ac:spMkLst>
+            <pc:docMk/>
+            <pc:sldMk cId="1339143532" sldId="294"/>
+            <ac:spMk id="4" creationId="{774467AD-A1D1-406C-AF1E-04FD592614BB}"/>
+          </ac:spMkLst>
+        </pc:spChg>
+        <pc:spChg chg="add mod">
+          <ac:chgData name="jeongkilyong" userId="42a1e730-e7ec-4950-9a60-48236c77d83b" providerId="ADAL" clId="{6932074E-482F-4F04-8510-30F029D456F7}" dt="2023-10-31T10:36:40.544" v="11864" actId="207"/>
+          <ac:spMkLst>
+            <pc:docMk/>
+            <pc:sldMk cId="1339143532" sldId="294"/>
+            <ac:spMk id="7" creationId="{559DC55A-C41B-43F7-8A2A-DEE60584B60C}"/>
+          </ac:spMkLst>
+        </pc:spChg>
+        <pc:spChg chg="add mod">
+          <ac:chgData name="jeongkilyong" userId="42a1e730-e7ec-4950-9a60-48236c77d83b" providerId="ADAL" clId="{6932074E-482F-4F04-8510-30F029D456F7}" dt="2023-10-29T13:05:23.312" v="2438" actId="6549"/>
+          <ac:spMkLst>
+            <pc:docMk/>
+            <pc:sldMk cId="1339143532" sldId="294"/>
+            <ac:spMk id="10" creationId="{3C75B0CD-0DC9-446C-A2E9-22B21FEFB7C1}"/>
+          </ac:spMkLst>
+        </pc:spChg>
+        <pc:spChg chg="mod">
+          <ac:chgData name="jeongkilyong" userId="42a1e730-e7ec-4950-9a60-48236c77d83b" providerId="ADAL" clId="{6932074E-482F-4F04-8510-30F029D456F7}" dt="2023-10-29T12:45:02.905" v="2016" actId="6549"/>
+          <ac:spMkLst>
+            <pc:docMk/>
+            <pc:sldMk cId="1339143532" sldId="294"/>
+            <ac:spMk id="12" creationId="{10ACD4E5-1FFB-574E-8F99-C84FF7F7144F}"/>
+          </ac:spMkLst>
+        </pc:spChg>
+        <pc:picChg chg="add mod">
+          <ac:chgData name="jeongkilyong" userId="42a1e730-e7ec-4950-9a60-48236c77d83b" providerId="ADAL" clId="{6932074E-482F-4F04-8510-30F029D456F7}" dt="2023-10-29T13:05:19.422" v="2434"/>
+          <ac:picMkLst>
+            <pc:docMk/>
+            <pc:sldMk cId="1339143532" sldId="294"/>
+            <ac:picMk id="8" creationId="{D9E665C0-F210-4A8E-926F-F2A267B9C31C}"/>
+          </ac:picMkLst>
+        </pc:picChg>
+      </pc:sldChg>
+      <pc:sldChg chg="addSp delSp modSp mod">
+        <pc:chgData name="jeongkilyong" userId="42a1e730-e7ec-4950-9a60-48236c77d83b" providerId="ADAL" clId="{6932074E-482F-4F04-8510-30F029D456F7}" dt="2023-10-31T22:25:33.729" v="12528" actId="20577"/>
+        <pc:sldMkLst>
+          <pc:docMk/>
+          <pc:sldMk cId="3262124915" sldId="295"/>
+        </pc:sldMkLst>
+        <pc:spChg chg="mod">
+          <ac:chgData name="jeongkilyong" userId="42a1e730-e7ec-4950-9a60-48236c77d83b" providerId="ADAL" clId="{6932074E-482F-4F04-8510-30F029D456F7}" dt="2023-10-31T10:38:14.902" v="11975" actId="20577"/>
+          <ac:spMkLst>
+            <pc:docMk/>
+            <pc:sldMk cId="3262124915" sldId="295"/>
+            <ac:spMk id="4" creationId="{D04E3A88-FDB4-4439-B4EE-FFAAFB989CCE}"/>
+          </ac:spMkLst>
+        </pc:spChg>
+        <pc:spChg chg="mod">
+          <ac:chgData name="jeongkilyong" userId="42a1e730-e7ec-4950-9a60-48236c77d83b" providerId="ADAL" clId="{6932074E-482F-4F04-8510-30F029D456F7}" dt="2023-10-29T13:07:45.341" v="2450" actId="20577"/>
+          <ac:spMkLst>
+            <pc:docMk/>
+            <pc:sldMk cId="3262124915" sldId="295"/>
+            <ac:spMk id="6" creationId="{73F11AA4-2D07-4A14-8F43-FC32880B25E2}"/>
+          </ac:spMkLst>
+        </pc:spChg>
+        <pc:spChg chg="add del mod">
+          <ac:chgData name="jeongkilyong" userId="42a1e730-e7ec-4950-9a60-48236c77d83b" providerId="ADAL" clId="{6932074E-482F-4F04-8510-30F029D456F7}" dt="2023-10-29T13:03:58.324" v="2302" actId="478"/>
+          <ac:spMkLst>
+            <pc:docMk/>
+            <pc:sldMk cId="3262124915" sldId="295"/>
+            <ac:spMk id="8" creationId="{5270AA5E-1B3D-4653-A74E-A3EE4DF2D878}"/>
+          </ac:spMkLst>
+        </pc:spChg>
+        <pc:spChg chg="add del mod">
+          <ac:chgData name="jeongkilyong" userId="42a1e730-e7ec-4950-9a60-48236c77d83b" providerId="ADAL" clId="{6932074E-482F-4F04-8510-30F029D456F7}" dt="2023-10-29T13:07:22.076" v="2442" actId="478"/>
+          <ac:spMkLst>
+            <pc:docMk/>
+            <pc:sldMk cId="3262124915" sldId="295"/>
+            <ac:spMk id="10" creationId="{8D10C5B3-CE4C-4674-9644-F62DC1219236}"/>
+          </ac:spMkLst>
+        </pc:spChg>
+        <pc:spChg chg="mod">
+          <ac:chgData name="jeongkilyong" userId="42a1e730-e7ec-4950-9a60-48236c77d83b" providerId="ADAL" clId="{6932074E-482F-4F04-8510-30F029D456F7}" dt="2023-10-31T22:25:33.729" v="12528" actId="20577"/>
+          <ac:spMkLst>
+            <pc:docMk/>
+            <pc:sldMk cId="3262124915" sldId="295"/>
+            <ac:spMk id="12" creationId="{10ACD4E5-1FFB-574E-8F99-C84FF7F7144F}"/>
+          </ac:spMkLst>
+        </pc:spChg>
+        <pc:spChg chg="add mod">
+          <ac:chgData name="jeongkilyong" userId="42a1e730-e7ec-4950-9a60-48236c77d83b" providerId="ADAL" clId="{6932074E-482F-4F04-8510-30F029D456F7}" dt="2023-10-31T10:38:19.900" v="11976" actId="1076"/>
+          <ac:spMkLst>
+            <pc:docMk/>
+            <pc:sldMk cId="3262124915" sldId="295"/>
+            <ac:spMk id="13" creationId="{E5B4F196-73C9-40FD-A7BB-F88CD8E8F6C6}"/>
+          </ac:spMkLst>
+        </pc:spChg>
+      </pc:sldChg>
+      <pc:sldChg chg="addSp delSp modSp mod">
+        <pc:chgData name="jeongkilyong" userId="42a1e730-e7ec-4950-9a60-48236c77d83b" providerId="ADAL" clId="{6932074E-482F-4F04-8510-30F029D456F7}" dt="2023-10-31T10:40:50.939" v="12002" actId="113"/>
+        <pc:sldMkLst>
+          <pc:docMk/>
+          <pc:sldMk cId="1942727681" sldId="296"/>
+        </pc:sldMkLst>
+        <pc:spChg chg="mod">
+          <ac:chgData name="jeongkilyong" userId="42a1e730-e7ec-4950-9a60-48236c77d83b" providerId="ADAL" clId="{6932074E-482F-4F04-8510-30F029D456F7}" dt="2023-10-31T05:01:41.837" v="7599" actId="20577"/>
+          <ac:spMkLst>
+            <pc:docMk/>
+            <pc:sldMk cId="1942727681" sldId="296"/>
+            <ac:spMk id="4" creationId="{36A61F52-C7C9-44DD-A99A-6374000ED600}"/>
+          </ac:spMkLst>
+        </pc:spChg>
+        <pc:spChg chg="del">
+          <ac:chgData name="jeongkilyong" userId="42a1e730-e7ec-4950-9a60-48236c77d83b" providerId="ADAL" clId="{6932074E-482F-4F04-8510-30F029D456F7}" dt="2023-10-29T13:09:03.326" v="2512" actId="478"/>
+          <ac:spMkLst>
+            <pc:docMk/>
+            <pc:sldMk cId="1942727681" sldId="296"/>
+            <ac:spMk id="6" creationId="{A147224D-EFBE-412D-9D3F-EE379B287AD7}"/>
+          </ac:spMkLst>
+        </pc:spChg>
+        <pc:spChg chg="add mod">
+          <ac:chgData name="jeongkilyong" userId="42a1e730-e7ec-4950-9a60-48236c77d83b" providerId="ADAL" clId="{6932074E-482F-4F04-8510-30F029D456F7}" dt="2023-10-31T10:40:50.939" v="12002" actId="113"/>
+          <ac:spMkLst>
+            <pc:docMk/>
+            <pc:sldMk cId="1942727681" sldId="296"/>
+            <ac:spMk id="10" creationId="{4227A4F7-F125-4BA9-B8CD-2B75ECEE1812}"/>
+          </ac:spMkLst>
+        </pc:spChg>
+        <pc:spChg chg="add mod">
+          <ac:chgData name="jeongkilyong" userId="42a1e730-e7ec-4950-9a60-48236c77d83b" providerId="ADAL" clId="{6932074E-482F-4F04-8510-30F029D456F7}" dt="2023-10-31T10:38:44.651" v="11978" actId="1076"/>
+          <ac:spMkLst>
+            <pc:docMk/>
+            <pc:sldMk cId="1942727681" sldId="296"/>
+            <ac:spMk id="11" creationId="{7CC695E9-1999-421A-B931-EA30880DFF74}"/>
+          </ac:spMkLst>
+        </pc:spChg>
+        <pc:spChg chg="mod">
+          <ac:chgData name="jeongkilyong" userId="42a1e730-e7ec-4950-9a60-48236c77d83b" providerId="ADAL" clId="{6932074E-482F-4F04-8510-30F029D456F7}" dt="2023-10-31T01:56:00.899" v="6851" actId="6549"/>
+          <ac:spMkLst>
+            <pc:docMk/>
+            <pc:sldMk cId="1942727681" sldId="296"/>
+            <ac:spMk id="12" creationId="{10ACD4E5-1FFB-574E-8F99-C84FF7F7144F}"/>
+          </ac:spMkLst>
+        </pc:spChg>
+        <pc:spChg chg="add mod">
+          <ac:chgData name="jeongkilyong" userId="42a1e730-e7ec-4950-9a60-48236c77d83b" providerId="ADAL" clId="{6932074E-482F-4F04-8510-30F029D456F7}" dt="2023-10-29T13:21:40.263" v="2915" actId="20577"/>
+          <ac:spMkLst>
+            <pc:docMk/>
+            <pc:sldMk cId="1942727681" sldId="296"/>
+            <ac:spMk id="14" creationId="{7FE73983-C0B3-410F-874D-8C32AA9122DB}"/>
+          </ac:spMkLst>
+        </pc:spChg>
+        <pc:picChg chg="del">
+          <ac:chgData name="jeongkilyong" userId="42a1e730-e7ec-4950-9a60-48236c77d83b" providerId="ADAL" clId="{6932074E-482F-4F04-8510-30F029D456F7}" dt="2023-10-29T13:09:03.326" v="2512" actId="478"/>
+          <ac:picMkLst>
+            <pc:docMk/>
+            <pc:sldMk cId="1942727681" sldId="296"/>
+            <ac:picMk id="5" creationId="{1A7D9A0B-C856-4ABE-8D91-EA96E0D18A24}"/>
+          </ac:picMkLst>
+        </pc:picChg>
+        <pc:picChg chg="add mod">
+          <ac:chgData name="jeongkilyong" userId="42a1e730-e7ec-4950-9a60-48236c77d83b" providerId="ADAL" clId="{6932074E-482F-4F04-8510-30F029D456F7}" dt="2023-10-29T13:21:37.916" v="2913"/>
+          <ac:picMkLst>
+            <pc:docMk/>
+            <pc:sldMk cId="1942727681" sldId="296"/>
+            <ac:picMk id="13" creationId="{05E02177-F508-4662-AD14-368CB6E12CDE}"/>
+          </ac:picMkLst>
+        </pc:picChg>
+      </pc:sldChg>
+      <pc:sldChg chg="del">
+        <pc:chgData name="jeongkilyong" userId="42a1e730-e7ec-4950-9a60-48236c77d83b" providerId="ADAL" clId="{6932074E-482F-4F04-8510-30F029D456F7}" dt="2023-10-31T13:14:45.392" v="12486" actId="47"/>
+        <pc:sldMkLst>
+          <pc:docMk/>
+          <pc:sldMk cId="1332861574" sldId="297"/>
+        </pc:sldMkLst>
+      </pc:sldChg>
+      <pc:sldChg chg="del">
+        <pc:chgData name="jeongkilyong" userId="42a1e730-e7ec-4950-9a60-48236c77d83b" providerId="ADAL" clId="{6932074E-482F-4F04-8510-30F029D456F7}" dt="2023-10-31T13:14:45.392" v="12486" actId="47"/>
+        <pc:sldMkLst>
+          <pc:docMk/>
+          <pc:sldMk cId="4177267907" sldId="298"/>
+        </pc:sldMkLst>
+      </pc:sldChg>
+      <pc:sldChg chg="del">
+        <pc:chgData name="jeongkilyong" userId="42a1e730-e7ec-4950-9a60-48236c77d83b" providerId="ADAL" clId="{6932074E-482F-4F04-8510-30F029D456F7}" dt="2023-10-31T13:14:45.392" v="12486" actId="47"/>
+        <pc:sldMkLst>
+          <pc:docMk/>
+          <pc:sldMk cId="1359256327" sldId="299"/>
+        </pc:sldMkLst>
+      </pc:sldChg>
+      <pc:sldChg chg="del">
+        <pc:chgData name="jeongkilyong" userId="42a1e730-e7ec-4950-9a60-48236c77d83b" providerId="ADAL" clId="{6932074E-482F-4F04-8510-30F029D456F7}" dt="2023-10-31T13:14:45.392" v="12486" actId="47"/>
+        <pc:sldMkLst>
+          <pc:docMk/>
+          <pc:sldMk cId="3213353773" sldId="300"/>
+        </pc:sldMkLst>
+      </pc:sldChg>
+      <pc:sldChg chg="del">
+        <pc:chgData name="jeongkilyong" userId="42a1e730-e7ec-4950-9a60-48236c77d83b" providerId="ADAL" clId="{6932074E-482F-4F04-8510-30F029D456F7}" dt="2023-10-31T13:14:45.392" v="12486" actId="47"/>
+        <pc:sldMkLst>
+          <pc:docMk/>
+          <pc:sldMk cId="648361740" sldId="301"/>
+        </pc:sldMkLst>
+      </pc:sldChg>
+      <pc:sldChg chg="del">
+        <pc:chgData name="jeongkilyong" userId="42a1e730-e7ec-4950-9a60-48236c77d83b" providerId="ADAL" clId="{6932074E-482F-4F04-8510-30F029D456F7}" dt="2023-10-31T13:14:45.392" v="12486" actId="47"/>
+        <pc:sldMkLst>
+          <pc:docMk/>
+          <pc:sldMk cId="2154788897" sldId="302"/>
+        </pc:sldMkLst>
+      </pc:sldChg>
+      <pc:sldChg chg="del">
+        <pc:chgData name="jeongkilyong" userId="42a1e730-e7ec-4950-9a60-48236c77d83b" providerId="ADAL" clId="{6932074E-482F-4F04-8510-30F029D456F7}" dt="2023-10-31T13:14:45.392" v="12486" actId="47"/>
+        <pc:sldMkLst>
+          <pc:docMk/>
+          <pc:sldMk cId="1512175827" sldId="303"/>
+        </pc:sldMkLst>
+      </pc:sldChg>
+      <pc:sldChg chg="del">
+        <pc:chgData name="jeongkilyong" userId="42a1e730-e7ec-4950-9a60-48236c77d83b" providerId="ADAL" clId="{6932074E-482F-4F04-8510-30F029D456F7}" dt="2023-10-31T13:14:45.392" v="12486" actId="47"/>
+        <pc:sldMkLst>
+          <pc:docMk/>
+          <pc:sldMk cId="2639618182" sldId="304"/>
+        </pc:sldMkLst>
+      </pc:sldChg>
+      <pc:sldChg chg="del">
+        <pc:chgData name="jeongkilyong" userId="42a1e730-e7ec-4950-9a60-48236c77d83b" providerId="ADAL" clId="{6932074E-482F-4F04-8510-30F029D456F7}" dt="2023-10-31T13:14:45.392" v="12486" actId="47"/>
+        <pc:sldMkLst>
+          <pc:docMk/>
+          <pc:sldMk cId="2147266946" sldId="305"/>
+        </pc:sldMkLst>
+      </pc:sldChg>
+      <pc:sldChg chg="del">
+        <pc:chgData name="jeongkilyong" userId="42a1e730-e7ec-4950-9a60-48236c77d83b" providerId="ADAL" clId="{6932074E-482F-4F04-8510-30F029D456F7}" dt="2023-10-31T13:14:45.392" v="12486" actId="47"/>
+        <pc:sldMkLst>
+          <pc:docMk/>
+          <pc:sldMk cId="636080613" sldId="306"/>
+        </pc:sldMkLst>
+      </pc:sldChg>
+      <pc:sldChg chg="del">
+        <pc:chgData name="jeongkilyong" userId="42a1e730-e7ec-4950-9a60-48236c77d83b" providerId="ADAL" clId="{6932074E-482F-4F04-8510-30F029D456F7}" dt="2023-10-31T13:14:45.392" v="12486" actId="47"/>
+        <pc:sldMkLst>
+          <pc:docMk/>
+          <pc:sldMk cId="2447935166" sldId="307"/>
+        </pc:sldMkLst>
+      </pc:sldChg>
+      <pc:sldChg chg="del">
+        <pc:chgData name="jeongkilyong" userId="42a1e730-e7ec-4950-9a60-48236c77d83b" providerId="ADAL" clId="{6932074E-482F-4F04-8510-30F029D456F7}" dt="2023-10-31T13:14:45.392" v="12486" actId="47"/>
+        <pc:sldMkLst>
+          <pc:docMk/>
+          <pc:sldMk cId="3670214579" sldId="308"/>
+        </pc:sldMkLst>
+      </pc:sldChg>
+      <pc:sldChg chg="del">
+        <pc:chgData name="jeongkilyong" userId="42a1e730-e7ec-4950-9a60-48236c77d83b" providerId="ADAL" clId="{6932074E-482F-4F04-8510-30F029D456F7}" dt="2023-10-31T13:14:45.392" v="12486" actId="47"/>
+        <pc:sldMkLst>
+          <pc:docMk/>
+          <pc:sldMk cId="1580071959" sldId="309"/>
+        </pc:sldMkLst>
+      </pc:sldChg>
+      <pc:sldChg chg="del">
+        <pc:chgData name="jeongkilyong" userId="42a1e730-e7ec-4950-9a60-48236c77d83b" providerId="ADAL" clId="{6932074E-482F-4F04-8510-30F029D456F7}" dt="2023-10-31T13:14:45.392" v="12486" actId="47"/>
+        <pc:sldMkLst>
+          <pc:docMk/>
+          <pc:sldMk cId="2719719894" sldId="310"/>
+        </pc:sldMkLst>
+      </pc:sldChg>
+      <pc:sldChg chg="del">
+        <pc:chgData name="jeongkilyong" userId="42a1e730-e7ec-4950-9a60-48236c77d83b" providerId="ADAL" clId="{6932074E-482F-4F04-8510-30F029D456F7}" dt="2023-10-31T13:14:45.392" v="12486" actId="47"/>
+        <pc:sldMkLst>
+          <pc:docMk/>
+          <pc:sldMk cId="249912601" sldId="311"/>
+        </pc:sldMkLst>
+      </pc:sldChg>
+      <pc:sldChg chg="del">
+        <pc:chgData name="jeongkilyong" userId="42a1e730-e7ec-4950-9a60-48236c77d83b" providerId="ADAL" clId="{6932074E-482F-4F04-8510-30F029D456F7}" dt="2023-10-31T13:14:45.392" v="12486" actId="47"/>
+        <pc:sldMkLst>
+          <pc:docMk/>
+          <pc:sldMk cId="2387562204" sldId="312"/>
+        </pc:sldMkLst>
+      </pc:sldChg>
+      <pc:sldChg chg="del">
+        <pc:chgData name="jeongkilyong" userId="42a1e730-e7ec-4950-9a60-48236c77d83b" providerId="ADAL" clId="{6932074E-482F-4F04-8510-30F029D456F7}" dt="2023-10-31T13:14:45.392" v="12486" actId="47"/>
+        <pc:sldMkLst>
+          <pc:docMk/>
+          <pc:sldMk cId="1859253" sldId="313"/>
+        </pc:sldMkLst>
+      </pc:sldChg>
+      <pc:sldChg chg="del">
+        <pc:chgData name="jeongkilyong" userId="42a1e730-e7ec-4950-9a60-48236c77d83b" providerId="ADAL" clId="{6932074E-482F-4F04-8510-30F029D456F7}" dt="2023-10-31T13:14:45.392" v="12486" actId="47"/>
+        <pc:sldMkLst>
+          <pc:docMk/>
+          <pc:sldMk cId="3136811878" sldId="316"/>
+        </pc:sldMkLst>
+      </pc:sldChg>
+      <pc:sldChg chg="addSp delSp modSp add mod">
+        <pc:chgData name="jeongkilyong" userId="42a1e730-e7ec-4950-9a60-48236c77d83b" providerId="ADAL" clId="{6932074E-482F-4F04-8510-30F029D456F7}" dt="2023-10-31T10:31:47.446" v="11808" actId="14100"/>
+        <pc:sldMkLst>
+          <pc:docMk/>
+          <pc:sldMk cId="4004082555" sldId="317"/>
+        </pc:sldMkLst>
+        <pc:spChg chg="mod">
+          <ac:chgData name="jeongkilyong" userId="42a1e730-e7ec-4950-9a60-48236c77d83b" providerId="ADAL" clId="{6932074E-482F-4F04-8510-30F029D456F7}" dt="2023-10-29T11:02:20.171" v="1297" actId="20577"/>
+          <ac:spMkLst>
+            <pc:docMk/>
+            <pc:sldMk cId="4004082555" sldId="317"/>
+            <ac:spMk id="5" creationId="{FB35D915-9598-4DE5-A561-CC6FE4D2171D}"/>
+          </ac:spMkLst>
+        </pc:spChg>
+        <pc:spChg chg="del">
+          <ac:chgData name="jeongkilyong" userId="42a1e730-e7ec-4950-9a60-48236c77d83b" providerId="ADAL" clId="{6932074E-482F-4F04-8510-30F029D456F7}" dt="2023-10-29T13:21:25.765" v="2912" actId="478"/>
+          <ac:spMkLst>
+            <pc:docMk/>
+            <pc:sldMk cId="4004082555" sldId="317"/>
+            <ac:spMk id="7" creationId="{E08312F0-3BD2-4F32-9089-FB425567B7D7}"/>
+          </ac:spMkLst>
+        </pc:spChg>
+        <pc:spChg chg="add mod">
+          <ac:chgData name="jeongkilyong" userId="42a1e730-e7ec-4950-9a60-48236c77d83b" providerId="ADAL" clId="{6932074E-482F-4F04-8510-30F029D456F7}" dt="2023-10-29T11:24:15.403" v="1369" actId="1076"/>
+          <ac:spMkLst>
+            <pc:docMk/>
+            <pc:sldMk cId="4004082555" sldId="317"/>
+            <ac:spMk id="11" creationId="{24C3D664-C1E9-4355-B606-904ED1454FF3}"/>
+          </ac:spMkLst>
+        </pc:spChg>
+        <pc:spChg chg="mod">
+          <ac:chgData name="jeongkilyong" userId="42a1e730-e7ec-4950-9a60-48236c77d83b" providerId="ADAL" clId="{6932074E-482F-4F04-8510-30F029D456F7}" dt="2023-10-29T12:45:24.882" v="2047" actId="20577"/>
+          <ac:spMkLst>
+            <pc:docMk/>
+            <pc:sldMk cId="4004082555" sldId="317"/>
+            <ac:spMk id="12" creationId="{10ACD4E5-1FFB-574E-8F99-C84FF7F7144F}"/>
+          </ac:spMkLst>
+        </pc:spChg>
+        <pc:picChg chg="del">
+          <ac:chgData name="jeongkilyong" userId="42a1e730-e7ec-4950-9a60-48236c77d83b" providerId="ADAL" clId="{6932074E-482F-4F04-8510-30F029D456F7}" dt="2023-10-29T13:21:25.765" v="2912" actId="478"/>
+          <ac:picMkLst>
+            <pc:docMk/>
+            <pc:sldMk cId="4004082555" sldId="317"/>
+            <ac:picMk id="6" creationId="{70EB4F47-E0CF-4334-93D6-7B7E49AA174A}"/>
+          </ac:picMkLst>
+        </pc:picChg>
+        <pc:picChg chg="add del mod">
+          <ac:chgData name="jeongkilyong" userId="42a1e730-e7ec-4950-9a60-48236c77d83b" providerId="ADAL" clId="{6932074E-482F-4F04-8510-30F029D456F7}" dt="2023-10-29T11:20:46.485" v="1328" actId="478"/>
+          <ac:picMkLst>
+            <pc:docMk/>
+            <pc:sldMk cId="4004082555" sldId="317"/>
+            <ac:picMk id="8" creationId="{4581DCBA-7E9F-489E-B2CF-FA6F196AAB35}"/>
+          </ac:picMkLst>
+        </pc:picChg>
+        <pc:picChg chg="add del mod">
+          <ac:chgData name="jeongkilyong" userId="42a1e730-e7ec-4950-9a60-48236c77d83b" providerId="ADAL" clId="{6932074E-482F-4F04-8510-30F029D456F7}" dt="2023-10-31T10:30:46.774" v="11795" actId="478"/>
+          <ac:picMkLst>
+            <pc:docMk/>
+            <pc:sldMk cId="4004082555" sldId="317"/>
+            <ac:picMk id="13" creationId="{4992BF40-2373-433A-826A-9607E18163A8}"/>
+          </ac:picMkLst>
+        </pc:picChg>
+        <pc:picChg chg="add del mod">
+          <ac:chgData name="jeongkilyong" userId="42a1e730-e7ec-4950-9a60-48236c77d83b" providerId="ADAL" clId="{6932074E-482F-4F04-8510-30F029D456F7}" dt="2023-10-31T10:31:29.800" v="11801" actId="478"/>
+          <ac:picMkLst>
+            <pc:docMk/>
+            <pc:sldMk cId="4004082555" sldId="317"/>
+            <ac:picMk id="15" creationId="{1E2ABDB8-386D-464C-BAFA-FC693D08ADB6}"/>
+          </ac:picMkLst>
+        </pc:picChg>
+        <pc:picChg chg="add mod">
+          <ac:chgData name="jeongkilyong" userId="42a1e730-e7ec-4950-9a60-48236c77d83b" providerId="ADAL" clId="{6932074E-482F-4F04-8510-30F029D456F7}" dt="2023-10-31T10:30:59.260" v="11800" actId="1076"/>
+          <ac:picMkLst>
+            <pc:docMk/>
+            <pc:sldMk cId="4004082555" sldId="317"/>
+            <ac:picMk id="17" creationId="{7704EDFE-640B-43A9-9ECA-FBF5A2E5926E}"/>
+          </ac:picMkLst>
+        </pc:picChg>
+        <pc:picChg chg="add mod">
+          <ac:chgData name="jeongkilyong" userId="42a1e730-e7ec-4950-9a60-48236c77d83b" providerId="ADAL" clId="{6932074E-482F-4F04-8510-30F029D456F7}" dt="2023-10-29T11:24:09.305" v="1368" actId="1076"/>
+          <ac:picMkLst>
+            <pc:docMk/>
+            <pc:sldMk cId="4004082555" sldId="317"/>
+            <ac:picMk id="18" creationId="{53306768-7F16-46D7-8918-6C87497EA84B}"/>
+          </ac:picMkLst>
+        </pc:picChg>
+        <pc:picChg chg="add mod">
+          <ac:chgData name="jeongkilyong" userId="42a1e730-e7ec-4950-9a60-48236c77d83b" providerId="ADAL" clId="{6932074E-482F-4F04-8510-30F029D456F7}" dt="2023-10-29T11:27:36.785" v="1384" actId="1076"/>
+          <ac:picMkLst>
+            <pc:docMk/>
+            <pc:sldMk cId="4004082555" sldId="317"/>
+            <ac:picMk id="19" creationId="{92B40CE9-D82B-4498-B210-73ACE2A914C0}"/>
+          </ac:picMkLst>
+        </pc:picChg>
+        <pc:picChg chg="add mod ord">
+          <ac:chgData name="jeongkilyong" userId="42a1e730-e7ec-4950-9a60-48236c77d83b" providerId="ADAL" clId="{6932074E-482F-4F04-8510-30F029D456F7}" dt="2023-10-31T10:31:47.446" v="11808" actId="14100"/>
+          <ac:picMkLst>
+            <pc:docMk/>
+            <pc:sldMk cId="4004082555" sldId="317"/>
+            <ac:picMk id="21" creationId="{2E26EB5B-D458-45EA-BB05-3A76958DCF14}"/>
+          </ac:picMkLst>
+        </pc:picChg>
+        <pc:picChg chg="add del mod">
+          <ac:chgData name="jeongkilyong" userId="42a1e730-e7ec-4950-9a60-48236c77d83b" providerId="ADAL" clId="{6932074E-482F-4F04-8510-30F029D456F7}" dt="2023-10-29T11:27:34.322" v="1382" actId="478"/>
+          <ac:picMkLst>
+            <pc:docMk/>
+            <pc:sldMk cId="4004082555" sldId="317"/>
+            <ac:picMk id="1026" creationId="{CF6C6536-6F9E-4F36-B44B-38D9CED661A3}"/>
+          </ac:picMkLst>
+        </pc:picChg>
+        <pc:picChg chg="add mod">
+          <ac:chgData name="jeongkilyong" userId="42a1e730-e7ec-4950-9a60-48236c77d83b" providerId="ADAL" clId="{6932074E-482F-4F04-8510-30F029D456F7}" dt="2023-10-31T10:30:56.645" v="11799" actId="166"/>
+          <ac:picMkLst>
+            <pc:docMk/>
+            <pc:sldMk cId="4004082555" sldId="317"/>
+            <ac:picMk id="1028" creationId="{1DF8B8CD-2C0F-4A46-B972-B54B517FF93A}"/>
+          </ac:picMkLst>
+        </pc:picChg>
+      </pc:sldChg>
+      <pc:sldChg chg="addSp delSp modSp add mod">
+        <pc:chgData name="jeongkilyong" userId="42a1e730-e7ec-4950-9a60-48236c77d83b" providerId="ADAL" clId="{6932074E-482F-4F04-8510-30F029D456F7}" dt="2023-10-31T10:44:56.096" v="12130" actId="207"/>
+        <pc:sldMkLst>
+          <pc:docMk/>
+          <pc:sldMk cId="1241690786" sldId="318"/>
+        </pc:sldMkLst>
+        <pc:spChg chg="mod">
+          <ac:chgData name="jeongkilyong" userId="42a1e730-e7ec-4950-9a60-48236c77d83b" providerId="ADAL" clId="{6932074E-482F-4F04-8510-30F029D456F7}" dt="2023-10-31T10:44:56.096" v="12130" actId="207"/>
+          <ac:spMkLst>
+            <pc:docMk/>
+            <pc:sldMk cId="1241690786" sldId="318"/>
+            <ac:spMk id="5" creationId="{FB35D915-9598-4DE5-A561-CC6FE4D2171D}"/>
+          </ac:spMkLst>
+        </pc:spChg>
+        <pc:spChg chg="del">
+          <ac:chgData name="jeongkilyong" userId="42a1e730-e7ec-4950-9a60-48236c77d83b" providerId="ADAL" clId="{6932074E-482F-4F04-8510-30F029D456F7}" dt="2023-10-29T12:07:02.027" v="1775" actId="21"/>
+          <ac:spMkLst>
+            <pc:docMk/>
+            <pc:sldMk cId="1241690786" sldId="318"/>
+            <ac:spMk id="7" creationId="{E08312F0-3BD2-4F32-9089-FB425567B7D7}"/>
+          </ac:spMkLst>
+        </pc:spChg>
+        <pc:spChg chg="add mod">
+          <ac:chgData name="jeongkilyong" userId="42a1e730-e7ec-4950-9a60-48236c77d83b" providerId="ADAL" clId="{6932074E-482F-4F04-8510-30F029D456F7}" dt="2023-10-31T10:33:45.332" v="11825" actId="1037"/>
+          <ac:spMkLst>
+            <pc:docMk/>
+            <pc:sldMk cId="1241690786" sldId="318"/>
+            <ac:spMk id="9" creationId="{A2F4108C-EE4A-48B9-8F2E-947DF2E417B0}"/>
+          </ac:spMkLst>
+        </pc:spChg>
+        <pc:spChg chg="add mod">
+          <ac:chgData name="jeongkilyong" userId="42a1e730-e7ec-4950-9a60-48236c77d83b" providerId="ADAL" clId="{6932074E-482F-4F04-8510-30F029D456F7}" dt="2023-10-31T10:33:49.429" v="11833" actId="1037"/>
+          <ac:spMkLst>
+            <pc:docMk/>
+            <pc:sldMk cId="1241690786" sldId="318"/>
+            <ac:spMk id="11" creationId="{CF854CFA-C5DE-4D96-B21D-713AAC08FA30}"/>
+          </ac:spMkLst>
+        </pc:spChg>
+        <pc:spChg chg="mod">
+          <ac:chgData name="jeongkilyong" userId="42a1e730-e7ec-4950-9a60-48236c77d83b" providerId="ADAL" clId="{6932074E-482F-4F04-8510-30F029D456F7}" dt="2023-10-29T12:45:13.386" v="2034" actId="20577"/>
+          <ac:spMkLst>
+            <pc:docMk/>
+            <pc:sldMk cId="1241690786" sldId="318"/>
+            <ac:spMk id="12" creationId="{10ACD4E5-1FFB-574E-8F99-C84FF7F7144F}"/>
+          </ac:spMkLst>
+        </pc:spChg>
+        <pc:picChg chg="del">
+          <ac:chgData name="jeongkilyong" userId="42a1e730-e7ec-4950-9a60-48236c77d83b" providerId="ADAL" clId="{6932074E-482F-4F04-8510-30F029D456F7}" dt="2023-10-29T12:07:02.027" v="1775" actId="21"/>
+          <ac:picMkLst>
+            <pc:docMk/>
+            <pc:sldMk cId="1241690786" sldId="318"/>
+            <ac:picMk id="6" creationId="{70EB4F47-E0CF-4334-93D6-7B7E49AA174A}"/>
+          </ac:picMkLst>
+        </pc:picChg>
+        <pc:picChg chg="add mod">
+          <ac:chgData name="jeongkilyong" userId="42a1e730-e7ec-4950-9a60-48236c77d83b" providerId="ADAL" clId="{6932074E-482F-4F04-8510-30F029D456F7}" dt="2023-10-31T10:33:45.332" v="11825" actId="1037"/>
+          <ac:picMkLst>
+            <pc:docMk/>
+            <pc:sldMk cId="1241690786" sldId="318"/>
+            <ac:picMk id="13" creationId="{2C014300-249E-4134-9EB7-51160212FB03}"/>
+          </ac:picMkLst>
+        </pc:picChg>
+        <pc:picChg chg="add mod">
+          <ac:chgData name="jeongkilyong" userId="42a1e730-e7ec-4950-9a60-48236c77d83b" providerId="ADAL" clId="{6932074E-482F-4F04-8510-30F029D456F7}" dt="2023-10-31T10:34:02.116" v="11840" actId="1036"/>
+          <ac:picMkLst>
+            <pc:docMk/>
+            <pc:sldMk cId="1241690786" sldId="318"/>
+            <ac:picMk id="14" creationId="{B7A8FF01-5567-4CD0-A1B8-82693ED9955F}"/>
+          </ac:picMkLst>
+        </pc:picChg>
+      </pc:sldChg>
+      <pc:sldChg chg="addSp modSp add del mod">
+        <pc:chgData name="jeongkilyong" userId="42a1e730-e7ec-4950-9a60-48236c77d83b" providerId="ADAL" clId="{6932074E-482F-4F04-8510-30F029D456F7}" dt="2023-10-31T10:42:42.652" v="12021" actId="2696"/>
+        <pc:sldMkLst>
+          <pc:docMk/>
+          <pc:sldMk cId="1181695214" sldId="319"/>
+        </pc:sldMkLst>
+        <pc:spChg chg="add mod">
+          <ac:chgData name="jeongkilyong" userId="42a1e730-e7ec-4950-9a60-48236c77d83b" providerId="ADAL" clId="{6932074E-482F-4F04-8510-30F029D456F7}" dt="2023-10-29T13:34:25.783" v="2946" actId="20577"/>
+          <ac:spMkLst>
+            <pc:docMk/>
+            <pc:sldMk cId="1181695214" sldId="319"/>
+            <ac:spMk id="7" creationId="{01C5C3FE-7898-4F96-A7CC-D3A168BE1427}"/>
+          </ac:spMkLst>
+        </pc:spChg>
+        <pc:spChg chg="mod">
+          <ac:chgData name="jeongkilyong" userId="42a1e730-e7ec-4950-9a60-48236c77d83b" providerId="ADAL" clId="{6932074E-482F-4F04-8510-30F029D456F7}" dt="2023-10-29T13:21:10.156" v="2911" actId="20577"/>
+          <ac:spMkLst>
+            <pc:docMk/>
+            <pc:sldMk cId="1181695214" sldId="319"/>
+            <ac:spMk id="12" creationId="{10ACD4E5-1FFB-574E-8F99-C84FF7F7144F}"/>
+          </ac:spMkLst>
+        </pc:spChg>
+        <pc:picChg chg="add mod">
+          <ac:chgData name="jeongkilyong" userId="42a1e730-e7ec-4950-9a60-48236c77d83b" providerId="ADAL" clId="{6932074E-482F-4F04-8510-30F029D456F7}" dt="2023-10-29T13:21:42.605" v="2916"/>
+          <ac:picMkLst>
+            <pc:docMk/>
+            <pc:sldMk cId="1181695214" sldId="319"/>
+            <ac:picMk id="6" creationId="{ACC1FFCB-82BB-4636-9902-3025E3D7C8F9}"/>
+          </ac:picMkLst>
+        </pc:picChg>
+      </pc:sldChg>
+      <pc:sldChg chg="add del">
+        <pc:chgData name="jeongkilyong" userId="42a1e730-e7ec-4950-9a60-48236c77d83b" providerId="ADAL" clId="{6932074E-482F-4F04-8510-30F029D456F7}" dt="2023-10-31T11:20:59.230" v="12365" actId="2696"/>
+        <pc:sldMkLst>
+          <pc:docMk/>
+          <pc:sldMk cId="1398851862" sldId="319"/>
+        </pc:sldMkLst>
+      </pc:sldChg>
+      <pc:sldChg chg="modSp add del mod">
+        <pc:chgData name="jeongkilyong" userId="42a1e730-e7ec-4950-9a60-48236c77d83b" providerId="ADAL" clId="{6932074E-482F-4F04-8510-30F029D456F7}" dt="2023-10-31T13:14:38.411" v="12485" actId="47"/>
+        <pc:sldMkLst>
+          <pc:docMk/>
+          <pc:sldMk cId="2851373288" sldId="319"/>
+        </pc:sldMkLst>
+        <pc:spChg chg="mod">
+          <ac:chgData name="jeongkilyong" userId="42a1e730-e7ec-4950-9a60-48236c77d83b" providerId="ADAL" clId="{6932074E-482F-4F04-8510-30F029D456F7}" dt="2023-10-31T11:29:24.768" v="12387" actId="20577"/>
+          <ac:spMkLst>
+            <pc:docMk/>
+            <pc:sldMk cId="2851373288" sldId="319"/>
+            <ac:spMk id="7" creationId="{01C5C3FE-7898-4F96-A7CC-D3A168BE1427}"/>
+          </ac:spMkLst>
+        </pc:spChg>
+      </pc:sldChg>
+      <pc:sldChg chg="addSp delSp modSp add mod">
+        <pc:chgData name="jeongkilyong" userId="42a1e730-e7ec-4950-9a60-48236c77d83b" providerId="ADAL" clId="{6932074E-482F-4F04-8510-30F029D456F7}" dt="2023-10-31T22:31:19.922" v="12539" actId="20577"/>
+        <pc:sldMkLst>
+          <pc:docMk/>
+          <pc:sldMk cId="2378294150" sldId="320"/>
+        </pc:sldMkLst>
+        <pc:spChg chg="mod">
+          <ac:chgData name="jeongkilyong" userId="42a1e730-e7ec-4950-9a60-48236c77d83b" providerId="ADAL" clId="{6932074E-482F-4F04-8510-30F029D456F7}" dt="2023-10-31T10:50:11.956" v="12229" actId="207"/>
+          <ac:spMkLst>
+            <pc:docMk/>
+            <pc:sldMk cId="2378294150" sldId="320"/>
+            <ac:spMk id="4" creationId="{36A61F52-C7C9-44DD-A99A-6374000ED600}"/>
+          </ac:spMkLst>
+        </pc:spChg>
+        <pc:spChg chg="add del mod">
+          <ac:chgData name="jeongkilyong" userId="42a1e730-e7ec-4950-9a60-48236c77d83b" providerId="ADAL" clId="{6932074E-482F-4F04-8510-30F029D456F7}" dt="2023-10-30T07:16:45.286" v="3377" actId="478"/>
+          <ac:spMkLst>
+            <pc:docMk/>
+            <pc:sldMk cId="2378294150" sldId="320"/>
+            <ac:spMk id="7" creationId="{C1545ADC-D2A0-4488-8D2E-72257689AF71}"/>
+          </ac:spMkLst>
+        </pc:spChg>
+        <pc:spChg chg="add mod">
+          <ac:chgData name="jeongkilyong" userId="42a1e730-e7ec-4950-9a60-48236c77d83b" providerId="ADAL" clId="{6932074E-482F-4F04-8510-30F029D456F7}" dt="2023-10-31T10:43:23.325" v="12032" actId="207"/>
+          <ac:spMkLst>
+            <pc:docMk/>
+            <pc:sldMk cId="2378294150" sldId="320"/>
+            <ac:spMk id="10" creationId="{846A01CB-9D1D-4707-B94F-E210FB365C69}"/>
+          </ac:spMkLst>
+        </pc:spChg>
+        <pc:spChg chg="add del">
+          <ac:chgData name="jeongkilyong" userId="42a1e730-e7ec-4950-9a60-48236c77d83b" providerId="ADAL" clId="{6932074E-482F-4F04-8510-30F029D456F7}" dt="2023-10-31T00:37:19.094" v="5598" actId="478"/>
+          <ac:spMkLst>
+            <pc:docMk/>
+            <pc:sldMk cId="2378294150" sldId="320"/>
+            <ac:spMk id="11" creationId="{26F0469C-E8F7-4F88-8DF8-E40E949C281B}"/>
+          </ac:spMkLst>
+        </pc:spChg>
+        <pc:spChg chg="mod">
+          <ac:chgData name="jeongkilyong" userId="42a1e730-e7ec-4950-9a60-48236c77d83b" providerId="ADAL" clId="{6932074E-482F-4F04-8510-30F029D456F7}" dt="2023-10-30T06:28:01.785" v="2962" actId="20577"/>
+          <ac:spMkLst>
+            <pc:docMk/>
+            <pc:sldMk cId="2378294150" sldId="320"/>
+            <ac:spMk id="12" creationId="{10ACD4E5-1FFB-574E-8F99-C84FF7F7144F}"/>
+          </ac:spMkLst>
+        </pc:spChg>
+        <pc:spChg chg="add del mod">
+          <ac:chgData name="jeongkilyong" userId="42a1e730-e7ec-4950-9a60-48236c77d83b" providerId="ADAL" clId="{6932074E-482F-4F04-8510-30F029D456F7}" dt="2023-10-31T01:29:50.836" v="6590" actId="478"/>
+          <ac:spMkLst>
+            <pc:docMk/>
+            <pc:sldMk cId="2378294150" sldId="320"/>
+            <ac:spMk id="14" creationId="{CE5A5374-AE39-4A67-8B9F-862D905E41AE}"/>
+          </ac:spMkLst>
+        </pc:spChg>
+        <pc:spChg chg="add mod">
+          <ac:chgData name="jeongkilyong" userId="42a1e730-e7ec-4950-9a60-48236c77d83b" providerId="ADAL" clId="{6932074E-482F-4F04-8510-30F029D456F7}" dt="2023-10-31T22:31:19.922" v="12539" actId="20577"/>
+          <ac:spMkLst>
+            <pc:docMk/>
+            <pc:sldMk cId="2378294150" sldId="320"/>
+            <ac:spMk id="16" creationId="{9F1043FE-A6CD-4775-A6D5-06003C7905A0}"/>
+          </ac:spMkLst>
+        </pc:spChg>
+        <pc:picChg chg="add del mod">
+          <ac:chgData name="jeongkilyong" userId="42a1e730-e7ec-4950-9a60-48236c77d83b" providerId="ADAL" clId="{6932074E-482F-4F04-8510-30F029D456F7}" dt="2023-10-31T01:29:50.836" v="6590" actId="478"/>
+          <ac:picMkLst>
+            <pc:docMk/>
+            <pc:sldMk cId="2378294150" sldId="320"/>
+            <ac:picMk id="13" creationId="{8760D10C-0E27-4647-87DD-03BB6315569F}"/>
+          </ac:picMkLst>
+        </pc:picChg>
+        <pc:picChg chg="add mod">
+          <ac:chgData name="jeongkilyong" userId="42a1e730-e7ec-4950-9a60-48236c77d83b" providerId="ADAL" clId="{6932074E-482F-4F04-8510-30F029D456F7}" dt="2023-10-31T07:05:36.339" v="10487"/>
+          <ac:picMkLst>
+            <pc:docMk/>
+            <pc:sldMk cId="2378294150" sldId="320"/>
+            <ac:picMk id="15" creationId="{5AACC1E2-618D-4D8F-AC9F-11E1250F6085}"/>
+          </ac:picMkLst>
+        </pc:picChg>
+      </pc:sldChg>
+      <pc:sldChg chg="addSp modSp add del mod">
+        <pc:chgData name="jeongkilyong" userId="42a1e730-e7ec-4950-9a60-48236c77d83b" providerId="ADAL" clId="{6932074E-482F-4F04-8510-30F029D456F7}" dt="2023-10-31T00:55:16.769" v="5604" actId="47"/>
+        <pc:sldMkLst>
+          <pc:docMk/>
+          <pc:sldMk cId="3411960664" sldId="321"/>
+        </pc:sldMkLst>
+        <pc:spChg chg="mod">
+          <ac:chgData name="jeongkilyong" userId="42a1e730-e7ec-4950-9a60-48236c77d83b" providerId="ADAL" clId="{6932074E-482F-4F04-8510-30F029D456F7}" dt="2023-10-31T00:22:17.659" v="5502" actId="20577"/>
+          <ac:spMkLst>
+            <pc:docMk/>
+            <pc:sldMk cId="3411960664" sldId="321"/>
+            <ac:spMk id="4" creationId="{36A61F52-C7C9-44DD-A99A-6374000ED600}"/>
+          </ac:spMkLst>
+        </pc:spChg>
+        <pc:spChg chg="add mod">
+          <ac:chgData name="jeongkilyong" userId="42a1e730-e7ec-4950-9a60-48236c77d83b" providerId="ADAL" clId="{6932074E-482F-4F04-8510-30F029D456F7}" dt="2023-10-30T07:51:36.769" v="4151" actId="20577"/>
+          <ac:spMkLst>
+            <pc:docMk/>
+            <pc:sldMk cId="3411960664" sldId="321"/>
+            <ac:spMk id="7" creationId="{9F9ABABC-75B5-4ED3-B6E1-850EF8171B5F}"/>
+          </ac:spMkLst>
+        </pc:spChg>
+        <pc:spChg chg="add mod">
+          <ac:chgData name="jeongkilyong" userId="42a1e730-e7ec-4950-9a60-48236c77d83b" providerId="ADAL" clId="{6932074E-482F-4F04-8510-30F029D456F7}" dt="2023-10-31T00:22:21.487" v="5503" actId="1076"/>
+          <ac:spMkLst>
+            <pc:docMk/>
+            <pc:sldMk cId="3411960664" sldId="321"/>
+            <ac:spMk id="10" creationId="{EA44B287-EF83-42FA-9CF0-E9947AECA1CC}"/>
+          </ac:spMkLst>
+        </pc:spChg>
+        <pc:spChg chg="mod">
+          <ac:chgData name="jeongkilyong" userId="42a1e730-e7ec-4950-9a60-48236c77d83b" providerId="ADAL" clId="{6932074E-482F-4F04-8510-30F029D456F7}" dt="2023-10-30T23:48:33.737" v="5135" actId="20577"/>
+          <ac:spMkLst>
+            <pc:docMk/>
+            <pc:sldMk cId="3411960664" sldId="321"/>
+            <ac:spMk id="12" creationId="{10ACD4E5-1FFB-574E-8F99-C84FF7F7144F}"/>
+          </ac:spMkLst>
+        </pc:spChg>
+        <pc:picChg chg="add mod">
+          <ac:chgData name="jeongkilyong" userId="42a1e730-e7ec-4950-9a60-48236c77d83b" providerId="ADAL" clId="{6932074E-482F-4F04-8510-30F029D456F7}" dt="2023-10-30T07:18:23.318" v="3460"/>
+          <ac:picMkLst>
+            <pc:docMk/>
+            <pc:sldMk cId="3411960664" sldId="321"/>
+            <ac:picMk id="6" creationId="{CFEF24B9-B94F-4A95-9DCB-7A8E92B7AA4A}"/>
+          </ac:picMkLst>
+        </pc:picChg>
+      </pc:sldChg>
+      <pc:sldChg chg="addSp delSp modSp add mod">
+        <pc:chgData name="jeongkilyong" userId="42a1e730-e7ec-4950-9a60-48236c77d83b" providerId="ADAL" clId="{6932074E-482F-4F04-8510-30F029D456F7}" dt="2023-10-31T22:31:35.026" v="12547" actId="20577"/>
+        <pc:sldMkLst>
+          <pc:docMk/>
+          <pc:sldMk cId="2524346248" sldId="322"/>
+        </pc:sldMkLst>
+        <pc:spChg chg="del mod">
+          <ac:chgData name="jeongkilyong" userId="42a1e730-e7ec-4950-9a60-48236c77d83b" providerId="ADAL" clId="{6932074E-482F-4F04-8510-30F029D456F7}" dt="2023-10-30T07:49:38.748" v="4057" actId="478"/>
+          <ac:spMkLst>
+            <pc:docMk/>
+            <pc:sldMk cId="2524346248" sldId="322"/>
+            <ac:spMk id="4" creationId="{36A61F52-C7C9-44DD-A99A-6374000ED600}"/>
+          </ac:spMkLst>
+        </pc:spChg>
+        <pc:spChg chg="add mod">
+          <ac:chgData name="jeongkilyong" userId="42a1e730-e7ec-4950-9a60-48236c77d83b" providerId="ADAL" clId="{6932074E-482F-4F04-8510-30F029D456F7}" dt="2023-10-31T05:01:35.116" v="7597" actId="20577"/>
+          <ac:spMkLst>
+            <pc:docMk/>
+            <pc:sldMk cId="2524346248" sldId="322"/>
+            <ac:spMk id="6" creationId="{962B8DF6-ACCB-4F02-8A6A-23227785DE4F}"/>
+          </ac:spMkLst>
+        </pc:spChg>
+        <pc:spChg chg="add mod">
+          <ac:chgData name="jeongkilyong" userId="42a1e730-e7ec-4950-9a60-48236c77d83b" providerId="ADAL" clId="{6932074E-482F-4F04-8510-30F029D456F7}" dt="2023-10-31T22:31:35.026" v="12547" actId="20577"/>
+          <ac:spMkLst>
+            <pc:docMk/>
+            <pc:sldMk cId="2524346248" sldId="322"/>
+            <ac:spMk id="8" creationId="{C6032FC1-039D-42AE-BF7F-FEFC2409F224}"/>
+          </ac:spMkLst>
+        </pc:spChg>
+        <pc:spChg chg="add del mod">
+          <ac:chgData name="jeongkilyong" userId="42a1e730-e7ec-4950-9a60-48236c77d83b" providerId="ADAL" clId="{6932074E-482F-4F04-8510-30F029D456F7}" dt="2023-10-30T08:08:32.208" v="4240" actId="478"/>
+          <ac:spMkLst>
+            <pc:docMk/>
+            <pc:sldMk cId="2524346248" sldId="322"/>
+            <ac:spMk id="10" creationId="{CFD7EF67-1E38-499C-B5A9-657CC08AAEBE}"/>
+          </ac:spMkLst>
+        </pc:spChg>
+        <pc:spChg chg="mod">
+          <ac:chgData name="jeongkilyong" userId="42a1e730-e7ec-4950-9a60-48236c77d83b" providerId="ADAL" clId="{6932074E-482F-4F04-8510-30F029D456F7}" dt="2023-10-31T01:55:35.352" v="6806" actId="6549"/>
+          <ac:spMkLst>
+            <pc:docMk/>
+            <pc:sldMk cId="2524346248" sldId="322"/>
+            <ac:spMk id="12" creationId="{10ACD4E5-1FFB-574E-8F99-C84FF7F7144F}"/>
+          </ac:spMkLst>
+        </pc:spChg>
+        <pc:spChg chg="add mod">
+          <ac:chgData name="jeongkilyong" userId="42a1e730-e7ec-4950-9a60-48236c77d83b" providerId="ADAL" clId="{6932074E-482F-4F04-8510-30F029D456F7}" dt="2023-10-31T10:50:36.779" v="12235" actId="207"/>
+          <ac:spMkLst>
+            <pc:docMk/>
+            <pc:sldMk cId="2524346248" sldId="322"/>
+            <ac:spMk id="13" creationId="{B28F2CAD-648A-4CAC-A08F-7172F1E6173A}"/>
+          </ac:spMkLst>
+        </pc:spChg>
+        <pc:picChg chg="add mod">
+          <ac:chgData name="jeongkilyong" userId="42a1e730-e7ec-4950-9a60-48236c77d83b" providerId="ADAL" clId="{6932074E-482F-4F04-8510-30F029D456F7}" dt="2023-10-30T07:51:17.310" v="4147"/>
+          <ac:picMkLst>
+            <pc:docMk/>
+            <pc:sldMk cId="2524346248" sldId="322"/>
+            <ac:picMk id="7" creationId="{884927E3-8DDB-4A9F-9C88-CBFF67B9E99D}"/>
+          </ac:picMkLst>
+        </pc:picChg>
+      </pc:sldChg>
+      <pc:sldChg chg="addSp modSp add mod">
+        <pc:chgData name="jeongkilyong" userId="42a1e730-e7ec-4950-9a60-48236c77d83b" providerId="ADAL" clId="{6932074E-482F-4F04-8510-30F029D456F7}" dt="2023-10-30T08:21:09.242" v="4815" actId="20577"/>
+        <pc:sldMkLst>
+          <pc:docMk/>
+          <pc:sldMk cId="3833393831" sldId="323"/>
+        </pc:sldMkLst>
+        <pc:spChg chg="mod">
+          <ac:chgData name="jeongkilyong" userId="42a1e730-e7ec-4950-9a60-48236c77d83b" providerId="ADAL" clId="{6932074E-482F-4F04-8510-30F029D456F7}" dt="2023-10-30T08:21:09.242" v="4815" actId="20577"/>
+          <ac:spMkLst>
+            <pc:docMk/>
+            <pc:sldMk cId="3833393831" sldId="323"/>
+            <ac:spMk id="4" creationId="{36A61F52-C7C9-44DD-A99A-6374000ED600}"/>
+          </ac:spMkLst>
+        </pc:spChg>
+        <pc:spChg chg="add mod">
+          <ac:chgData name="jeongkilyong" userId="42a1e730-e7ec-4950-9a60-48236c77d83b" providerId="ADAL" clId="{6932074E-482F-4F04-8510-30F029D456F7}" dt="2023-10-30T08:16:48.800" v="4616" actId="1076"/>
+          <ac:spMkLst>
+            <pc:docMk/>
+            <pc:sldMk cId="3833393831" sldId="323"/>
+            <ac:spMk id="7" creationId="{7E972AEF-2F74-409A-B554-B68599834B8D}"/>
+          </ac:spMkLst>
+        </pc:spChg>
+        <pc:spChg chg="add mod">
+          <ac:chgData name="jeongkilyong" userId="42a1e730-e7ec-4950-9a60-48236c77d83b" providerId="ADAL" clId="{6932074E-482F-4F04-8510-30F029D456F7}" dt="2023-10-30T08:16:48.800" v="4616" actId="1076"/>
+          <ac:spMkLst>
+            <pc:docMk/>
+            <pc:sldMk cId="3833393831" sldId="323"/>
+            <ac:spMk id="10" creationId="{E9721DE6-0A4D-473A-9715-EFB25B12ADF8}"/>
+          </ac:spMkLst>
+        </pc:spChg>
+        <pc:spChg chg="mod">
+          <ac:chgData name="jeongkilyong" userId="42a1e730-e7ec-4950-9a60-48236c77d83b" providerId="ADAL" clId="{6932074E-482F-4F04-8510-30F029D456F7}" dt="2023-10-30T08:14:57.784" v="4568" actId="20577"/>
+          <ac:spMkLst>
+            <pc:docMk/>
+            <pc:sldMk cId="3833393831" sldId="323"/>
+            <ac:spMk id="12" creationId="{10ACD4E5-1FFB-574E-8F99-C84FF7F7144F}"/>
+          </ac:spMkLst>
+        </pc:spChg>
+      </pc:sldChg>
+      <pc:sldChg chg="addSp delSp modSp add mod">
+        <pc:chgData name="jeongkilyong" userId="42a1e730-e7ec-4950-9a60-48236c77d83b" providerId="ADAL" clId="{6932074E-482F-4F04-8510-30F029D456F7}" dt="2023-10-31T22:31:51.812" v="12567" actId="20577"/>
+        <pc:sldMkLst>
+          <pc:docMk/>
+          <pc:sldMk cId="3970146633" sldId="324"/>
+        </pc:sldMkLst>
+        <pc:spChg chg="del">
+          <ac:chgData name="jeongkilyong" userId="42a1e730-e7ec-4950-9a60-48236c77d83b" providerId="ADAL" clId="{6932074E-482F-4F04-8510-30F029D456F7}" dt="2023-10-30T08:18:09.803" v="4642" actId="478"/>
+          <ac:spMkLst>
+            <pc:docMk/>
+            <pc:sldMk cId="3970146633" sldId="324"/>
+            <ac:spMk id="4" creationId="{36A61F52-C7C9-44DD-A99A-6374000ED600}"/>
+          </ac:spMkLst>
+        </pc:spChg>
+        <pc:spChg chg="add mod">
+          <ac:chgData name="jeongkilyong" userId="42a1e730-e7ec-4950-9a60-48236c77d83b" providerId="ADAL" clId="{6932074E-482F-4F04-8510-30F029D456F7}" dt="2023-10-30T08:39:15.501" v="4881" actId="6549"/>
+          <ac:spMkLst>
+            <pc:docMk/>
+            <pc:sldMk cId="3970146633" sldId="324"/>
+            <ac:spMk id="6" creationId="{B6FF5489-8544-4AD1-9304-6E99DE7D748E}"/>
+          </ac:spMkLst>
+        </pc:spChg>
+        <pc:spChg chg="add mod">
+          <ac:chgData name="jeongkilyong" userId="42a1e730-e7ec-4950-9a60-48236c77d83b" providerId="ADAL" clId="{6932074E-482F-4F04-8510-30F029D456F7}" dt="2023-10-31T10:55:47.009" v="12308" actId="113"/>
+          <ac:spMkLst>
+            <pc:docMk/>
+            <pc:sldMk cId="3970146633" sldId="324"/>
+            <ac:spMk id="8" creationId="{4AA7B4B7-2481-4FD8-988B-0A85F61AAD76}"/>
+          </ac:spMkLst>
+        </pc:spChg>
+        <pc:spChg chg="add mod">
+          <ac:chgData name="jeongkilyong" userId="42a1e730-e7ec-4950-9a60-48236c77d83b" providerId="ADAL" clId="{6932074E-482F-4F04-8510-30F029D456F7}" dt="2023-10-31T22:31:51.812" v="12567" actId="20577"/>
+          <ac:spMkLst>
+            <pc:docMk/>
+            <pc:sldMk cId="3970146633" sldId="324"/>
+            <ac:spMk id="11" creationId="{C3CE91F7-8513-4B16-94F8-FB3E27A0A062}"/>
+          </ac:spMkLst>
+        </pc:spChg>
+        <pc:spChg chg="mod">
+          <ac:chgData name="jeongkilyong" userId="42a1e730-e7ec-4950-9a60-48236c77d83b" providerId="ADAL" clId="{6932074E-482F-4F04-8510-30F029D456F7}" dt="2023-10-31T01:57:18.154" v="6906" actId="6549"/>
+          <ac:spMkLst>
+            <pc:docMk/>
+            <pc:sldMk cId="3970146633" sldId="324"/>
+            <ac:spMk id="12" creationId="{10ACD4E5-1FFB-574E-8F99-C84FF7F7144F}"/>
+          </ac:spMkLst>
+        </pc:spChg>
+        <pc:picChg chg="add mod">
+          <ac:chgData name="jeongkilyong" userId="42a1e730-e7ec-4950-9a60-48236c77d83b" providerId="ADAL" clId="{6932074E-482F-4F04-8510-30F029D456F7}" dt="2023-10-31T00:57:10.220" v="5724"/>
+          <ac:picMkLst>
+            <pc:docMk/>
+            <pc:sldMk cId="3970146633" sldId="324"/>
+            <ac:picMk id="10" creationId="{84EAEAB7-79CE-49E8-B265-A5E1399BE277}"/>
+          </ac:picMkLst>
+        </pc:picChg>
+      </pc:sldChg>
+      <pc:sldChg chg="addSp modSp add mod">
+        <pc:chgData name="jeongkilyong" userId="42a1e730-e7ec-4950-9a60-48236c77d83b" providerId="ADAL" clId="{6932074E-482F-4F04-8510-30F029D456F7}" dt="2023-10-31T22:31:57.124" v="12571" actId="20577"/>
+        <pc:sldMkLst>
+          <pc:docMk/>
+          <pc:sldMk cId="278584242" sldId="325"/>
+        </pc:sldMkLst>
+        <pc:spChg chg="mod">
+          <ac:chgData name="jeongkilyong" userId="42a1e730-e7ec-4950-9a60-48236c77d83b" providerId="ADAL" clId="{6932074E-482F-4F04-8510-30F029D456F7}" dt="2023-10-30T23:42:46.846" v="5014" actId="20577"/>
+          <ac:spMkLst>
+            <pc:docMk/>
+            <pc:sldMk cId="278584242" sldId="325"/>
+            <ac:spMk id="4" creationId="{36A61F52-C7C9-44DD-A99A-6374000ED600}"/>
+          </ac:spMkLst>
+        </pc:spChg>
+        <pc:spChg chg="add mod">
+          <ac:chgData name="jeongkilyong" userId="42a1e730-e7ec-4950-9a60-48236c77d83b" providerId="ADAL" clId="{6932074E-482F-4F04-8510-30F029D456F7}" dt="2023-10-31T10:56:08.360" v="12314" actId="207"/>
+          <ac:spMkLst>
+            <pc:docMk/>
+            <pc:sldMk cId="278584242" sldId="325"/>
+            <ac:spMk id="7" creationId="{DF5AF342-3388-4572-890B-13FCA56DC953}"/>
+          </ac:spMkLst>
+        </pc:spChg>
+        <pc:spChg chg="add mod">
+          <ac:chgData name="jeongkilyong" userId="42a1e730-e7ec-4950-9a60-48236c77d83b" providerId="ADAL" clId="{6932074E-482F-4F04-8510-30F029D456F7}" dt="2023-10-31T22:31:57.124" v="12571" actId="20577"/>
+          <ac:spMkLst>
+            <pc:docMk/>
+            <pc:sldMk cId="278584242" sldId="325"/>
+            <ac:spMk id="10" creationId="{37C1948E-AF9E-4852-806F-6A99674F993B}"/>
+          </ac:spMkLst>
+        </pc:spChg>
+        <pc:spChg chg="mod">
+          <ac:chgData name="jeongkilyong" userId="42a1e730-e7ec-4950-9a60-48236c77d83b" providerId="ADAL" clId="{6932074E-482F-4F04-8510-30F029D456F7}" dt="2023-10-31T01:57:40.636" v="6950" actId="20577"/>
+          <ac:spMkLst>
+            <pc:docMk/>
+            <pc:sldMk cId="278584242" sldId="325"/>
+            <ac:spMk id="12" creationId="{10ACD4E5-1FFB-574E-8F99-C84FF7F7144F}"/>
+          </ac:spMkLst>
+        </pc:spChg>
+        <pc:picChg chg="add mod">
+          <ac:chgData name="jeongkilyong" userId="42a1e730-e7ec-4950-9a60-48236c77d83b" providerId="ADAL" clId="{6932074E-482F-4F04-8510-30F029D456F7}" dt="2023-10-31T00:57:43.492" v="5741"/>
+          <ac:picMkLst>
+            <pc:docMk/>
+            <pc:sldMk cId="278584242" sldId="325"/>
+            <ac:picMk id="8" creationId="{FC06489D-624D-49B1-8825-D5879C591E4F}"/>
+          </ac:picMkLst>
+        </pc:picChg>
+      </pc:sldChg>
+      <pc:sldChg chg="addSp modSp add mod">
+        <pc:chgData name="jeongkilyong" userId="42a1e730-e7ec-4950-9a60-48236c77d83b" providerId="ADAL" clId="{6932074E-482F-4F04-8510-30F029D456F7}" dt="2023-10-31T22:32:00.075" v="12573" actId="20577"/>
+        <pc:sldMkLst>
+          <pc:docMk/>
+          <pc:sldMk cId="4100588819" sldId="326"/>
+        </pc:sldMkLst>
+        <pc:spChg chg="mod">
+          <ac:chgData name="jeongkilyong" userId="42a1e730-e7ec-4950-9a60-48236c77d83b" providerId="ADAL" clId="{6932074E-482F-4F04-8510-30F029D456F7}" dt="2023-10-31T11:20:25.854" v="12361" actId="6549"/>
+          <ac:spMkLst>
+            <pc:docMk/>
+            <pc:sldMk cId="4100588819" sldId="326"/>
+            <ac:spMk id="4" creationId="{36A61F52-C7C9-44DD-A99A-6374000ED600}"/>
+          </ac:spMkLst>
+        </pc:spChg>
+        <pc:spChg chg="add mod">
+          <ac:chgData name="jeongkilyong" userId="42a1e730-e7ec-4950-9a60-48236c77d83b" providerId="ADAL" clId="{6932074E-482F-4F04-8510-30F029D456F7}" dt="2023-10-31T11:20:37.045" v="12364" actId="1076"/>
+          <ac:spMkLst>
+            <pc:docMk/>
+            <pc:sldMk cId="4100588819" sldId="326"/>
+            <ac:spMk id="7" creationId="{C28E8BBB-59E1-4FF1-A780-B649F9C59D9D}"/>
+          </ac:spMkLst>
+        </pc:spChg>
+        <pc:spChg chg="add mod">
+          <ac:chgData name="jeongkilyong" userId="42a1e730-e7ec-4950-9a60-48236c77d83b" providerId="ADAL" clId="{6932074E-482F-4F04-8510-30F029D456F7}" dt="2023-10-31T11:20:37.045" v="12364" actId="1076"/>
+          <ac:spMkLst>
+            <pc:docMk/>
+            <pc:sldMk cId="4100588819" sldId="326"/>
+            <ac:spMk id="8" creationId="{0545796D-09F7-417B-AA3B-9411A37CCC0C}"/>
+          </ac:spMkLst>
+        </pc:spChg>
+        <pc:spChg chg="add mod">
+          <ac:chgData name="jeongkilyong" userId="42a1e730-e7ec-4950-9a60-48236c77d83b" providerId="ADAL" clId="{6932074E-482F-4F04-8510-30F029D456F7}" dt="2023-10-31T22:32:00.075" v="12573" actId="20577"/>
+          <ac:spMkLst>
+            <pc:docMk/>
+            <pc:sldMk cId="4100588819" sldId="326"/>
+            <ac:spMk id="11" creationId="{1EF637A2-9250-4785-9DFC-A9411B6675F0}"/>
+          </ac:spMkLst>
+        </pc:spChg>
+        <pc:spChg chg="mod">
+          <ac:chgData name="jeongkilyong" userId="42a1e730-e7ec-4950-9a60-48236c77d83b" providerId="ADAL" clId="{6932074E-482F-4F04-8510-30F029D456F7}" dt="2023-10-31T07:12:57.426" v="10632" actId="20577"/>
+          <ac:spMkLst>
+            <pc:docMk/>
+            <pc:sldMk cId="4100588819" sldId="326"/>
+            <ac:spMk id="12" creationId="{10ACD4E5-1FFB-574E-8F99-C84FF7F7144F}"/>
+          </ac:spMkLst>
+        </pc:spChg>
+        <pc:picChg chg="add mod">
+          <ac:chgData name="jeongkilyong" userId="42a1e730-e7ec-4950-9a60-48236c77d83b" providerId="ADAL" clId="{6932074E-482F-4F04-8510-30F029D456F7}" dt="2023-10-31T11:39:41.380" v="12437"/>
+          <ac:picMkLst>
+            <pc:docMk/>
+            <pc:sldMk cId="4100588819" sldId="326"/>
+            <ac:picMk id="10" creationId="{26D24D0C-95F0-468F-9CB9-854FB291D3D0}"/>
+          </ac:picMkLst>
+        </pc:picChg>
+      </pc:sldChg>
+      <pc:sldChg chg="modSp add mod">
+        <pc:chgData name="jeongkilyong" userId="42a1e730-e7ec-4950-9a60-48236c77d83b" providerId="ADAL" clId="{6932074E-482F-4F04-8510-30F029D456F7}" dt="2023-10-31T10:21:19.191" v="11788" actId="6549"/>
+        <pc:sldMkLst>
+          <pc:docMk/>
+          <pc:sldMk cId="3685790839" sldId="327"/>
+        </pc:sldMkLst>
+        <pc:spChg chg="mod">
+          <ac:chgData name="jeongkilyong" userId="42a1e730-e7ec-4950-9a60-48236c77d83b" providerId="ADAL" clId="{6932074E-482F-4F04-8510-30F029D456F7}" dt="2023-10-31T10:21:19.191" v="11788" actId="6549"/>
+          <ac:spMkLst>
+            <pc:docMk/>
+            <pc:sldMk cId="3685790839" sldId="327"/>
+            <ac:spMk id="4" creationId="{36A61F52-C7C9-44DD-A99A-6374000ED600}"/>
+          </ac:spMkLst>
+        </pc:spChg>
+        <pc:spChg chg="mod">
+          <ac:chgData name="jeongkilyong" userId="42a1e730-e7ec-4950-9a60-48236c77d83b" providerId="ADAL" clId="{6932074E-482F-4F04-8510-30F029D456F7}" dt="2023-10-31T07:12:13.718" v="10596" actId="20577"/>
+          <ac:spMkLst>
+            <pc:docMk/>
+            <pc:sldMk cId="3685790839" sldId="327"/>
+            <ac:spMk id="12" creationId="{10ACD4E5-1FFB-574E-8F99-C84FF7F7144F}"/>
+          </ac:spMkLst>
+        </pc:spChg>
+      </pc:sldChg>
+      <pc:sldChg chg="add del">
+        <pc:chgData name="jeongkilyong" userId="42a1e730-e7ec-4950-9a60-48236c77d83b" providerId="ADAL" clId="{6932074E-482F-4F04-8510-30F029D456F7}" dt="2023-10-31T13:14:45.392" v="12486" actId="47"/>
+        <pc:sldMkLst>
+          <pc:docMk/>
+          <pc:sldMk cId="3752104192" sldId="328"/>
+        </pc:sldMkLst>
+      </pc:sldChg>
+      <pc:sldChg chg="add del">
+        <pc:chgData name="jeongkilyong" userId="42a1e730-e7ec-4950-9a60-48236c77d83b" providerId="ADAL" clId="{6932074E-482F-4F04-8510-30F029D456F7}" dt="2023-10-31T13:14:45.392" v="12486" actId="47"/>
+        <pc:sldMkLst>
+          <pc:docMk/>
+          <pc:sldMk cId="891037845" sldId="329"/>
+        </pc:sldMkLst>
+      </pc:sldChg>
+      <pc:sldChg chg="add del">
+        <pc:chgData name="jeongkilyong" userId="42a1e730-e7ec-4950-9a60-48236c77d83b" providerId="ADAL" clId="{6932074E-482F-4F04-8510-30F029D456F7}" dt="2023-10-31T13:14:45.392" v="12486" actId="47"/>
+        <pc:sldMkLst>
+          <pc:docMk/>
+          <pc:sldMk cId="2073124941" sldId="330"/>
+        </pc:sldMkLst>
+      </pc:sldChg>
+      <pc:sldChg chg="add del">
+        <pc:chgData name="jeongkilyong" userId="42a1e730-e7ec-4950-9a60-48236c77d83b" providerId="ADAL" clId="{6932074E-482F-4F04-8510-30F029D456F7}" dt="2023-10-31T13:14:45.392" v="12486" actId="47"/>
+        <pc:sldMkLst>
+          <pc:docMk/>
+          <pc:sldMk cId="705977026" sldId="331"/>
+        </pc:sldMkLst>
+      </pc:sldChg>
+      <pc:sldChg chg="add del">
+        <pc:chgData name="jeongkilyong" userId="42a1e730-e7ec-4950-9a60-48236c77d83b" providerId="ADAL" clId="{6932074E-482F-4F04-8510-30F029D456F7}" dt="2023-10-31T13:14:45.392" v="12486" actId="47"/>
+        <pc:sldMkLst>
+          <pc:docMk/>
+          <pc:sldMk cId="3015649758" sldId="332"/>
+        </pc:sldMkLst>
+      </pc:sldChg>
+      <pc:sldChg chg="add del">
+        <pc:chgData name="jeongkilyong" userId="42a1e730-e7ec-4950-9a60-48236c77d83b" providerId="ADAL" clId="{6932074E-482F-4F04-8510-30F029D456F7}" dt="2023-10-31T13:14:45.392" v="12486" actId="47"/>
+        <pc:sldMkLst>
+          <pc:docMk/>
+          <pc:sldMk cId="2076003393" sldId="333"/>
+        </pc:sldMkLst>
+      </pc:sldChg>
+      <pc:sldChg chg="add del">
+        <pc:chgData name="jeongkilyong" userId="42a1e730-e7ec-4950-9a60-48236c77d83b" providerId="ADAL" clId="{6932074E-482F-4F04-8510-30F029D456F7}" dt="2023-10-31T13:14:45.392" v="12486" actId="47"/>
+        <pc:sldMkLst>
+          <pc:docMk/>
+          <pc:sldMk cId="715325906" sldId="334"/>
+        </pc:sldMkLst>
+      </pc:sldChg>
+      <pc:sldChg chg="add del">
+        <pc:chgData name="jeongkilyong" userId="42a1e730-e7ec-4950-9a60-48236c77d83b" providerId="ADAL" clId="{6932074E-482F-4F04-8510-30F029D456F7}" dt="2023-10-31T13:14:45.392" v="12486" actId="47"/>
+        <pc:sldMkLst>
+          <pc:docMk/>
+          <pc:sldMk cId="1739597383" sldId="335"/>
+        </pc:sldMkLst>
+      </pc:sldChg>
+      <pc:sldChg chg="add del">
+        <pc:chgData name="jeongkilyong" userId="42a1e730-e7ec-4950-9a60-48236c77d83b" providerId="ADAL" clId="{6932074E-482F-4F04-8510-30F029D456F7}" dt="2023-10-31T13:14:45.392" v="12486" actId="47"/>
+        <pc:sldMkLst>
+          <pc:docMk/>
+          <pc:sldMk cId="3729402858" sldId="336"/>
+        </pc:sldMkLst>
+      </pc:sldChg>
+      <pc:sldChg chg="modSp add del mod">
+        <pc:chgData name="jeongkilyong" userId="42a1e730-e7ec-4950-9a60-48236c77d83b" providerId="ADAL" clId="{6932074E-482F-4F04-8510-30F029D456F7}" dt="2023-10-31T00:56:58.103" v="5723" actId="47"/>
+        <pc:sldMkLst>
+          <pc:docMk/>
+          <pc:sldMk cId="861063390" sldId="337"/>
+        </pc:sldMkLst>
+        <pc:spChg chg="mod">
+          <ac:chgData name="jeongkilyong" userId="42a1e730-e7ec-4950-9a60-48236c77d83b" providerId="ADAL" clId="{6932074E-482F-4F04-8510-30F029D456F7}" dt="2023-10-30T23:50:05.405" v="5302" actId="20577"/>
+          <ac:spMkLst>
+            <pc:docMk/>
+            <pc:sldMk cId="861063390" sldId="337"/>
+            <ac:spMk id="4" creationId="{36A61F52-C7C9-44DD-A99A-6374000ED600}"/>
+          </ac:spMkLst>
+        </pc:spChg>
+        <pc:spChg chg="mod">
+          <ac:chgData name="jeongkilyong" userId="42a1e730-e7ec-4950-9a60-48236c77d83b" providerId="ADAL" clId="{6932074E-482F-4F04-8510-30F029D456F7}" dt="2023-10-30T23:50:00.653" v="5300" actId="20577"/>
+          <ac:spMkLst>
+            <pc:docMk/>
+            <pc:sldMk cId="861063390" sldId="337"/>
+            <ac:spMk id="12" creationId="{10ACD4E5-1FFB-574E-8F99-C84FF7F7144F}"/>
+          </ac:spMkLst>
+        </pc:spChg>
+      </pc:sldChg>
+      <pc:sldChg chg="addSp delSp modSp add mod">
+        <pc:chgData name="jeongkilyong" userId="42a1e730-e7ec-4950-9a60-48236c77d83b" providerId="ADAL" clId="{6932074E-482F-4F04-8510-30F029D456F7}" dt="2023-10-31T22:31:24.355" v="12541" actId="20577"/>
+        <pc:sldMkLst>
+          <pc:docMk/>
+          <pc:sldMk cId="398385100" sldId="338"/>
+        </pc:sldMkLst>
+        <pc:spChg chg="mod">
+          <ac:chgData name="jeongkilyong" userId="42a1e730-e7ec-4950-9a60-48236c77d83b" providerId="ADAL" clId="{6932074E-482F-4F04-8510-30F029D456F7}" dt="2023-10-31T02:24:24.175" v="7361" actId="20577"/>
+          <ac:spMkLst>
+            <pc:docMk/>
+            <pc:sldMk cId="398385100" sldId="338"/>
+            <ac:spMk id="4" creationId="{36A61F52-C7C9-44DD-A99A-6374000ED600}"/>
+          </ac:spMkLst>
+        </pc:spChg>
+        <pc:spChg chg="add mod">
+          <ac:chgData name="jeongkilyong" userId="42a1e730-e7ec-4950-9a60-48236c77d83b" providerId="ADAL" clId="{6932074E-482F-4F04-8510-30F029D456F7}" dt="2023-10-31T10:48:15.318" v="12213" actId="1076"/>
+          <ac:spMkLst>
+            <pc:docMk/>
+            <pc:sldMk cId="398385100" sldId="338"/>
+            <ac:spMk id="7" creationId="{BD1FF75E-2E19-43D3-B358-29E4B004A368}"/>
+          </ac:spMkLst>
+        </pc:spChg>
+        <pc:spChg chg="del">
+          <ac:chgData name="jeongkilyong" userId="42a1e730-e7ec-4950-9a60-48236c77d83b" providerId="ADAL" clId="{6932074E-482F-4F04-8510-30F029D456F7}" dt="2023-10-31T00:24:30.613" v="5528" actId="478"/>
+          <ac:spMkLst>
+            <pc:docMk/>
+            <pc:sldMk cId="398385100" sldId="338"/>
+            <ac:spMk id="10" creationId="{846A01CB-9D1D-4707-B94F-E210FB365C69}"/>
+          </ac:spMkLst>
+        </pc:spChg>
+        <pc:spChg chg="add mod">
+          <ac:chgData name="jeongkilyong" userId="42a1e730-e7ec-4950-9a60-48236c77d83b" providerId="ADAL" clId="{6932074E-482F-4F04-8510-30F029D456F7}" dt="2023-10-31T22:31:24.355" v="12541" actId="20577"/>
+          <ac:spMkLst>
+            <pc:docMk/>
+            <pc:sldMk cId="398385100" sldId="338"/>
+            <ac:spMk id="11" creationId="{C5A6E300-81CF-4AB1-B91B-240FFC60776A}"/>
+          </ac:spMkLst>
+        </pc:spChg>
+        <pc:picChg chg="add mod">
+          <ac:chgData name="jeongkilyong" userId="42a1e730-e7ec-4950-9a60-48236c77d83b" providerId="ADAL" clId="{6932074E-482F-4F04-8510-30F029D456F7}" dt="2023-10-31T00:49:24.469" v="5600"/>
+          <ac:picMkLst>
+            <pc:docMk/>
+            <pc:sldMk cId="398385100" sldId="338"/>
+            <ac:picMk id="8" creationId="{65D2F357-1A23-4712-AB93-05C29AFE4A26}"/>
+          </ac:picMkLst>
+        </pc:picChg>
+      </pc:sldChg>
+      <pc:sldChg chg="addSp modSp add mod">
+        <pc:chgData name="jeongkilyong" userId="42a1e730-e7ec-4950-9a60-48236c77d83b" providerId="ADAL" clId="{6932074E-482F-4F04-8510-30F029D456F7}" dt="2023-11-01T09:16:00.241" v="12778" actId="20577"/>
+        <pc:sldMkLst>
+          <pc:docMk/>
+          <pc:sldMk cId="941473831" sldId="339"/>
+        </pc:sldMkLst>
+        <pc:spChg chg="mod">
+          <ac:chgData name="jeongkilyong" userId="42a1e730-e7ec-4950-9a60-48236c77d83b" providerId="ADAL" clId="{6932074E-482F-4F04-8510-30F029D456F7}" dt="2023-11-01T09:16:00.241" v="12778" actId="20577"/>
+          <ac:spMkLst>
+            <pc:docMk/>
+            <pc:sldMk cId="941473831" sldId="339"/>
+            <ac:spMk id="4" creationId="{36A61F52-C7C9-44DD-A99A-6374000ED600}"/>
+          </ac:spMkLst>
+        </pc:spChg>
+        <pc:spChg chg="add mod">
+          <ac:chgData name="jeongkilyong" userId="42a1e730-e7ec-4950-9a60-48236c77d83b" providerId="ADAL" clId="{6932074E-482F-4F04-8510-30F029D456F7}" dt="2023-10-31T22:31:31.195" v="12545" actId="20577"/>
+          <ac:spMkLst>
+            <pc:docMk/>
+            <pc:sldMk cId="941473831" sldId="339"/>
+            <ac:spMk id="8" creationId="{6535FBC7-ADB0-4164-8EA3-E122A751FF66}"/>
+          </ac:spMkLst>
+        </pc:spChg>
+        <pc:spChg chg="mod">
+          <ac:chgData name="jeongkilyong" userId="42a1e730-e7ec-4950-9a60-48236c77d83b" providerId="ADAL" clId="{6932074E-482F-4F04-8510-30F029D456F7}" dt="2023-11-01T09:15:36.705" v="12722" actId="1076"/>
+          <ac:spMkLst>
+            <pc:docMk/>
+            <pc:sldMk cId="941473831" sldId="339"/>
+            <ac:spMk id="10" creationId="{846A01CB-9D1D-4707-B94F-E210FB365C69}"/>
+          </ac:spMkLst>
+        </pc:spChg>
+        <pc:picChg chg="add mod">
+          <ac:chgData name="jeongkilyong" userId="42a1e730-e7ec-4950-9a60-48236c77d83b" providerId="ADAL" clId="{6932074E-482F-4F04-8510-30F029D456F7}" dt="2023-10-31T00:51:07.171" v="5601"/>
+          <ac:picMkLst>
+            <pc:docMk/>
+            <pc:sldMk cId="941473831" sldId="339"/>
+            <ac:picMk id="7" creationId="{A9D83FE7-7D0B-4D89-949E-3E4E1C367F5B}"/>
+          </ac:picMkLst>
+        </pc:picChg>
+      </pc:sldChg>
+      <pc:sldChg chg="addSp delSp modSp add mod">
+        <pc:chgData name="jeongkilyong" userId="42a1e730-e7ec-4950-9a60-48236c77d83b" providerId="ADAL" clId="{6932074E-482F-4F04-8510-30F029D456F7}" dt="2023-10-31T22:31:54.532" v="12569" actId="20577"/>
+        <pc:sldMkLst>
+          <pc:docMk/>
+          <pc:sldMk cId="3240753077" sldId="340"/>
+        </pc:sldMkLst>
+        <pc:spChg chg="mod">
+          <ac:chgData name="jeongkilyong" userId="42a1e730-e7ec-4950-9a60-48236c77d83b" providerId="ADAL" clId="{6932074E-482F-4F04-8510-30F029D456F7}" dt="2023-10-31T01:57:10.961" v="6896" actId="6549"/>
+          <ac:spMkLst>
+            <pc:docMk/>
+            <pc:sldMk cId="3240753077" sldId="340"/>
+            <ac:spMk id="6" creationId="{B6FF5489-8544-4AD1-9304-6E99DE7D748E}"/>
+          </ac:spMkLst>
+        </pc:spChg>
+        <pc:spChg chg="del mod">
+          <ac:chgData name="jeongkilyong" userId="42a1e730-e7ec-4950-9a60-48236c77d83b" providerId="ADAL" clId="{6932074E-482F-4F04-8510-30F029D456F7}" dt="2023-10-31T01:04:45.035" v="5989" actId="478"/>
+          <ac:spMkLst>
+            <pc:docMk/>
+            <pc:sldMk cId="3240753077" sldId="340"/>
+            <ac:spMk id="8" creationId="{4AA7B4B7-2481-4FD8-988B-0A85F61AAD76}"/>
+          </ac:spMkLst>
+        </pc:spChg>
+        <pc:spChg chg="mod">
+          <ac:chgData name="jeongkilyong" userId="42a1e730-e7ec-4950-9a60-48236c77d83b" providerId="ADAL" clId="{6932074E-482F-4F04-8510-30F029D456F7}" dt="2023-10-31T22:31:54.532" v="12569" actId="20577"/>
+          <ac:spMkLst>
+            <pc:docMk/>
+            <pc:sldMk cId="3240753077" sldId="340"/>
+            <ac:spMk id="11" creationId="{C3CE91F7-8513-4B16-94F8-FB3E27A0A062}"/>
+          </ac:spMkLst>
+        </pc:spChg>
+        <pc:spChg chg="mod">
+          <ac:chgData name="jeongkilyong" userId="42a1e730-e7ec-4950-9a60-48236c77d83b" providerId="ADAL" clId="{6932074E-482F-4F04-8510-30F029D456F7}" dt="2023-10-31T01:57:14.154" v="6904" actId="20577"/>
+          <ac:spMkLst>
+            <pc:docMk/>
+            <pc:sldMk cId="3240753077" sldId="340"/>
+            <ac:spMk id="12" creationId="{10ACD4E5-1FFB-574E-8F99-C84FF7F7144F}"/>
+          </ac:spMkLst>
+        </pc:spChg>
+        <pc:spChg chg="add mod">
+          <ac:chgData name="jeongkilyong" userId="42a1e730-e7ec-4950-9a60-48236c77d83b" providerId="ADAL" clId="{6932074E-482F-4F04-8510-30F029D456F7}" dt="2023-10-31T10:56:00.353" v="12312" actId="113"/>
+          <ac:spMkLst>
+            <pc:docMk/>
+            <pc:sldMk cId="3240753077" sldId="340"/>
+            <ac:spMk id="13" creationId="{9FF8EBA4-4109-40F0-945F-E090D00B54A8}"/>
+          </ac:spMkLst>
+        </pc:spChg>
+      </pc:sldChg>
+      <pc:sldChg chg="modSp add mod">
+        <pc:chgData name="jeongkilyong" userId="42a1e730-e7ec-4950-9a60-48236c77d83b" providerId="ADAL" clId="{6932074E-482F-4F04-8510-30F029D456F7}" dt="2023-10-31T22:31:37.643" v="12549" actId="20577"/>
+        <pc:sldMkLst>
+          <pc:docMk/>
+          <pc:sldMk cId="1431093418" sldId="341"/>
+        </pc:sldMkLst>
+        <pc:spChg chg="mod">
+          <ac:chgData name="jeongkilyong" userId="42a1e730-e7ec-4950-9a60-48236c77d83b" providerId="ADAL" clId="{6932074E-482F-4F04-8510-30F029D456F7}" dt="2023-10-31T10:52:47.019" v="12284" actId="20577"/>
+          <ac:spMkLst>
+            <pc:docMk/>
+            <pc:sldMk cId="1431093418" sldId="341"/>
+            <ac:spMk id="6" creationId="{962B8DF6-ACCB-4F02-8A6A-23227785DE4F}"/>
+          </ac:spMkLst>
+        </pc:spChg>
+        <pc:spChg chg="mod">
+          <ac:chgData name="jeongkilyong" userId="42a1e730-e7ec-4950-9a60-48236c77d83b" providerId="ADAL" clId="{6932074E-482F-4F04-8510-30F029D456F7}" dt="2023-10-31T22:31:37.643" v="12549" actId="20577"/>
+          <ac:spMkLst>
+            <pc:docMk/>
+            <pc:sldMk cId="1431093418" sldId="341"/>
+            <ac:spMk id="8" creationId="{C6032FC1-039D-42AE-BF7F-FEFC2409F224}"/>
+          </ac:spMkLst>
+        </pc:spChg>
+        <pc:spChg chg="mod">
+          <ac:chgData name="jeongkilyong" userId="42a1e730-e7ec-4950-9a60-48236c77d83b" providerId="ADAL" clId="{6932074E-482F-4F04-8510-30F029D456F7}" dt="2023-10-31T01:59:25.989" v="6968" actId="20577"/>
+          <ac:spMkLst>
+            <pc:docMk/>
+            <pc:sldMk cId="1431093418" sldId="341"/>
+            <ac:spMk id="12" creationId="{10ACD4E5-1FFB-574E-8F99-C84FF7F7144F}"/>
+          </ac:spMkLst>
+        </pc:spChg>
+        <pc:spChg chg="mod">
+          <ac:chgData name="jeongkilyong" userId="42a1e730-e7ec-4950-9a60-48236c77d83b" providerId="ADAL" clId="{6932074E-482F-4F04-8510-30F029D456F7}" dt="2023-10-31T10:52:33.016" v="12242" actId="1076"/>
+          <ac:spMkLst>
+            <pc:docMk/>
+            <pc:sldMk cId="1431093418" sldId="341"/>
+            <ac:spMk id="13" creationId="{B28F2CAD-648A-4CAC-A08F-7172F1E6173A}"/>
+          </ac:spMkLst>
+        </pc:spChg>
+      </pc:sldChg>
+      <pc:sldChg chg="addSp delSp modSp add mod">
+        <pc:chgData name="jeongkilyong" userId="42a1e730-e7ec-4950-9a60-48236c77d83b" providerId="ADAL" clId="{6932074E-482F-4F04-8510-30F029D456F7}" dt="2023-10-31T22:31:27.891" v="12543" actId="20577"/>
+        <pc:sldMkLst>
+          <pc:docMk/>
+          <pc:sldMk cId="2299188607" sldId="342"/>
+        </pc:sldMkLst>
+        <pc:spChg chg="mod">
+          <ac:chgData name="jeongkilyong" userId="42a1e730-e7ec-4950-9a60-48236c77d83b" providerId="ADAL" clId="{6932074E-482F-4F04-8510-30F029D456F7}" dt="2023-10-31T11:21:52.760" v="12368" actId="14100"/>
+          <ac:spMkLst>
+            <pc:docMk/>
+            <pc:sldMk cId="2299188607" sldId="342"/>
+            <ac:spMk id="4" creationId="{36A61F52-C7C9-44DD-A99A-6374000ED600}"/>
+          </ac:spMkLst>
+        </pc:spChg>
+        <pc:spChg chg="del">
+          <ac:chgData name="jeongkilyong" userId="42a1e730-e7ec-4950-9a60-48236c77d83b" providerId="ADAL" clId="{6932074E-482F-4F04-8510-30F029D456F7}" dt="2023-10-31T02:24:19.540" v="7357" actId="478"/>
+          <ac:spMkLst>
+            <pc:docMk/>
+            <pc:sldMk cId="2299188607" sldId="342"/>
+            <ac:spMk id="7" creationId="{BD1FF75E-2E19-43D3-B358-29E4B004A368}"/>
+          </ac:spMkLst>
+        </pc:spChg>
+        <pc:spChg chg="add mod">
+          <ac:chgData name="jeongkilyong" userId="42a1e730-e7ec-4950-9a60-48236c77d83b" providerId="ADAL" clId="{6932074E-482F-4F04-8510-30F029D456F7}" dt="2023-10-31T10:48:42.704" v="12217" actId="207"/>
+          <ac:spMkLst>
+            <pc:docMk/>
+            <pc:sldMk cId="2299188607" sldId="342"/>
+            <ac:spMk id="10" creationId="{540A34BB-AD14-4A8A-9A6D-0FD3B30E0FB1}"/>
+          </ac:spMkLst>
+        </pc:spChg>
+        <pc:spChg chg="mod">
+          <ac:chgData name="jeongkilyong" userId="42a1e730-e7ec-4950-9a60-48236c77d83b" providerId="ADAL" clId="{6932074E-482F-4F04-8510-30F029D456F7}" dt="2023-10-31T22:31:27.891" v="12543" actId="20577"/>
+          <ac:spMkLst>
+            <pc:docMk/>
+            <pc:sldMk cId="2299188607" sldId="342"/>
+            <ac:spMk id="11" creationId="{C5A6E300-81CF-4AB1-B91B-240FFC60776A}"/>
+          </ac:spMkLst>
+        </pc:spChg>
+      </pc:sldChg>
+      <pc:sldChg chg="add del">
+        <pc:chgData name="jeongkilyong" userId="42a1e730-e7ec-4950-9a60-48236c77d83b" providerId="ADAL" clId="{6932074E-482F-4F04-8510-30F029D456F7}" dt="2023-10-31T04:56:52.153" v="7585" actId="47"/>
+        <pc:sldMkLst>
+          <pc:docMk/>
+          <pc:sldMk cId="3808640523" sldId="343"/>
+        </pc:sldMkLst>
+      </pc:sldChg>
+      <pc:sldChg chg="addSp delSp modSp add mod">
+        <pc:chgData name="jeongkilyong" userId="42a1e730-e7ec-4950-9a60-48236c77d83b" providerId="ADAL" clId="{6932074E-482F-4F04-8510-30F029D456F7}" dt="2023-10-31T22:31:46.036" v="12565" actId="6549"/>
+        <pc:sldMkLst>
+          <pc:docMk/>
+          <pc:sldMk cId="4257425873" sldId="343"/>
+        </pc:sldMkLst>
+        <pc:spChg chg="add mod">
+          <ac:chgData name="jeongkilyong" userId="42a1e730-e7ec-4950-9a60-48236c77d83b" providerId="ADAL" clId="{6932074E-482F-4F04-8510-30F029D456F7}" dt="2023-10-31T05:17:06.666" v="8603" actId="207"/>
+          <ac:spMkLst>
+            <pc:docMk/>
+            <pc:sldMk cId="4257425873" sldId="343"/>
+            <ac:spMk id="5" creationId="{997863EC-D544-40B4-B866-58FD4EEB7886}"/>
+          </ac:spMkLst>
+        </pc:spChg>
+        <pc:spChg chg="mod">
+          <ac:chgData name="jeongkilyong" userId="42a1e730-e7ec-4950-9a60-48236c77d83b" providerId="ADAL" clId="{6932074E-482F-4F04-8510-30F029D456F7}" dt="2023-10-31T10:54:22.880" v="12306" actId="20577"/>
+          <ac:spMkLst>
+            <pc:docMk/>
+            <pc:sldMk cId="4257425873" sldId="343"/>
+            <ac:spMk id="6" creationId="{962B8DF6-ACCB-4F02-8A6A-23227785DE4F}"/>
+          </ac:spMkLst>
+        </pc:spChg>
+        <pc:spChg chg="mod">
+          <ac:chgData name="jeongkilyong" userId="42a1e730-e7ec-4950-9a60-48236c77d83b" providerId="ADAL" clId="{6932074E-482F-4F04-8510-30F029D456F7}" dt="2023-10-31T22:31:46.036" v="12565" actId="6549"/>
+          <ac:spMkLst>
+            <pc:docMk/>
+            <pc:sldMk cId="4257425873" sldId="343"/>
+            <ac:spMk id="8" creationId="{C6032FC1-039D-42AE-BF7F-FEFC2409F224}"/>
+          </ac:spMkLst>
+        </pc:spChg>
+        <pc:spChg chg="add mod">
+          <ac:chgData name="jeongkilyong" userId="42a1e730-e7ec-4950-9a60-48236c77d83b" providerId="ADAL" clId="{6932074E-482F-4F04-8510-30F029D456F7}" dt="2023-10-31T05:16:11.485" v="8586" actId="14100"/>
+          <ac:spMkLst>
+            <pc:docMk/>
+            <pc:sldMk cId="4257425873" sldId="343"/>
+            <ac:spMk id="10" creationId="{4343F214-7112-4450-8AFD-043C575D7569}"/>
+          </ac:spMkLst>
+        </pc:spChg>
+        <pc:spChg chg="mod">
+          <ac:chgData name="jeongkilyong" userId="42a1e730-e7ec-4950-9a60-48236c77d83b" providerId="ADAL" clId="{6932074E-482F-4F04-8510-30F029D456F7}" dt="2023-10-31T05:04:37.788" v="7694" actId="6549"/>
+          <ac:spMkLst>
+            <pc:docMk/>
+            <pc:sldMk cId="4257425873" sldId="343"/>
+            <ac:spMk id="12" creationId="{10ACD4E5-1FFB-574E-8F99-C84FF7F7144F}"/>
+          </ac:spMkLst>
+        </pc:spChg>
+        <pc:spChg chg="del">
+          <ac:chgData name="jeongkilyong" userId="42a1e730-e7ec-4950-9a60-48236c77d83b" providerId="ADAL" clId="{6932074E-482F-4F04-8510-30F029D456F7}" dt="2023-10-31T05:01:57.157" v="7603" actId="478"/>
+          <ac:spMkLst>
+            <pc:docMk/>
+            <pc:sldMk cId="4257425873" sldId="343"/>
+            <ac:spMk id="13" creationId="{B28F2CAD-648A-4CAC-A08F-7172F1E6173A}"/>
+          </ac:spMkLst>
+        </pc:spChg>
+        <pc:spChg chg="add mod">
+          <ac:chgData name="jeongkilyong" userId="42a1e730-e7ec-4950-9a60-48236c77d83b" providerId="ADAL" clId="{6932074E-482F-4F04-8510-30F029D456F7}" dt="2023-10-31T10:53:32.379" v="12290" actId="207"/>
+          <ac:spMkLst>
+            <pc:docMk/>
+            <pc:sldMk cId="4257425873" sldId="343"/>
+            <ac:spMk id="14" creationId="{76D10D22-61D8-49B6-8B9E-713AF3AAADA4}"/>
+          </ac:spMkLst>
+        </pc:spChg>
+        <pc:spChg chg="add mod">
+          <ac:chgData name="jeongkilyong" userId="42a1e730-e7ec-4950-9a60-48236c77d83b" providerId="ADAL" clId="{6932074E-482F-4F04-8510-30F029D456F7}" dt="2023-10-31T10:53:44.085" v="12292" actId="113"/>
+          <ac:spMkLst>
+            <pc:docMk/>
+            <pc:sldMk cId="4257425873" sldId="343"/>
+            <ac:spMk id="15" creationId="{02B3B090-289E-4A43-AA29-9B186EC9AAF8}"/>
+          </ac:spMkLst>
+        </pc:spChg>
+      </pc:sldChg>
+      <pc:sldChg chg="add del">
+        <pc:chgData name="jeongkilyong" userId="42a1e730-e7ec-4950-9a60-48236c77d83b" providerId="ADAL" clId="{6932074E-482F-4F04-8510-30F029D456F7}" dt="2023-10-31T07:09:45.635" v="10491" actId="47"/>
+        <pc:sldMkLst>
+          <pc:docMk/>
+          <pc:sldMk cId="3038181311" sldId="344"/>
+        </pc:sldMkLst>
+      </pc:sldChg>
+      <pc:sldChg chg="add del">
+        <pc:chgData name="jeongkilyong" userId="42a1e730-e7ec-4950-9a60-48236c77d83b" providerId="ADAL" clId="{6932074E-482F-4F04-8510-30F029D456F7}" dt="2023-10-31T05:01:59.197" v="7604" actId="47"/>
+        <pc:sldMkLst>
+          <pc:docMk/>
+          <pc:sldMk cId="3974154051" sldId="344"/>
+        </pc:sldMkLst>
+      </pc:sldChg>
+      <pc:sldChg chg="addSp delSp modSp add mod">
+        <pc:chgData name="jeongkilyong" userId="42a1e730-e7ec-4950-9a60-48236c77d83b" providerId="ADAL" clId="{6932074E-482F-4F04-8510-30F029D456F7}" dt="2023-10-31T22:31:10.163" v="12535" actId="6549"/>
+        <pc:sldMkLst>
+          <pc:docMk/>
+          <pc:sldMk cId="215276518" sldId="345"/>
+        </pc:sldMkLst>
+        <pc:spChg chg="mod">
+          <ac:chgData name="jeongkilyong" userId="42a1e730-e7ec-4950-9a60-48236c77d83b" providerId="ADAL" clId="{6932074E-482F-4F04-8510-30F029D456F7}" dt="2023-10-31T05:56:03.240" v="9217" actId="20577"/>
+          <ac:spMkLst>
+            <pc:docMk/>
+            <pc:sldMk cId="215276518" sldId="345"/>
+            <ac:spMk id="4" creationId="{36A61F52-C7C9-44DD-A99A-6374000ED600}"/>
+          </ac:spMkLst>
+        </pc:spChg>
+        <pc:spChg chg="del">
+          <ac:chgData name="jeongkilyong" userId="42a1e730-e7ec-4950-9a60-48236c77d83b" providerId="ADAL" clId="{6932074E-482F-4F04-8510-30F029D456F7}" dt="2023-10-31T05:19:38.116" v="8607" actId="478"/>
+          <ac:spMkLst>
+            <pc:docMk/>
+            <pc:sldMk cId="215276518" sldId="345"/>
+            <ac:spMk id="10" creationId="{4227A4F7-F125-4BA9-B8CD-2B75ECEE1812}"/>
+          </ac:spMkLst>
+        </pc:spChg>
+        <pc:spChg chg="del">
+          <ac:chgData name="jeongkilyong" userId="42a1e730-e7ec-4950-9a60-48236c77d83b" providerId="ADAL" clId="{6932074E-482F-4F04-8510-30F029D456F7}" dt="2023-10-31T05:19:40.318" v="8608" actId="478"/>
+          <ac:spMkLst>
+            <pc:docMk/>
+            <pc:sldMk cId="215276518" sldId="345"/>
+            <ac:spMk id="11" creationId="{7CC695E9-1999-421A-B931-EA30880DFF74}"/>
+          </ac:spMkLst>
+        </pc:spChg>
+        <pc:spChg chg="mod">
+          <ac:chgData name="jeongkilyong" userId="42a1e730-e7ec-4950-9a60-48236c77d83b" providerId="ADAL" clId="{6932074E-482F-4F04-8510-30F029D456F7}" dt="2023-10-31T05:19:45.631" v="8631" actId="6549"/>
+          <ac:spMkLst>
+            <pc:docMk/>
+            <pc:sldMk cId="215276518" sldId="345"/>
+            <ac:spMk id="12" creationId="{10ACD4E5-1FFB-574E-8F99-C84FF7F7144F}"/>
+          </ac:spMkLst>
+        </pc:spChg>
+        <pc:spChg chg="mod">
+          <ac:chgData name="jeongkilyong" userId="42a1e730-e7ec-4950-9a60-48236c77d83b" providerId="ADAL" clId="{6932074E-482F-4F04-8510-30F029D456F7}" dt="2023-10-31T22:31:10.163" v="12535" actId="6549"/>
+          <ac:spMkLst>
+            <pc:docMk/>
+            <pc:sldMk cId="215276518" sldId="345"/>
+            <ac:spMk id="14" creationId="{7FE73983-C0B3-410F-874D-8C32AA9122DB}"/>
+          </ac:spMkLst>
+        </pc:spChg>
+        <pc:spChg chg="add mod">
+          <ac:chgData name="jeongkilyong" userId="42a1e730-e7ec-4950-9a60-48236c77d83b" providerId="ADAL" clId="{6932074E-482F-4F04-8510-30F029D456F7}" dt="2023-10-31T10:39:08.516" v="11982" actId="207"/>
+          <ac:spMkLst>
+            <pc:docMk/>
+            <pc:sldMk cId="215276518" sldId="345"/>
+            <ac:spMk id="15" creationId="{CA439E41-FE75-4094-8EE2-356BBFD7BC3E}"/>
+          </ac:spMkLst>
+        </pc:spChg>
+      </pc:sldChg>
+      <pc:sldChg chg="add del">
+        <pc:chgData name="jeongkilyong" userId="42a1e730-e7ec-4950-9a60-48236c77d83b" providerId="ADAL" clId="{6932074E-482F-4F04-8510-30F029D456F7}" dt="2023-10-31T05:02:00.399" v="7605" actId="47"/>
+        <pc:sldMkLst>
+          <pc:docMk/>
+          <pc:sldMk cId="1633958281" sldId="345"/>
+        </pc:sldMkLst>
+      </pc:sldChg>
+      <pc:sldChg chg="add del">
+        <pc:chgData name="jeongkilyong" userId="42a1e730-e7ec-4950-9a60-48236c77d83b" providerId="ADAL" clId="{6932074E-482F-4F04-8510-30F029D456F7}" dt="2023-10-31T07:03:26.784" v="10394" actId="47"/>
+        <pc:sldMkLst>
+          <pc:docMk/>
+          <pc:sldMk cId="4118428399" sldId="346"/>
+        </pc:sldMkLst>
+      </pc:sldChg>
+      <pc:sldChg chg="addSp delSp modSp add mod">
+        <pc:chgData name="jeongkilyong" userId="42a1e730-e7ec-4950-9a60-48236c77d83b" providerId="ADAL" clId="{6932074E-482F-4F04-8510-30F029D456F7}" dt="2023-10-31T11:28:57.039" v="12385" actId="20577"/>
+        <pc:sldMkLst>
+          <pc:docMk/>
+          <pc:sldMk cId="2673785136" sldId="347"/>
+        </pc:sldMkLst>
+        <pc:spChg chg="mod">
+          <ac:chgData name="jeongkilyong" userId="42a1e730-e7ec-4950-9a60-48236c77d83b" providerId="ADAL" clId="{6932074E-482F-4F04-8510-30F029D456F7}" dt="2023-10-31T07:12:12.297" v="10594" actId="20577"/>
+          <ac:spMkLst>
+            <pc:docMk/>
+            <pc:sldMk cId="2673785136" sldId="347"/>
+            <ac:spMk id="4" creationId="{36A61F52-C7C9-44DD-A99A-6374000ED600}"/>
+          </ac:spMkLst>
+        </pc:spChg>
+        <pc:spChg chg="add del mod">
+          <ac:chgData name="jeongkilyong" userId="42a1e730-e7ec-4950-9a60-48236c77d83b" providerId="ADAL" clId="{6932074E-482F-4F04-8510-30F029D456F7}" dt="2023-10-31T07:03:02.318" v="10390" actId="478"/>
+          <ac:spMkLst>
+            <pc:docMk/>
+            <pc:sldMk cId="2673785136" sldId="347"/>
+            <ac:spMk id="10" creationId="{5D308E96-5C6E-4B4F-9974-EADA297945C9}"/>
+          </ac:spMkLst>
+        </pc:spChg>
+        <pc:spChg chg="mod">
+          <ac:chgData name="jeongkilyong" userId="42a1e730-e7ec-4950-9a60-48236c77d83b" providerId="ADAL" clId="{6932074E-482F-4F04-8510-30F029D456F7}" dt="2023-10-31T06:09:13.071" v="9252" actId="20577"/>
+          <ac:spMkLst>
+            <pc:docMk/>
+            <pc:sldMk cId="2673785136" sldId="347"/>
+            <ac:spMk id="12" creationId="{10ACD4E5-1FFB-574E-8F99-C84FF7F7144F}"/>
+          </ac:spMkLst>
+        </pc:spChg>
+        <pc:spChg chg="mod">
+          <ac:chgData name="jeongkilyong" userId="42a1e730-e7ec-4950-9a60-48236c77d83b" providerId="ADAL" clId="{6932074E-482F-4F04-8510-30F029D456F7}" dt="2023-10-31T11:28:57.039" v="12385" actId="20577"/>
+          <ac:spMkLst>
+            <pc:docMk/>
+            <pc:sldMk cId="2673785136" sldId="347"/>
+            <ac:spMk id="14" creationId="{7FE73983-C0B3-410F-874D-8C32AA9122DB}"/>
+          </ac:spMkLst>
+        </pc:spChg>
+        <pc:spChg chg="del">
+          <ac:chgData name="jeongkilyong" userId="42a1e730-e7ec-4950-9a60-48236c77d83b" providerId="ADAL" clId="{6932074E-482F-4F04-8510-30F029D456F7}" dt="2023-10-31T06:16:03.948" v="9438" actId="478"/>
+          <ac:spMkLst>
+            <pc:docMk/>
+            <pc:sldMk cId="2673785136" sldId="347"/>
+            <ac:spMk id="15" creationId="{CA439E41-FE75-4094-8EE2-356BBFD7BC3E}"/>
+          </ac:spMkLst>
+        </pc:spChg>
+        <pc:spChg chg="add mod">
+          <ac:chgData name="jeongkilyong" userId="42a1e730-e7ec-4950-9a60-48236c77d83b" providerId="ADAL" clId="{6932074E-482F-4F04-8510-30F029D456F7}" dt="2023-10-31T10:42:29.582" v="12020" actId="207"/>
+          <ac:spMkLst>
+            <pc:docMk/>
+            <pc:sldMk cId="2673785136" sldId="347"/>
+            <ac:spMk id="16" creationId="{D59418F8-0B6D-4287-B6CD-25DAFFE2D0CF}"/>
+          </ac:spMkLst>
+        </pc:spChg>
+      </pc:sldChg>
+      <pc:sldChg chg="addSp delSp modSp add mod">
+        <pc:chgData name="jeongkilyong" userId="42a1e730-e7ec-4950-9a60-48236c77d83b" providerId="ADAL" clId="{6932074E-482F-4F04-8510-30F029D456F7}" dt="2023-10-31T11:27:28.428" v="12377" actId="6549"/>
+        <pc:sldMkLst>
+          <pc:docMk/>
+          <pc:sldMk cId="3673660415" sldId="348"/>
+        </pc:sldMkLst>
+        <pc:spChg chg="mod">
+          <ac:chgData name="jeongkilyong" userId="42a1e730-e7ec-4950-9a60-48236c77d83b" providerId="ADAL" clId="{6932074E-482F-4F04-8510-30F029D456F7}" dt="2023-10-31T06:57:54.069" v="10386"/>
+          <ac:spMkLst>
+            <pc:docMk/>
+            <pc:sldMk cId="3673660415" sldId="348"/>
+            <ac:spMk id="4" creationId="{36A61F52-C7C9-44DD-A99A-6374000ED600}"/>
+          </ac:spMkLst>
+        </pc:spChg>
+        <pc:spChg chg="add del mod">
+          <ac:chgData name="jeongkilyong" userId="42a1e730-e7ec-4950-9a60-48236c77d83b" providerId="ADAL" clId="{6932074E-482F-4F04-8510-30F029D456F7}" dt="2023-10-31T06:29:25.957" v="9701" actId="478"/>
+          <ac:spMkLst>
+            <pc:docMk/>
+            <pc:sldMk cId="3673660415" sldId="348"/>
+            <ac:spMk id="10" creationId="{B4891562-C738-456E-AD93-E91CDAD4DEC9}"/>
+          </ac:spMkLst>
+        </pc:spChg>
+        <pc:spChg chg="mod">
+          <ac:chgData name="jeongkilyong" userId="42a1e730-e7ec-4950-9a60-48236c77d83b" providerId="ADAL" clId="{6932074E-482F-4F04-8510-30F029D456F7}" dt="2023-10-31T06:19:42.989" v="9465" actId="6549"/>
+          <ac:spMkLst>
+            <pc:docMk/>
+            <pc:sldMk cId="3673660415" sldId="348"/>
+            <ac:spMk id="12" creationId="{10ACD4E5-1FFB-574E-8F99-C84FF7F7144F}"/>
+          </ac:spMkLst>
+        </pc:spChg>
+        <pc:spChg chg="mod">
+          <ac:chgData name="jeongkilyong" userId="42a1e730-e7ec-4950-9a60-48236c77d83b" providerId="ADAL" clId="{6932074E-482F-4F04-8510-30F029D456F7}" dt="2023-10-31T11:27:28.428" v="12377" actId="6549"/>
+          <ac:spMkLst>
+            <pc:docMk/>
+            <pc:sldMk cId="3673660415" sldId="348"/>
+            <ac:spMk id="14" creationId="{7FE73983-C0B3-410F-874D-8C32AA9122DB}"/>
+          </ac:spMkLst>
+        </pc:spChg>
+        <pc:spChg chg="del">
+          <ac:chgData name="jeongkilyong" userId="42a1e730-e7ec-4950-9a60-48236c77d83b" providerId="ADAL" clId="{6932074E-482F-4F04-8510-30F029D456F7}" dt="2023-10-31T06:23:50.053" v="9640" actId="478"/>
+          <ac:spMkLst>
+            <pc:docMk/>
+            <pc:sldMk cId="3673660415" sldId="348"/>
+            <ac:spMk id="15" creationId="{CA439E41-FE75-4094-8EE2-356BBFD7BC3E}"/>
+          </ac:spMkLst>
+        </pc:spChg>
+        <pc:spChg chg="add mod">
+          <ac:chgData name="jeongkilyong" userId="42a1e730-e7ec-4950-9a60-48236c77d83b" providerId="ADAL" clId="{6932074E-482F-4F04-8510-30F029D456F7}" dt="2023-10-31T10:42:09.972" v="12018" actId="207"/>
+          <ac:spMkLst>
+            <pc:docMk/>
+            <pc:sldMk cId="3673660415" sldId="348"/>
+            <ac:spMk id="16" creationId="{8A633064-F3EF-4AC4-8C50-64572AAA144C}"/>
+          </ac:spMkLst>
+        </pc:spChg>
+        <pc:spChg chg="add mod">
+          <ac:chgData name="jeongkilyong" userId="42a1e730-e7ec-4950-9a60-48236c77d83b" providerId="ADAL" clId="{6932074E-482F-4F04-8510-30F029D456F7}" dt="2023-10-31T10:39:56.688" v="11990" actId="113"/>
+          <ac:spMkLst>
+            <pc:docMk/>
+            <pc:sldMk cId="3673660415" sldId="348"/>
+            <ac:spMk id="17" creationId="{8E421FC6-022D-45DA-B096-BD166BB589FC}"/>
+          </ac:spMkLst>
+        </pc:spChg>
+        <pc:spChg chg="add mod">
+          <ac:chgData name="jeongkilyong" userId="42a1e730-e7ec-4950-9a60-48236c77d83b" providerId="ADAL" clId="{6932074E-482F-4F04-8510-30F029D456F7}" dt="2023-10-31T06:50:11.387" v="10266" actId="1076"/>
+          <ac:spMkLst>
+            <pc:docMk/>
+            <pc:sldMk cId="3673660415" sldId="348"/>
+            <ac:spMk id="18" creationId="{56254FEB-691B-4F80-8039-BBD9BAF360D5}"/>
+          </ac:spMkLst>
+        </pc:spChg>
+        <pc:picChg chg="add mod">
+          <ac:chgData name="jeongkilyong" userId="42a1e730-e7ec-4950-9a60-48236c77d83b" providerId="ADAL" clId="{6932074E-482F-4F04-8510-30F029D456F7}" dt="2023-10-31T06:50:06.405" v="10265" actId="1036"/>
+          <ac:picMkLst>
+            <pc:docMk/>
+            <pc:sldMk cId="3673660415" sldId="348"/>
+            <ac:picMk id="19" creationId="{66DBEB94-80D7-46CE-ADF1-13AA8E1309BF}"/>
+          </ac:picMkLst>
+        </pc:picChg>
+        <pc:picChg chg="add mod">
+          <ac:chgData name="jeongkilyong" userId="42a1e730-e7ec-4950-9a60-48236c77d83b" providerId="ADAL" clId="{6932074E-482F-4F04-8510-30F029D456F7}" dt="2023-10-31T06:50:11.387" v="10266" actId="1076"/>
+          <ac:picMkLst>
+            <pc:docMk/>
+            <pc:sldMk cId="3673660415" sldId="348"/>
+            <ac:picMk id="20" creationId="{0643B350-38AF-48C3-9A99-BCF2EDD96813}"/>
+          </ac:picMkLst>
+        </pc:picChg>
+      </pc:sldChg>
+      <pc:sldChg chg="addSp delSp modSp add mod">
+        <pc:chgData name="jeongkilyong" userId="42a1e730-e7ec-4950-9a60-48236c77d83b" providerId="ADAL" clId="{6932074E-482F-4F04-8510-30F029D456F7}" dt="2023-10-31T11:28:25.278" v="12381" actId="20577"/>
+        <pc:sldMkLst>
+          <pc:docMk/>
+          <pc:sldMk cId="2325583960" sldId="349"/>
+        </pc:sldMkLst>
+        <pc:spChg chg="mod">
+          <ac:chgData name="jeongkilyong" userId="42a1e730-e7ec-4950-9a60-48236c77d83b" providerId="ADAL" clId="{6932074E-482F-4F04-8510-30F029D456F7}" dt="2023-10-31T06:54:22.812" v="10267" actId="6549"/>
+          <ac:spMkLst>
+            <pc:docMk/>
+            <pc:sldMk cId="2325583960" sldId="349"/>
+            <ac:spMk id="4" creationId="{36A61F52-C7C9-44DD-A99A-6374000ED600}"/>
+          </ac:spMkLst>
+        </pc:spChg>
+        <pc:spChg chg="add mod">
+          <ac:chgData name="jeongkilyong" userId="42a1e730-e7ec-4950-9a60-48236c77d83b" providerId="ADAL" clId="{6932074E-482F-4F04-8510-30F029D456F7}" dt="2023-10-31T10:41:43.770" v="12012" actId="207"/>
+          <ac:spMkLst>
+            <pc:docMk/>
+            <pc:sldMk cId="2325583960" sldId="349"/>
+            <ac:spMk id="10" creationId="{520CA09D-FD17-406E-A142-765D645B8E73}"/>
+          </ac:spMkLst>
+        </pc:spChg>
+        <pc:spChg chg="mod">
+          <ac:chgData name="jeongkilyong" userId="42a1e730-e7ec-4950-9a60-48236c77d83b" providerId="ADAL" clId="{6932074E-482F-4F04-8510-30F029D456F7}" dt="2023-10-31T11:28:25.278" v="12381" actId="20577"/>
+          <ac:spMkLst>
+            <pc:docMk/>
+            <pc:sldMk cId="2325583960" sldId="349"/>
+            <ac:spMk id="14" creationId="{7FE73983-C0B3-410F-874D-8C32AA9122DB}"/>
+          </ac:spMkLst>
+        </pc:spChg>
+        <pc:spChg chg="del">
+          <ac:chgData name="jeongkilyong" userId="42a1e730-e7ec-4950-9a60-48236c77d83b" providerId="ADAL" clId="{6932074E-482F-4F04-8510-30F029D456F7}" dt="2023-10-31T06:41:37.012" v="9885" actId="478"/>
+          <ac:spMkLst>
+            <pc:docMk/>
+            <pc:sldMk cId="2325583960" sldId="349"/>
+            <ac:spMk id="16" creationId="{8A633064-F3EF-4AC4-8C50-64572AAA144C}"/>
+          </ac:spMkLst>
+        </pc:spChg>
+        <pc:spChg chg="del">
+          <ac:chgData name="jeongkilyong" userId="42a1e730-e7ec-4950-9a60-48236c77d83b" providerId="ADAL" clId="{6932074E-482F-4F04-8510-30F029D456F7}" dt="2023-10-31T06:41:35.563" v="9884" actId="478"/>
+          <ac:spMkLst>
+            <pc:docMk/>
+            <pc:sldMk cId="2325583960" sldId="349"/>
+            <ac:spMk id="17" creationId="{8E421FC6-022D-45DA-B096-BD166BB589FC}"/>
+          </ac:spMkLst>
+        </pc:spChg>
+      </pc:sldChg>
+      <pc:sldChg chg="modSp add del mod">
+        <pc:chgData name="jeongkilyong" userId="42a1e730-e7ec-4950-9a60-48236c77d83b" providerId="ADAL" clId="{6932074E-482F-4F04-8510-30F029D456F7}" dt="2023-10-31T13:14:45.392" v="12486" actId="47"/>
+        <pc:sldMkLst>
+          <pc:docMk/>
+          <pc:sldMk cId="3975354517" sldId="350"/>
+        </pc:sldMkLst>
+        <pc:spChg chg="mod">
+          <ac:chgData name="jeongkilyong" userId="42a1e730-e7ec-4950-9a60-48236c77d83b" providerId="ADAL" clId="{6932074E-482F-4F04-8510-30F029D456F7}" dt="2023-10-31T12:01:40.440" v="12484" actId="20577"/>
+          <ac:spMkLst>
+            <pc:docMk/>
+            <pc:sldMk cId="3975354517" sldId="350"/>
+            <ac:spMk id="12" creationId="{10ACD4E5-1FFB-574E-8F99-C84FF7F7144F}"/>
+          </ac:spMkLst>
+        </pc:spChg>
+      </pc:sldChg>
+    </pc:docChg>
+  </pc:docChgLst>
   <pc:docChgLst>
     <pc:chgData name="jeongkilyong" userId="42a1e730-e7ec-4950-9a60-48236c77d83b" providerId="ADAL" clId="{68836CF2-79A1-495E-9E4B-E0587825BCCC}"/>
     <pc:docChg chg="undo custSel addSld delSld modSld modSection">
@@ -1629,1822 +3447,6 @@
       </pc:sldChg>
     </pc:docChg>
   </pc:docChgLst>
-  <pc:docChgLst>
-    <pc:chgData name="jeongkilyong" userId="42a1e730-e7ec-4950-9a60-48236c77d83b" providerId="ADAL" clId="{6932074E-482F-4F04-8510-30F029D456F7}"/>
-    <pc:docChg chg="undo redo custSel addSld delSld modSld">
-      <pc:chgData name="jeongkilyong" userId="42a1e730-e7ec-4950-9a60-48236c77d83b" providerId="ADAL" clId="{6932074E-482F-4F04-8510-30F029D456F7}" dt="2023-10-31T22:32:00.075" v="12573" actId="20577"/>
-      <pc:docMkLst>
-        <pc:docMk/>
-      </pc:docMkLst>
-      <pc:sldChg chg="modSp mod">
-        <pc:chgData name="jeongkilyong" userId="42a1e730-e7ec-4950-9a60-48236c77d83b" providerId="ADAL" clId="{6932074E-482F-4F04-8510-30F029D456F7}" dt="2023-10-31T13:15:03.980" v="12519" actId="20577"/>
-        <pc:sldMkLst>
-          <pc:docMk/>
-          <pc:sldMk cId="4235148381" sldId="283"/>
-        </pc:sldMkLst>
-        <pc:spChg chg="mod">
-          <ac:chgData name="jeongkilyong" userId="42a1e730-e7ec-4950-9a60-48236c77d83b" providerId="ADAL" clId="{6932074E-482F-4F04-8510-30F029D456F7}" dt="2023-10-31T13:15:03.980" v="12519" actId="20577"/>
-          <ac:spMkLst>
-            <pc:docMk/>
-            <pc:sldMk cId="4235148381" sldId="283"/>
-            <ac:spMk id="26" creationId="{9E4FB064-8ECA-9144-943F-EC7F301DF48C}"/>
-          </ac:spMkLst>
-        </pc:spChg>
-      </pc:sldChg>
-      <pc:sldChg chg="modSp mod">
-        <pc:chgData name="jeongkilyong" userId="42a1e730-e7ec-4950-9a60-48236c77d83b" providerId="ADAL" clId="{6932074E-482F-4F04-8510-30F029D456F7}" dt="2023-10-31T10:47:22.926" v="12200" actId="1076"/>
-        <pc:sldMkLst>
-          <pc:docMk/>
-          <pc:sldMk cId="2518751162" sldId="285"/>
-        </pc:sldMkLst>
-        <pc:spChg chg="mod">
-          <ac:chgData name="jeongkilyong" userId="42a1e730-e7ec-4950-9a60-48236c77d83b" providerId="ADAL" clId="{6932074E-482F-4F04-8510-30F029D456F7}" dt="2023-10-31T10:47:22.926" v="12200" actId="1076"/>
-          <ac:spMkLst>
-            <pc:docMk/>
-            <pc:sldMk cId="2518751162" sldId="285"/>
-            <ac:spMk id="12" creationId="{F8B16E97-6244-1F49-89E2-02A389AB2CB2}"/>
-          </ac:spMkLst>
-        </pc:spChg>
-        <pc:spChg chg="mod">
-          <ac:chgData name="jeongkilyong" userId="42a1e730-e7ec-4950-9a60-48236c77d83b" providerId="ADAL" clId="{6932074E-482F-4F04-8510-30F029D456F7}" dt="2023-10-31T10:43:46.940" v="12104" actId="6549"/>
-          <ac:spMkLst>
-            <pc:docMk/>
-            <pc:sldMk cId="2518751162" sldId="285"/>
-            <ac:spMk id="14" creationId="{F7047AB8-3A27-8A4C-B98D-ABDB785695C1}"/>
-          </ac:spMkLst>
-        </pc:spChg>
-      </pc:sldChg>
-      <pc:sldChg chg="del">
-        <pc:chgData name="jeongkilyong" userId="42a1e730-e7ec-4950-9a60-48236c77d83b" providerId="ADAL" clId="{6932074E-482F-4F04-8510-30F029D456F7}" dt="2023-10-29T11:49:32.884" v="1658" actId="47"/>
-        <pc:sldMkLst>
-          <pc:docMk/>
-          <pc:sldMk cId="3364918572" sldId="286"/>
-        </pc:sldMkLst>
-      </pc:sldChg>
-      <pc:sldChg chg="addSp delSp modSp mod">
-        <pc:chgData name="jeongkilyong" userId="42a1e730-e7ec-4950-9a60-48236c77d83b" providerId="ADAL" clId="{6932074E-482F-4F04-8510-30F029D456F7}" dt="2023-10-31T11:21:34.955" v="12367" actId="14100"/>
-        <pc:sldMkLst>
-          <pc:docMk/>
-          <pc:sldMk cId="3485235614" sldId="292"/>
-        </pc:sldMkLst>
-        <pc:spChg chg="mod">
-          <ac:chgData name="jeongkilyong" userId="42a1e730-e7ec-4950-9a60-48236c77d83b" providerId="ADAL" clId="{6932074E-482F-4F04-8510-30F029D456F7}" dt="2023-10-29T11:01:13.598" v="1183"/>
-          <ac:spMkLst>
-            <pc:docMk/>
-            <pc:sldMk cId="3485235614" sldId="292"/>
-            <ac:spMk id="2" creationId="{C903C940-4878-447B-88DC-FCEAD9FA9392}"/>
-          </ac:spMkLst>
-        </pc:spChg>
-        <pc:spChg chg="mod">
-          <ac:chgData name="jeongkilyong" userId="42a1e730-e7ec-4950-9a60-48236c77d83b" providerId="ADAL" clId="{6932074E-482F-4F04-8510-30F029D456F7}" dt="2023-10-31T11:21:34.955" v="12367" actId="14100"/>
-          <ac:spMkLst>
-            <pc:docMk/>
-            <pc:sldMk cId="3485235614" sldId="292"/>
-            <ac:spMk id="5" creationId="{FB35D915-9598-4DE5-A561-CC6FE4D2171D}"/>
-          </ac:spMkLst>
-        </pc:spChg>
-        <pc:spChg chg="del">
-          <ac:chgData name="jeongkilyong" userId="42a1e730-e7ec-4950-9a60-48236c77d83b" providerId="ADAL" clId="{6932074E-482F-4F04-8510-30F029D456F7}" dt="2023-10-29T13:05:35.816" v="2439" actId="478"/>
-          <ac:spMkLst>
-            <pc:docMk/>
-            <pc:sldMk cId="3485235614" sldId="292"/>
-            <ac:spMk id="7" creationId="{E08312F0-3BD2-4F32-9089-FB425567B7D7}"/>
-          </ac:spMkLst>
-        </pc:spChg>
-        <pc:spChg chg="add mod">
-          <ac:chgData name="jeongkilyong" userId="42a1e730-e7ec-4950-9a60-48236c77d83b" providerId="ADAL" clId="{6932074E-482F-4F04-8510-30F029D456F7}" dt="2023-10-31T10:38:32.058" v="11977" actId="1076"/>
-          <ac:spMkLst>
-            <pc:docMk/>
-            <pc:sldMk cId="3485235614" sldId="292"/>
-            <ac:spMk id="9" creationId="{A401B613-CAD7-4AE1-A426-5AD8B905B4BF}"/>
-          </ac:spMkLst>
-        </pc:spChg>
-        <pc:spChg chg="add mod">
-          <ac:chgData name="jeongkilyong" userId="42a1e730-e7ec-4950-9a60-48236c77d83b" providerId="ADAL" clId="{6932074E-482F-4F04-8510-30F029D456F7}" dt="2023-10-31T10:38:32.058" v="11977" actId="1076"/>
-          <ac:spMkLst>
-            <pc:docMk/>
-            <pc:sldMk cId="3485235614" sldId="292"/>
-            <ac:spMk id="11" creationId="{4CFF54E6-C5DE-46C9-8F5D-94A55333D0FD}"/>
-          </ac:spMkLst>
-        </pc:spChg>
-        <pc:spChg chg="mod">
-          <ac:chgData name="jeongkilyong" userId="42a1e730-e7ec-4950-9a60-48236c77d83b" providerId="ADAL" clId="{6932074E-482F-4F04-8510-30F029D456F7}" dt="2023-10-31T10:43:54.581" v="12118" actId="20577"/>
-          <ac:spMkLst>
-            <pc:docMk/>
-            <pc:sldMk cId="3485235614" sldId="292"/>
-            <ac:spMk id="12" creationId="{10ACD4E5-1FFB-574E-8F99-C84FF7F7144F}"/>
-          </ac:spMkLst>
-        </pc:spChg>
-        <pc:picChg chg="del">
-          <ac:chgData name="jeongkilyong" userId="42a1e730-e7ec-4950-9a60-48236c77d83b" providerId="ADAL" clId="{6932074E-482F-4F04-8510-30F029D456F7}" dt="2023-10-29T13:05:35.816" v="2439" actId="478"/>
-          <ac:picMkLst>
-            <pc:docMk/>
-            <pc:sldMk cId="3485235614" sldId="292"/>
-            <ac:picMk id="6" creationId="{70EB4F47-E0CF-4334-93D6-7B7E49AA174A}"/>
-          </ac:picMkLst>
-        </pc:picChg>
-        <pc:picChg chg="add mod">
-          <ac:chgData name="jeongkilyong" userId="42a1e730-e7ec-4950-9a60-48236c77d83b" providerId="ADAL" clId="{6932074E-482F-4F04-8510-30F029D456F7}" dt="2023-10-31T10:38:32.058" v="11977" actId="1076"/>
-          <ac:picMkLst>
-            <pc:docMk/>
-            <pc:sldMk cId="3485235614" sldId="292"/>
-            <ac:picMk id="13" creationId="{69D8EFFB-1772-41AC-9159-2838E67AC3BC}"/>
-          </ac:picMkLst>
-        </pc:picChg>
-        <pc:picChg chg="add mod">
-          <ac:chgData name="jeongkilyong" userId="42a1e730-e7ec-4950-9a60-48236c77d83b" providerId="ADAL" clId="{6932074E-482F-4F04-8510-30F029D456F7}" dt="2023-10-31T10:38:32.058" v="11977" actId="1076"/>
-          <ac:picMkLst>
-            <pc:docMk/>
-            <pc:sldMk cId="3485235614" sldId="292"/>
-            <ac:picMk id="14" creationId="{86DA58E1-4E63-4691-A87F-5C0514B3B2B8}"/>
-          </ac:picMkLst>
-        </pc:picChg>
-      </pc:sldChg>
-      <pc:sldChg chg="addSp modSp mod">
-        <pc:chgData name="jeongkilyong" userId="42a1e730-e7ec-4950-9a60-48236c77d83b" providerId="ADAL" clId="{6932074E-482F-4F04-8510-30F029D456F7}" dt="2023-10-31T10:46:20.972" v="12131" actId="2711"/>
-        <pc:sldMkLst>
-          <pc:docMk/>
-          <pc:sldMk cId="2773633433" sldId="293"/>
-        </pc:sldMkLst>
-        <pc:spChg chg="mod">
-          <ac:chgData name="jeongkilyong" userId="42a1e730-e7ec-4950-9a60-48236c77d83b" providerId="ADAL" clId="{6932074E-482F-4F04-8510-30F029D456F7}" dt="2023-10-31T10:46:20.972" v="12131" actId="2711"/>
-          <ac:spMkLst>
-            <pc:docMk/>
-            <pc:sldMk cId="2773633433" sldId="293"/>
-            <ac:spMk id="4" creationId="{8BA83490-67D1-48A7-9E3E-EF473E8F231B}"/>
-          </ac:spMkLst>
-        </pc:spChg>
-        <pc:spChg chg="add mod">
-          <ac:chgData name="jeongkilyong" userId="42a1e730-e7ec-4950-9a60-48236c77d83b" providerId="ADAL" clId="{6932074E-482F-4F04-8510-30F029D456F7}" dt="2023-10-29T11:53:09.937" v="1774" actId="1076"/>
-          <ac:spMkLst>
-            <pc:docMk/>
-            <pc:sldMk cId="2773633433" sldId="293"/>
-            <ac:spMk id="7" creationId="{398BEAED-4CB2-4103-B222-0806B728007D}"/>
-          </ac:spMkLst>
-        </pc:spChg>
-        <pc:spChg chg="add mod">
-          <ac:chgData name="jeongkilyong" userId="42a1e730-e7ec-4950-9a60-48236c77d83b" providerId="ADAL" clId="{6932074E-482F-4F04-8510-30F029D456F7}" dt="2023-10-31T10:35:48.446" v="11844" actId="207"/>
-          <ac:spMkLst>
-            <pc:docMk/>
-            <pc:sldMk cId="2773633433" sldId="293"/>
-            <ac:spMk id="10" creationId="{32A5D699-2FB8-46E1-9AD1-BF1E47DAC4C6}"/>
-          </ac:spMkLst>
-        </pc:spChg>
-        <pc:spChg chg="mod">
-          <ac:chgData name="jeongkilyong" userId="42a1e730-e7ec-4950-9a60-48236c77d83b" providerId="ADAL" clId="{6932074E-482F-4F04-8510-30F029D456F7}" dt="2023-10-29T11:36:00.935" v="1442" actId="20577"/>
-          <ac:spMkLst>
-            <pc:docMk/>
-            <pc:sldMk cId="2773633433" sldId="293"/>
-            <ac:spMk id="12" creationId="{10ACD4E5-1FFB-574E-8F99-C84FF7F7144F}"/>
-          </ac:spMkLst>
-        </pc:spChg>
-        <pc:spChg chg="add mod">
-          <ac:chgData name="jeongkilyong" userId="42a1e730-e7ec-4950-9a60-48236c77d83b" providerId="ADAL" clId="{6932074E-482F-4F04-8510-30F029D456F7}" dt="2023-10-29T12:07:05.719" v="1778" actId="20577"/>
-          <ac:spMkLst>
-            <pc:docMk/>
-            <pc:sldMk cId="2773633433" sldId="293"/>
-            <ac:spMk id="15" creationId="{1EC50098-2F43-49F7-BEFD-87007EA718AF}"/>
-          </ac:spMkLst>
-        </pc:spChg>
-        <pc:picChg chg="add mod">
-          <ac:chgData name="jeongkilyong" userId="42a1e730-e7ec-4950-9a60-48236c77d83b" providerId="ADAL" clId="{6932074E-482F-4F04-8510-30F029D456F7}" dt="2023-10-29T11:52:56.849" v="1772" actId="1076"/>
-          <ac:picMkLst>
-            <pc:docMk/>
-            <pc:sldMk cId="2773633433" sldId="293"/>
-            <ac:picMk id="11" creationId="{F89A905D-3DDD-4DC5-BAA1-1FF680FFAA8B}"/>
-          </ac:picMkLst>
-        </pc:picChg>
-        <pc:picChg chg="add mod">
-          <ac:chgData name="jeongkilyong" userId="42a1e730-e7ec-4950-9a60-48236c77d83b" providerId="ADAL" clId="{6932074E-482F-4F04-8510-30F029D456F7}" dt="2023-10-29T11:53:09.937" v="1774" actId="1076"/>
-          <ac:picMkLst>
-            <pc:docMk/>
-            <pc:sldMk cId="2773633433" sldId="293"/>
-            <ac:picMk id="13" creationId="{58DE4103-8A12-4410-97E6-1B0EDE60CFC7}"/>
-          </ac:picMkLst>
-        </pc:picChg>
-        <pc:picChg chg="add mod">
-          <ac:chgData name="jeongkilyong" userId="42a1e730-e7ec-4950-9a60-48236c77d83b" providerId="ADAL" clId="{6932074E-482F-4F04-8510-30F029D456F7}" dt="2023-10-29T12:07:03.157" v="1776"/>
-          <ac:picMkLst>
-            <pc:docMk/>
-            <pc:sldMk cId="2773633433" sldId="293"/>
-            <ac:picMk id="14" creationId="{8FD342DF-185B-4674-8D8B-DDCDD3B3083B}"/>
-          </ac:picMkLst>
-        </pc:picChg>
-      </pc:sldChg>
-      <pc:sldChg chg="addSp modSp mod">
-        <pc:chgData name="jeongkilyong" userId="42a1e730-e7ec-4950-9a60-48236c77d83b" providerId="ADAL" clId="{6932074E-482F-4F04-8510-30F029D456F7}" dt="2023-10-31T10:36:40.544" v="11864" actId="207"/>
-        <pc:sldMkLst>
-          <pc:docMk/>
-          <pc:sldMk cId="1339143532" sldId="294"/>
-        </pc:sldMkLst>
-        <pc:spChg chg="mod">
-          <ac:chgData name="jeongkilyong" userId="42a1e730-e7ec-4950-9a60-48236c77d83b" providerId="ADAL" clId="{6932074E-482F-4F04-8510-30F029D456F7}" dt="2023-10-29T12:45:36.016" v="2049" actId="1037"/>
-          <ac:spMkLst>
-            <pc:docMk/>
-            <pc:sldMk cId="1339143532" sldId="294"/>
-            <ac:spMk id="4" creationId="{774467AD-A1D1-406C-AF1E-04FD592614BB}"/>
-          </ac:spMkLst>
-        </pc:spChg>
-        <pc:spChg chg="add mod">
-          <ac:chgData name="jeongkilyong" userId="42a1e730-e7ec-4950-9a60-48236c77d83b" providerId="ADAL" clId="{6932074E-482F-4F04-8510-30F029D456F7}" dt="2023-10-31T10:36:40.544" v="11864" actId="207"/>
-          <ac:spMkLst>
-            <pc:docMk/>
-            <pc:sldMk cId="1339143532" sldId="294"/>
-            <ac:spMk id="7" creationId="{559DC55A-C41B-43F7-8A2A-DEE60584B60C}"/>
-          </ac:spMkLst>
-        </pc:spChg>
-        <pc:spChg chg="add mod">
-          <ac:chgData name="jeongkilyong" userId="42a1e730-e7ec-4950-9a60-48236c77d83b" providerId="ADAL" clId="{6932074E-482F-4F04-8510-30F029D456F7}" dt="2023-10-29T13:05:23.312" v="2438" actId="6549"/>
-          <ac:spMkLst>
-            <pc:docMk/>
-            <pc:sldMk cId="1339143532" sldId="294"/>
-            <ac:spMk id="10" creationId="{3C75B0CD-0DC9-446C-A2E9-22B21FEFB7C1}"/>
-          </ac:spMkLst>
-        </pc:spChg>
-        <pc:spChg chg="mod">
-          <ac:chgData name="jeongkilyong" userId="42a1e730-e7ec-4950-9a60-48236c77d83b" providerId="ADAL" clId="{6932074E-482F-4F04-8510-30F029D456F7}" dt="2023-10-29T12:45:02.905" v="2016" actId="6549"/>
-          <ac:spMkLst>
-            <pc:docMk/>
-            <pc:sldMk cId="1339143532" sldId="294"/>
-            <ac:spMk id="12" creationId="{10ACD4E5-1FFB-574E-8F99-C84FF7F7144F}"/>
-          </ac:spMkLst>
-        </pc:spChg>
-        <pc:picChg chg="add mod">
-          <ac:chgData name="jeongkilyong" userId="42a1e730-e7ec-4950-9a60-48236c77d83b" providerId="ADAL" clId="{6932074E-482F-4F04-8510-30F029D456F7}" dt="2023-10-29T13:05:19.422" v="2434"/>
-          <ac:picMkLst>
-            <pc:docMk/>
-            <pc:sldMk cId="1339143532" sldId="294"/>
-            <ac:picMk id="8" creationId="{D9E665C0-F210-4A8E-926F-F2A267B9C31C}"/>
-          </ac:picMkLst>
-        </pc:picChg>
-      </pc:sldChg>
-      <pc:sldChg chg="addSp delSp modSp mod">
-        <pc:chgData name="jeongkilyong" userId="42a1e730-e7ec-4950-9a60-48236c77d83b" providerId="ADAL" clId="{6932074E-482F-4F04-8510-30F029D456F7}" dt="2023-10-31T22:25:33.729" v="12528" actId="20577"/>
-        <pc:sldMkLst>
-          <pc:docMk/>
-          <pc:sldMk cId="3262124915" sldId="295"/>
-        </pc:sldMkLst>
-        <pc:spChg chg="mod">
-          <ac:chgData name="jeongkilyong" userId="42a1e730-e7ec-4950-9a60-48236c77d83b" providerId="ADAL" clId="{6932074E-482F-4F04-8510-30F029D456F7}" dt="2023-10-31T10:38:14.902" v="11975" actId="20577"/>
-          <ac:spMkLst>
-            <pc:docMk/>
-            <pc:sldMk cId="3262124915" sldId="295"/>
-            <ac:spMk id="4" creationId="{D04E3A88-FDB4-4439-B4EE-FFAAFB989CCE}"/>
-          </ac:spMkLst>
-        </pc:spChg>
-        <pc:spChg chg="mod">
-          <ac:chgData name="jeongkilyong" userId="42a1e730-e7ec-4950-9a60-48236c77d83b" providerId="ADAL" clId="{6932074E-482F-4F04-8510-30F029D456F7}" dt="2023-10-29T13:07:45.341" v="2450" actId="20577"/>
-          <ac:spMkLst>
-            <pc:docMk/>
-            <pc:sldMk cId="3262124915" sldId="295"/>
-            <ac:spMk id="6" creationId="{73F11AA4-2D07-4A14-8F43-FC32880B25E2}"/>
-          </ac:spMkLst>
-        </pc:spChg>
-        <pc:spChg chg="add del mod">
-          <ac:chgData name="jeongkilyong" userId="42a1e730-e7ec-4950-9a60-48236c77d83b" providerId="ADAL" clId="{6932074E-482F-4F04-8510-30F029D456F7}" dt="2023-10-29T13:03:58.324" v="2302" actId="478"/>
-          <ac:spMkLst>
-            <pc:docMk/>
-            <pc:sldMk cId="3262124915" sldId="295"/>
-            <ac:spMk id="8" creationId="{5270AA5E-1B3D-4653-A74E-A3EE4DF2D878}"/>
-          </ac:spMkLst>
-        </pc:spChg>
-        <pc:spChg chg="add del mod">
-          <ac:chgData name="jeongkilyong" userId="42a1e730-e7ec-4950-9a60-48236c77d83b" providerId="ADAL" clId="{6932074E-482F-4F04-8510-30F029D456F7}" dt="2023-10-29T13:07:22.076" v="2442" actId="478"/>
-          <ac:spMkLst>
-            <pc:docMk/>
-            <pc:sldMk cId="3262124915" sldId="295"/>
-            <ac:spMk id="10" creationId="{8D10C5B3-CE4C-4674-9644-F62DC1219236}"/>
-          </ac:spMkLst>
-        </pc:spChg>
-        <pc:spChg chg="mod">
-          <ac:chgData name="jeongkilyong" userId="42a1e730-e7ec-4950-9a60-48236c77d83b" providerId="ADAL" clId="{6932074E-482F-4F04-8510-30F029D456F7}" dt="2023-10-31T22:25:33.729" v="12528" actId="20577"/>
-          <ac:spMkLst>
-            <pc:docMk/>
-            <pc:sldMk cId="3262124915" sldId="295"/>
-            <ac:spMk id="12" creationId="{10ACD4E5-1FFB-574E-8F99-C84FF7F7144F}"/>
-          </ac:spMkLst>
-        </pc:spChg>
-        <pc:spChg chg="add mod">
-          <ac:chgData name="jeongkilyong" userId="42a1e730-e7ec-4950-9a60-48236c77d83b" providerId="ADAL" clId="{6932074E-482F-4F04-8510-30F029D456F7}" dt="2023-10-31T10:38:19.900" v="11976" actId="1076"/>
-          <ac:spMkLst>
-            <pc:docMk/>
-            <pc:sldMk cId="3262124915" sldId="295"/>
-            <ac:spMk id="13" creationId="{E5B4F196-73C9-40FD-A7BB-F88CD8E8F6C6}"/>
-          </ac:spMkLst>
-        </pc:spChg>
-      </pc:sldChg>
-      <pc:sldChg chg="addSp delSp modSp mod">
-        <pc:chgData name="jeongkilyong" userId="42a1e730-e7ec-4950-9a60-48236c77d83b" providerId="ADAL" clId="{6932074E-482F-4F04-8510-30F029D456F7}" dt="2023-10-31T10:40:50.939" v="12002" actId="113"/>
-        <pc:sldMkLst>
-          <pc:docMk/>
-          <pc:sldMk cId="1942727681" sldId="296"/>
-        </pc:sldMkLst>
-        <pc:spChg chg="mod">
-          <ac:chgData name="jeongkilyong" userId="42a1e730-e7ec-4950-9a60-48236c77d83b" providerId="ADAL" clId="{6932074E-482F-4F04-8510-30F029D456F7}" dt="2023-10-31T05:01:41.837" v="7599" actId="20577"/>
-          <ac:spMkLst>
-            <pc:docMk/>
-            <pc:sldMk cId="1942727681" sldId="296"/>
-            <ac:spMk id="4" creationId="{36A61F52-C7C9-44DD-A99A-6374000ED600}"/>
-          </ac:spMkLst>
-        </pc:spChg>
-        <pc:spChg chg="del">
-          <ac:chgData name="jeongkilyong" userId="42a1e730-e7ec-4950-9a60-48236c77d83b" providerId="ADAL" clId="{6932074E-482F-4F04-8510-30F029D456F7}" dt="2023-10-29T13:09:03.326" v="2512" actId="478"/>
-          <ac:spMkLst>
-            <pc:docMk/>
-            <pc:sldMk cId="1942727681" sldId="296"/>
-            <ac:spMk id="6" creationId="{A147224D-EFBE-412D-9D3F-EE379B287AD7}"/>
-          </ac:spMkLst>
-        </pc:spChg>
-        <pc:spChg chg="add mod">
-          <ac:chgData name="jeongkilyong" userId="42a1e730-e7ec-4950-9a60-48236c77d83b" providerId="ADAL" clId="{6932074E-482F-4F04-8510-30F029D456F7}" dt="2023-10-31T10:40:50.939" v="12002" actId="113"/>
-          <ac:spMkLst>
-            <pc:docMk/>
-            <pc:sldMk cId="1942727681" sldId="296"/>
-            <ac:spMk id="10" creationId="{4227A4F7-F125-4BA9-B8CD-2B75ECEE1812}"/>
-          </ac:spMkLst>
-        </pc:spChg>
-        <pc:spChg chg="add mod">
-          <ac:chgData name="jeongkilyong" userId="42a1e730-e7ec-4950-9a60-48236c77d83b" providerId="ADAL" clId="{6932074E-482F-4F04-8510-30F029D456F7}" dt="2023-10-31T10:38:44.651" v="11978" actId="1076"/>
-          <ac:spMkLst>
-            <pc:docMk/>
-            <pc:sldMk cId="1942727681" sldId="296"/>
-            <ac:spMk id="11" creationId="{7CC695E9-1999-421A-B931-EA30880DFF74}"/>
-          </ac:spMkLst>
-        </pc:spChg>
-        <pc:spChg chg="mod">
-          <ac:chgData name="jeongkilyong" userId="42a1e730-e7ec-4950-9a60-48236c77d83b" providerId="ADAL" clId="{6932074E-482F-4F04-8510-30F029D456F7}" dt="2023-10-31T01:56:00.899" v="6851" actId="6549"/>
-          <ac:spMkLst>
-            <pc:docMk/>
-            <pc:sldMk cId="1942727681" sldId="296"/>
-            <ac:spMk id="12" creationId="{10ACD4E5-1FFB-574E-8F99-C84FF7F7144F}"/>
-          </ac:spMkLst>
-        </pc:spChg>
-        <pc:spChg chg="add mod">
-          <ac:chgData name="jeongkilyong" userId="42a1e730-e7ec-4950-9a60-48236c77d83b" providerId="ADAL" clId="{6932074E-482F-4F04-8510-30F029D456F7}" dt="2023-10-29T13:21:40.263" v="2915" actId="20577"/>
-          <ac:spMkLst>
-            <pc:docMk/>
-            <pc:sldMk cId="1942727681" sldId="296"/>
-            <ac:spMk id="14" creationId="{7FE73983-C0B3-410F-874D-8C32AA9122DB}"/>
-          </ac:spMkLst>
-        </pc:spChg>
-        <pc:picChg chg="del">
-          <ac:chgData name="jeongkilyong" userId="42a1e730-e7ec-4950-9a60-48236c77d83b" providerId="ADAL" clId="{6932074E-482F-4F04-8510-30F029D456F7}" dt="2023-10-29T13:09:03.326" v="2512" actId="478"/>
-          <ac:picMkLst>
-            <pc:docMk/>
-            <pc:sldMk cId="1942727681" sldId="296"/>
-            <ac:picMk id="5" creationId="{1A7D9A0B-C856-4ABE-8D91-EA96E0D18A24}"/>
-          </ac:picMkLst>
-        </pc:picChg>
-        <pc:picChg chg="add mod">
-          <ac:chgData name="jeongkilyong" userId="42a1e730-e7ec-4950-9a60-48236c77d83b" providerId="ADAL" clId="{6932074E-482F-4F04-8510-30F029D456F7}" dt="2023-10-29T13:21:37.916" v="2913"/>
-          <ac:picMkLst>
-            <pc:docMk/>
-            <pc:sldMk cId="1942727681" sldId="296"/>
-            <ac:picMk id="13" creationId="{05E02177-F508-4662-AD14-368CB6E12CDE}"/>
-          </ac:picMkLst>
-        </pc:picChg>
-      </pc:sldChg>
-      <pc:sldChg chg="del">
-        <pc:chgData name="jeongkilyong" userId="42a1e730-e7ec-4950-9a60-48236c77d83b" providerId="ADAL" clId="{6932074E-482F-4F04-8510-30F029D456F7}" dt="2023-10-31T13:14:45.392" v="12486" actId="47"/>
-        <pc:sldMkLst>
-          <pc:docMk/>
-          <pc:sldMk cId="1332861574" sldId="297"/>
-        </pc:sldMkLst>
-      </pc:sldChg>
-      <pc:sldChg chg="del">
-        <pc:chgData name="jeongkilyong" userId="42a1e730-e7ec-4950-9a60-48236c77d83b" providerId="ADAL" clId="{6932074E-482F-4F04-8510-30F029D456F7}" dt="2023-10-31T13:14:45.392" v="12486" actId="47"/>
-        <pc:sldMkLst>
-          <pc:docMk/>
-          <pc:sldMk cId="4177267907" sldId="298"/>
-        </pc:sldMkLst>
-      </pc:sldChg>
-      <pc:sldChg chg="del">
-        <pc:chgData name="jeongkilyong" userId="42a1e730-e7ec-4950-9a60-48236c77d83b" providerId="ADAL" clId="{6932074E-482F-4F04-8510-30F029D456F7}" dt="2023-10-31T13:14:45.392" v="12486" actId="47"/>
-        <pc:sldMkLst>
-          <pc:docMk/>
-          <pc:sldMk cId="1359256327" sldId="299"/>
-        </pc:sldMkLst>
-      </pc:sldChg>
-      <pc:sldChg chg="del">
-        <pc:chgData name="jeongkilyong" userId="42a1e730-e7ec-4950-9a60-48236c77d83b" providerId="ADAL" clId="{6932074E-482F-4F04-8510-30F029D456F7}" dt="2023-10-31T13:14:45.392" v="12486" actId="47"/>
-        <pc:sldMkLst>
-          <pc:docMk/>
-          <pc:sldMk cId="3213353773" sldId="300"/>
-        </pc:sldMkLst>
-      </pc:sldChg>
-      <pc:sldChg chg="del">
-        <pc:chgData name="jeongkilyong" userId="42a1e730-e7ec-4950-9a60-48236c77d83b" providerId="ADAL" clId="{6932074E-482F-4F04-8510-30F029D456F7}" dt="2023-10-31T13:14:45.392" v="12486" actId="47"/>
-        <pc:sldMkLst>
-          <pc:docMk/>
-          <pc:sldMk cId="648361740" sldId="301"/>
-        </pc:sldMkLst>
-      </pc:sldChg>
-      <pc:sldChg chg="del">
-        <pc:chgData name="jeongkilyong" userId="42a1e730-e7ec-4950-9a60-48236c77d83b" providerId="ADAL" clId="{6932074E-482F-4F04-8510-30F029D456F7}" dt="2023-10-31T13:14:45.392" v="12486" actId="47"/>
-        <pc:sldMkLst>
-          <pc:docMk/>
-          <pc:sldMk cId="2154788897" sldId="302"/>
-        </pc:sldMkLst>
-      </pc:sldChg>
-      <pc:sldChg chg="del">
-        <pc:chgData name="jeongkilyong" userId="42a1e730-e7ec-4950-9a60-48236c77d83b" providerId="ADAL" clId="{6932074E-482F-4F04-8510-30F029D456F7}" dt="2023-10-31T13:14:45.392" v="12486" actId="47"/>
-        <pc:sldMkLst>
-          <pc:docMk/>
-          <pc:sldMk cId="1512175827" sldId="303"/>
-        </pc:sldMkLst>
-      </pc:sldChg>
-      <pc:sldChg chg="del">
-        <pc:chgData name="jeongkilyong" userId="42a1e730-e7ec-4950-9a60-48236c77d83b" providerId="ADAL" clId="{6932074E-482F-4F04-8510-30F029D456F7}" dt="2023-10-31T13:14:45.392" v="12486" actId="47"/>
-        <pc:sldMkLst>
-          <pc:docMk/>
-          <pc:sldMk cId="2639618182" sldId="304"/>
-        </pc:sldMkLst>
-      </pc:sldChg>
-      <pc:sldChg chg="del">
-        <pc:chgData name="jeongkilyong" userId="42a1e730-e7ec-4950-9a60-48236c77d83b" providerId="ADAL" clId="{6932074E-482F-4F04-8510-30F029D456F7}" dt="2023-10-31T13:14:45.392" v="12486" actId="47"/>
-        <pc:sldMkLst>
-          <pc:docMk/>
-          <pc:sldMk cId="2147266946" sldId="305"/>
-        </pc:sldMkLst>
-      </pc:sldChg>
-      <pc:sldChg chg="del">
-        <pc:chgData name="jeongkilyong" userId="42a1e730-e7ec-4950-9a60-48236c77d83b" providerId="ADAL" clId="{6932074E-482F-4F04-8510-30F029D456F7}" dt="2023-10-31T13:14:45.392" v="12486" actId="47"/>
-        <pc:sldMkLst>
-          <pc:docMk/>
-          <pc:sldMk cId="636080613" sldId="306"/>
-        </pc:sldMkLst>
-      </pc:sldChg>
-      <pc:sldChg chg="del">
-        <pc:chgData name="jeongkilyong" userId="42a1e730-e7ec-4950-9a60-48236c77d83b" providerId="ADAL" clId="{6932074E-482F-4F04-8510-30F029D456F7}" dt="2023-10-31T13:14:45.392" v="12486" actId="47"/>
-        <pc:sldMkLst>
-          <pc:docMk/>
-          <pc:sldMk cId="2447935166" sldId="307"/>
-        </pc:sldMkLst>
-      </pc:sldChg>
-      <pc:sldChg chg="del">
-        <pc:chgData name="jeongkilyong" userId="42a1e730-e7ec-4950-9a60-48236c77d83b" providerId="ADAL" clId="{6932074E-482F-4F04-8510-30F029D456F7}" dt="2023-10-31T13:14:45.392" v="12486" actId="47"/>
-        <pc:sldMkLst>
-          <pc:docMk/>
-          <pc:sldMk cId="3670214579" sldId="308"/>
-        </pc:sldMkLst>
-      </pc:sldChg>
-      <pc:sldChg chg="del">
-        <pc:chgData name="jeongkilyong" userId="42a1e730-e7ec-4950-9a60-48236c77d83b" providerId="ADAL" clId="{6932074E-482F-4F04-8510-30F029D456F7}" dt="2023-10-31T13:14:45.392" v="12486" actId="47"/>
-        <pc:sldMkLst>
-          <pc:docMk/>
-          <pc:sldMk cId="1580071959" sldId="309"/>
-        </pc:sldMkLst>
-      </pc:sldChg>
-      <pc:sldChg chg="del">
-        <pc:chgData name="jeongkilyong" userId="42a1e730-e7ec-4950-9a60-48236c77d83b" providerId="ADAL" clId="{6932074E-482F-4F04-8510-30F029D456F7}" dt="2023-10-31T13:14:45.392" v="12486" actId="47"/>
-        <pc:sldMkLst>
-          <pc:docMk/>
-          <pc:sldMk cId="2719719894" sldId="310"/>
-        </pc:sldMkLst>
-      </pc:sldChg>
-      <pc:sldChg chg="del">
-        <pc:chgData name="jeongkilyong" userId="42a1e730-e7ec-4950-9a60-48236c77d83b" providerId="ADAL" clId="{6932074E-482F-4F04-8510-30F029D456F7}" dt="2023-10-31T13:14:45.392" v="12486" actId="47"/>
-        <pc:sldMkLst>
-          <pc:docMk/>
-          <pc:sldMk cId="249912601" sldId="311"/>
-        </pc:sldMkLst>
-      </pc:sldChg>
-      <pc:sldChg chg="del">
-        <pc:chgData name="jeongkilyong" userId="42a1e730-e7ec-4950-9a60-48236c77d83b" providerId="ADAL" clId="{6932074E-482F-4F04-8510-30F029D456F7}" dt="2023-10-31T13:14:45.392" v="12486" actId="47"/>
-        <pc:sldMkLst>
-          <pc:docMk/>
-          <pc:sldMk cId="2387562204" sldId="312"/>
-        </pc:sldMkLst>
-      </pc:sldChg>
-      <pc:sldChg chg="del">
-        <pc:chgData name="jeongkilyong" userId="42a1e730-e7ec-4950-9a60-48236c77d83b" providerId="ADAL" clId="{6932074E-482F-4F04-8510-30F029D456F7}" dt="2023-10-31T13:14:45.392" v="12486" actId="47"/>
-        <pc:sldMkLst>
-          <pc:docMk/>
-          <pc:sldMk cId="1859253" sldId="313"/>
-        </pc:sldMkLst>
-      </pc:sldChg>
-      <pc:sldChg chg="del">
-        <pc:chgData name="jeongkilyong" userId="42a1e730-e7ec-4950-9a60-48236c77d83b" providerId="ADAL" clId="{6932074E-482F-4F04-8510-30F029D456F7}" dt="2023-10-31T13:14:45.392" v="12486" actId="47"/>
-        <pc:sldMkLst>
-          <pc:docMk/>
-          <pc:sldMk cId="3136811878" sldId="316"/>
-        </pc:sldMkLst>
-      </pc:sldChg>
-      <pc:sldChg chg="addSp delSp modSp add mod">
-        <pc:chgData name="jeongkilyong" userId="42a1e730-e7ec-4950-9a60-48236c77d83b" providerId="ADAL" clId="{6932074E-482F-4F04-8510-30F029D456F7}" dt="2023-10-31T10:31:47.446" v="11808" actId="14100"/>
-        <pc:sldMkLst>
-          <pc:docMk/>
-          <pc:sldMk cId="4004082555" sldId="317"/>
-        </pc:sldMkLst>
-        <pc:spChg chg="mod">
-          <ac:chgData name="jeongkilyong" userId="42a1e730-e7ec-4950-9a60-48236c77d83b" providerId="ADAL" clId="{6932074E-482F-4F04-8510-30F029D456F7}" dt="2023-10-29T11:02:20.171" v="1297" actId="20577"/>
-          <ac:spMkLst>
-            <pc:docMk/>
-            <pc:sldMk cId="4004082555" sldId="317"/>
-            <ac:spMk id="5" creationId="{FB35D915-9598-4DE5-A561-CC6FE4D2171D}"/>
-          </ac:spMkLst>
-        </pc:spChg>
-        <pc:spChg chg="del">
-          <ac:chgData name="jeongkilyong" userId="42a1e730-e7ec-4950-9a60-48236c77d83b" providerId="ADAL" clId="{6932074E-482F-4F04-8510-30F029D456F7}" dt="2023-10-29T13:21:25.765" v="2912" actId="478"/>
-          <ac:spMkLst>
-            <pc:docMk/>
-            <pc:sldMk cId="4004082555" sldId="317"/>
-            <ac:spMk id="7" creationId="{E08312F0-3BD2-4F32-9089-FB425567B7D7}"/>
-          </ac:spMkLst>
-        </pc:spChg>
-        <pc:spChg chg="add mod">
-          <ac:chgData name="jeongkilyong" userId="42a1e730-e7ec-4950-9a60-48236c77d83b" providerId="ADAL" clId="{6932074E-482F-4F04-8510-30F029D456F7}" dt="2023-10-29T11:24:15.403" v="1369" actId="1076"/>
-          <ac:spMkLst>
-            <pc:docMk/>
-            <pc:sldMk cId="4004082555" sldId="317"/>
-            <ac:spMk id="11" creationId="{24C3D664-C1E9-4355-B606-904ED1454FF3}"/>
-          </ac:spMkLst>
-        </pc:spChg>
-        <pc:spChg chg="mod">
-          <ac:chgData name="jeongkilyong" userId="42a1e730-e7ec-4950-9a60-48236c77d83b" providerId="ADAL" clId="{6932074E-482F-4F04-8510-30F029D456F7}" dt="2023-10-29T12:45:24.882" v="2047" actId="20577"/>
-          <ac:spMkLst>
-            <pc:docMk/>
-            <pc:sldMk cId="4004082555" sldId="317"/>
-            <ac:spMk id="12" creationId="{10ACD4E5-1FFB-574E-8F99-C84FF7F7144F}"/>
-          </ac:spMkLst>
-        </pc:spChg>
-        <pc:picChg chg="del">
-          <ac:chgData name="jeongkilyong" userId="42a1e730-e7ec-4950-9a60-48236c77d83b" providerId="ADAL" clId="{6932074E-482F-4F04-8510-30F029D456F7}" dt="2023-10-29T13:21:25.765" v="2912" actId="478"/>
-          <ac:picMkLst>
-            <pc:docMk/>
-            <pc:sldMk cId="4004082555" sldId="317"/>
-            <ac:picMk id="6" creationId="{70EB4F47-E0CF-4334-93D6-7B7E49AA174A}"/>
-          </ac:picMkLst>
-        </pc:picChg>
-        <pc:picChg chg="add del mod">
-          <ac:chgData name="jeongkilyong" userId="42a1e730-e7ec-4950-9a60-48236c77d83b" providerId="ADAL" clId="{6932074E-482F-4F04-8510-30F029D456F7}" dt="2023-10-29T11:20:46.485" v="1328" actId="478"/>
-          <ac:picMkLst>
-            <pc:docMk/>
-            <pc:sldMk cId="4004082555" sldId="317"/>
-            <ac:picMk id="8" creationId="{4581DCBA-7E9F-489E-B2CF-FA6F196AAB35}"/>
-          </ac:picMkLst>
-        </pc:picChg>
-        <pc:picChg chg="add del mod">
-          <ac:chgData name="jeongkilyong" userId="42a1e730-e7ec-4950-9a60-48236c77d83b" providerId="ADAL" clId="{6932074E-482F-4F04-8510-30F029D456F7}" dt="2023-10-31T10:30:46.774" v="11795" actId="478"/>
-          <ac:picMkLst>
-            <pc:docMk/>
-            <pc:sldMk cId="4004082555" sldId="317"/>
-            <ac:picMk id="13" creationId="{4992BF40-2373-433A-826A-9607E18163A8}"/>
-          </ac:picMkLst>
-        </pc:picChg>
-        <pc:picChg chg="add del mod">
-          <ac:chgData name="jeongkilyong" userId="42a1e730-e7ec-4950-9a60-48236c77d83b" providerId="ADAL" clId="{6932074E-482F-4F04-8510-30F029D456F7}" dt="2023-10-31T10:31:29.800" v="11801" actId="478"/>
-          <ac:picMkLst>
-            <pc:docMk/>
-            <pc:sldMk cId="4004082555" sldId="317"/>
-            <ac:picMk id="15" creationId="{1E2ABDB8-386D-464C-BAFA-FC693D08ADB6}"/>
-          </ac:picMkLst>
-        </pc:picChg>
-        <pc:picChg chg="add mod">
-          <ac:chgData name="jeongkilyong" userId="42a1e730-e7ec-4950-9a60-48236c77d83b" providerId="ADAL" clId="{6932074E-482F-4F04-8510-30F029D456F7}" dt="2023-10-31T10:30:59.260" v="11800" actId="1076"/>
-          <ac:picMkLst>
-            <pc:docMk/>
-            <pc:sldMk cId="4004082555" sldId="317"/>
-            <ac:picMk id="17" creationId="{7704EDFE-640B-43A9-9ECA-FBF5A2E5926E}"/>
-          </ac:picMkLst>
-        </pc:picChg>
-        <pc:picChg chg="add mod">
-          <ac:chgData name="jeongkilyong" userId="42a1e730-e7ec-4950-9a60-48236c77d83b" providerId="ADAL" clId="{6932074E-482F-4F04-8510-30F029D456F7}" dt="2023-10-29T11:24:09.305" v="1368" actId="1076"/>
-          <ac:picMkLst>
-            <pc:docMk/>
-            <pc:sldMk cId="4004082555" sldId="317"/>
-            <ac:picMk id="18" creationId="{53306768-7F16-46D7-8918-6C87497EA84B}"/>
-          </ac:picMkLst>
-        </pc:picChg>
-        <pc:picChg chg="add mod">
-          <ac:chgData name="jeongkilyong" userId="42a1e730-e7ec-4950-9a60-48236c77d83b" providerId="ADAL" clId="{6932074E-482F-4F04-8510-30F029D456F7}" dt="2023-10-29T11:27:36.785" v="1384" actId="1076"/>
-          <ac:picMkLst>
-            <pc:docMk/>
-            <pc:sldMk cId="4004082555" sldId="317"/>
-            <ac:picMk id="19" creationId="{92B40CE9-D82B-4498-B210-73ACE2A914C0}"/>
-          </ac:picMkLst>
-        </pc:picChg>
-        <pc:picChg chg="add mod ord">
-          <ac:chgData name="jeongkilyong" userId="42a1e730-e7ec-4950-9a60-48236c77d83b" providerId="ADAL" clId="{6932074E-482F-4F04-8510-30F029D456F7}" dt="2023-10-31T10:31:47.446" v="11808" actId="14100"/>
-          <ac:picMkLst>
-            <pc:docMk/>
-            <pc:sldMk cId="4004082555" sldId="317"/>
-            <ac:picMk id="21" creationId="{2E26EB5B-D458-45EA-BB05-3A76958DCF14}"/>
-          </ac:picMkLst>
-        </pc:picChg>
-        <pc:picChg chg="add del mod">
-          <ac:chgData name="jeongkilyong" userId="42a1e730-e7ec-4950-9a60-48236c77d83b" providerId="ADAL" clId="{6932074E-482F-4F04-8510-30F029D456F7}" dt="2023-10-29T11:27:34.322" v="1382" actId="478"/>
-          <ac:picMkLst>
-            <pc:docMk/>
-            <pc:sldMk cId="4004082555" sldId="317"/>
-            <ac:picMk id="1026" creationId="{CF6C6536-6F9E-4F36-B44B-38D9CED661A3}"/>
-          </ac:picMkLst>
-        </pc:picChg>
-        <pc:picChg chg="add mod">
-          <ac:chgData name="jeongkilyong" userId="42a1e730-e7ec-4950-9a60-48236c77d83b" providerId="ADAL" clId="{6932074E-482F-4F04-8510-30F029D456F7}" dt="2023-10-31T10:30:56.645" v="11799" actId="166"/>
-          <ac:picMkLst>
-            <pc:docMk/>
-            <pc:sldMk cId="4004082555" sldId="317"/>
-            <ac:picMk id="1028" creationId="{1DF8B8CD-2C0F-4A46-B972-B54B517FF93A}"/>
-          </ac:picMkLst>
-        </pc:picChg>
-      </pc:sldChg>
-      <pc:sldChg chg="addSp delSp modSp add mod">
-        <pc:chgData name="jeongkilyong" userId="42a1e730-e7ec-4950-9a60-48236c77d83b" providerId="ADAL" clId="{6932074E-482F-4F04-8510-30F029D456F7}" dt="2023-10-31T10:44:56.096" v="12130" actId="207"/>
-        <pc:sldMkLst>
-          <pc:docMk/>
-          <pc:sldMk cId="1241690786" sldId="318"/>
-        </pc:sldMkLst>
-        <pc:spChg chg="mod">
-          <ac:chgData name="jeongkilyong" userId="42a1e730-e7ec-4950-9a60-48236c77d83b" providerId="ADAL" clId="{6932074E-482F-4F04-8510-30F029D456F7}" dt="2023-10-31T10:44:56.096" v="12130" actId="207"/>
-          <ac:spMkLst>
-            <pc:docMk/>
-            <pc:sldMk cId="1241690786" sldId="318"/>
-            <ac:spMk id="5" creationId="{FB35D915-9598-4DE5-A561-CC6FE4D2171D}"/>
-          </ac:spMkLst>
-        </pc:spChg>
-        <pc:spChg chg="del">
-          <ac:chgData name="jeongkilyong" userId="42a1e730-e7ec-4950-9a60-48236c77d83b" providerId="ADAL" clId="{6932074E-482F-4F04-8510-30F029D456F7}" dt="2023-10-29T12:07:02.027" v="1775" actId="21"/>
-          <ac:spMkLst>
-            <pc:docMk/>
-            <pc:sldMk cId="1241690786" sldId="318"/>
-            <ac:spMk id="7" creationId="{E08312F0-3BD2-4F32-9089-FB425567B7D7}"/>
-          </ac:spMkLst>
-        </pc:spChg>
-        <pc:spChg chg="add mod">
-          <ac:chgData name="jeongkilyong" userId="42a1e730-e7ec-4950-9a60-48236c77d83b" providerId="ADAL" clId="{6932074E-482F-4F04-8510-30F029D456F7}" dt="2023-10-31T10:33:45.332" v="11825" actId="1037"/>
-          <ac:spMkLst>
-            <pc:docMk/>
-            <pc:sldMk cId="1241690786" sldId="318"/>
-            <ac:spMk id="9" creationId="{A2F4108C-EE4A-48B9-8F2E-947DF2E417B0}"/>
-          </ac:spMkLst>
-        </pc:spChg>
-        <pc:spChg chg="add mod">
-          <ac:chgData name="jeongkilyong" userId="42a1e730-e7ec-4950-9a60-48236c77d83b" providerId="ADAL" clId="{6932074E-482F-4F04-8510-30F029D456F7}" dt="2023-10-31T10:33:49.429" v="11833" actId="1037"/>
-          <ac:spMkLst>
-            <pc:docMk/>
-            <pc:sldMk cId="1241690786" sldId="318"/>
-            <ac:spMk id="11" creationId="{CF854CFA-C5DE-4D96-B21D-713AAC08FA30}"/>
-          </ac:spMkLst>
-        </pc:spChg>
-        <pc:spChg chg="mod">
-          <ac:chgData name="jeongkilyong" userId="42a1e730-e7ec-4950-9a60-48236c77d83b" providerId="ADAL" clId="{6932074E-482F-4F04-8510-30F029D456F7}" dt="2023-10-29T12:45:13.386" v="2034" actId="20577"/>
-          <ac:spMkLst>
-            <pc:docMk/>
-            <pc:sldMk cId="1241690786" sldId="318"/>
-            <ac:spMk id="12" creationId="{10ACD4E5-1FFB-574E-8F99-C84FF7F7144F}"/>
-          </ac:spMkLst>
-        </pc:spChg>
-        <pc:picChg chg="del">
-          <ac:chgData name="jeongkilyong" userId="42a1e730-e7ec-4950-9a60-48236c77d83b" providerId="ADAL" clId="{6932074E-482F-4F04-8510-30F029D456F7}" dt="2023-10-29T12:07:02.027" v="1775" actId="21"/>
-          <ac:picMkLst>
-            <pc:docMk/>
-            <pc:sldMk cId="1241690786" sldId="318"/>
-            <ac:picMk id="6" creationId="{70EB4F47-E0CF-4334-93D6-7B7E49AA174A}"/>
-          </ac:picMkLst>
-        </pc:picChg>
-        <pc:picChg chg="add mod">
-          <ac:chgData name="jeongkilyong" userId="42a1e730-e7ec-4950-9a60-48236c77d83b" providerId="ADAL" clId="{6932074E-482F-4F04-8510-30F029D456F7}" dt="2023-10-31T10:33:45.332" v="11825" actId="1037"/>
-          <ac:picMkLst>
-            <pc:docMk/>
-            <pc:sldMk cId="1241690786" sldId="318"/>
-            <ac:picMk id="13" creationId="{2C014300-249E-4134-9EB7-51160212FB03}"/>
-          </ac:picMkLst>
-        </pc:picChg>
-        <pc:picChg chg="add mod">
-          <ac:chgData name="jeongkilyong" userId="42a1e730-e7ec-4950-9a60-48236c77d83b" providerId="ADAL" clId="{6932074E-482F-4F04-8510-30F029D456F7}" dt="2023-10-31T10:34:02.116" v="11840" actId="1036"/>
-          <ac:picMkLst>
-            <pc:docMk/>
-            <pc:sldMk cId="1241690786" sldId="318"/>
-            <ac:picMk id="14" creationId="{B7A8FF01-5567-4CD0-A1B8-82693ED9955F}"/>
-          </ac:picMkLst>
-        </pc:picChg>
-      </pc:sldChg>
-      <pc:sldChg chg="addSp modSp add del mod">
-        <pc:chgData name="jeongkilyong" userId="42a1e730-e7ec-4950-9a60-48236c77d83b" providerId="ADAL" clId="{6932074E-482F-4F04-8510-30F029D456F7}" dt="2023-10-31T10:42:42.652" v="12021" actId="2696"/>
-        <pc:sldMkLst>
-          <pc:docMk/>
-          <pc:sldMk cId="1181695214" sldId="319"/>
-        </pc:sldMkLst>
-        <pc:spChg chg="add mod">
-          <ac:chgData name="jeongkilyong" userId="42a1e730-e7ec-4950-9a60-48236c77d83b" providerId="ADAL" clId="{6932074E-482F-4F04-8510-30F029D456F7}" dt="2023-10-29T13:34:25.783" v="2946" actId="20577"/>
-          <ac:spMkLst>
-            <pc:docMk/>
-            <pc:sldMk cId="1181695214" sldId="319"/>
-            <ac:spMk id="7" creationId="{01C5C3FE-7898-4F96-A7CC-D3A168BE1427}"/>
-          </ac:spMkLst>
-        </pc:spChg>
-        <pc:spChg chg="mod">
-          <ac:chgData name="jeongkilyong" userId="42a1e730-e7ec-4950-9a60-48236c77d83b" providerId="ADAL" clId="{6932074E-482F-4F04-8510-30F029D456F7}" dt="2023-10-29T13:21:10.156" v="2911" actId="20577"/>
-          <ac:spMkLst>
-            <pc:docMk/>
-            <pc:sldMk cId="1181695214" sldId="319"/>
-            <ac:spMk id="12" creationId="{10ACD4E5-1FFB-574E-8F99-C84FF7F7144F}"/>
-          </ac:spMkLst>
-        </pc:spChg>
-        <pc:picChg chg="add mod">
-          <ac:chgData name="jeongkilyong" userId="42a1e730-e7ec-4950-9a60-48236c77d83b" providerId="ADAL" clId="{6932074E-482F-4F04-8510-30F029D456F7}" dt="2023-10-29T13:21:42.605" v="2916"/>
-          <ac:picMkLst>
-            <pc:docMk/>
-            <pc:sldMk cId="1181695214" sldId="319"/>
-            <ac:picMk id="6" creationId="{ACC1FFCB-82BB-4636-9902-3025E3D7C8F9}"/>
-          </ac:picMkLst>
-        </pc:picChg>
-      </pc:sldChg>
-      <pc:sldChg chg="add del">
-        <pc:chgData name="jeongkilyong" userId="42a1e730-e7ec-4950-9a60-48236c77d83b" providerId="ADAL" clId="{6932074E-482F-4F04-8510-30F029D456F7}" dt="2023-10-31T11:20:59.230" v="12365" actId="2696"/>
-        <pc:sldMkLst>
-          <pc:docMk/>
-          <pc:sldMk cId="1398851862" sldId="319"/>
-        </pc:sldMkLst>
-      </pc:sldChg>
-      <pc:sldChg chg="modSp add del mod">
-        <pc:chgData name="jeongkilyong" userId="42a1e730-e7ec-4950-9a60-48236c77d83b" providerId="ADAL" clId="{6932074E-482F-4F04-8510-30F029D456F7}" dt="2023-10-31T13:14:38.411" v="12485" actId="47"/>
-        <pc:sldMkLst>
-          <pc:docMk/>
-          <pc:sldMk cId="2851373288" sldId="319"/>
-        </pc:sldMkLst>
-        <pc:spChg chg="mod">
-          <ac:chgData name="jeongkilyong" userId="42a1e730-e7ec-4950-9a60-48236c77d83b" providerId="ADAL" clId="{6932074E-482F-4F04-8510-30F029D456F7}" dt="2023-10-31T11:29:24.768" v="12387" actId="20577"/>
-          <ac:spMkLst>
-            <pc:docMk/>
-            <pc:sldMk cId="2851373288" sldId="319"/>
-            <ac:spMk id="7" creationId="{01C5C3FE-7898-4F96-A7CC-D3A168BE1427}"/>
-          </ac:spMkLst>
-        </pc:spChg>
-      </pc:sldChg>
-      <pc:sldChg chg="addSp delSp modSp add mod">
-        <pc:chgData name="jeongkilyong" userId="42a1e730-e7ec-4950-9a60-48236c77d83b" providerId="ADAL" clId="{6932074E-482F-4F04-8510-30F029D456F7}" dt="2023-10-31T22:31:19.922" v="12539" actId="20577"/>
-        <pc:sldMkLst>
-          <pc:docMk/>
-          <pc:sldMk cId="2378294150" sldId="320"/>
-        </pc:sldMkLst>
-        <pc:spChg chg="mod">
-          <ac:chgData name="jeongkilyong" userId="42a1e730-e7ec-4950-9a60-48236c77d83b" providerId="ADAL" clId="{6932074E-482F-4F04-8510-30F029D456F7}" dt="2023-10-31T10:50:11.956" v="12229" actId="207"/>
-          <ac:spMkLst>
-            <pc:docMk/>
-            <pc:sldMk cId="2378294150" sldId="320"/>
-            <ac:spMk id="4" creationId="{36A61F52-C7C9-44DD-A99A-6374000ED600}"/>
-          </ac:spMkLst>
-        </pc:spChg>
-        <pc:spChg chg="add del mod">
-          <ac:chgData name="jeongkilyong" userId="42a1e730-e7ec-4950-9a60-48236c77d83b" providerId="ADAL" clId="{6932074E-482F-4F04-8510-30F029D456F7}" dt="2023-10-30T07:16:45.286" v="3377" actId="478"/>
-          <ac:spMkLst>
-            <pc:docMk/>
-            <pc:sldMk cId="2378294150" sldId="320"/>
-            <ac:spMk id="7" creationId="{C1545ADC-D2A0-4488-8D2E-72257689AF71}"/>
-          </ac:spMkLst>
-        </pc:spChg>
-        <pc:spChg chg="add mod">
-          <ac:chgData name="jeongkilyong" userId="42a1e730-e7ec-4950-9a60-48236c77d83b" providerId="ADAL" clId="{6932074E-482F-4F04-8510-30F029D456F7}" dt="2023-10-31T10:43:23.325" v="12032" actId="207"/>
-          <ac:spMkLst>
-            <pc:docMk/>
-            <pc:sldMk cId="2378294150" sldId="320"/>
-            <ac:spMk id="10" creationId="{846A01CB-9D1D-4707-B94F-E210FB365C69}"/>
-          </ac:spMkLst>
-        </pc:spChg>
-        <pc:spChg chg="add del">
-          <ac:chgData name="jeongkilyong" userId="42a1e730-e7ec-4950-9a60-48236c77d83b" providerId="ADAL" clId="{6932074E-482F-4F04-8510-30F029D456F7}" dt="2023-10-31T00:37:19.094" v="5598" actId="478"/>
-          <ac:spMkLst>
-            <pc:docMk/>
-            <pc:sldMk cId="2378294150" sldId="320"/>
-            <ac:spMk id="11" creationId="{26F0469C-E8F7-4F88-8DF8-E40E949C281B}"/>
-          </ac:spMkLst>
-        </pc:spChg>
-        <pc:spChg chg="mod">
-          <ac:chgData name="jeongkilyong" userId="42a1e730-e7ec-4950-9a60-48236c77d83b" providerId="ADAL" clId="{6932074E-482F-4F04-8510-30F029D456F7}" dt="2023-10-30T06:28:01.785" v="2962" actId="20577"/>
-          <ac:spMkLst>
-            <pc:docMk/>
-            <pc:sldMk cId="2378294150" sldId="320"/>
-            <ac:spMk id="12" creationId="{10ACD4E5-1FFB-574E-8F99-C84FF7F7144F}"/>
-          </ac:spMkLst>
-        </pc:spChg>
-        <pc:spChg chg="add del mod">
-          <ac:chgData name="jeongkilyong" userId="42a1e730-e7ec-4950-9a60-48236c77d83b" providerId="ADAL" clId="{6932074E-482F-4F04-8510-30F029D456F7}" dt="2023-10-31T01:29:50.836" v="6590" actId="478"/>
-          <ac:spMkLst>
-            <pc:docMk/>
-            <pc:sldMk cId="2378294150" sldId="320"/>
-            <ac:spMk id="14" creationId="{CE5A5374-AE39-4A67-8B9F-862D905E41AE}"/>
-          </ac:spMkLst>
-        </pc:spChg>
-        <pc:spChg chg="add mod">
-          <ac:chgData name="jeongkilyong" userId="42a1e730-e7ec-4950-9a60-48236c77d83b" providerId="ADAL" clId="{6932074E-482F-4F04-8510-30F029D456F7}" dt="2023-10-31T22:31:19.922" v="12539" actId="20577"/>
-          <ac:spMkLst>
-            <pc:docMk/>
-            <pc:sldMk cId="2378294150" sldId="320"/>
-            <ac:spMk id="16" creationId="{9F1043FE-A6CD-4775-A6D5-06003C7905A0}"/>
-          </ac:spMkLst>
-        </pc:spChg>
-        <pc:picChg chg="add del mod">
-          <ac:chgData name="jeongkilyong" userId="42a1e730-e7ec-4950-9a60-48236c77d83b" providerId="ADAL" clId="{6932074E-482F-4F04-8510-30F029D456F7}" dt="2023-10-31T01:29:50.836" v="6590" actId="478"/>
-          <ac:picMkLst>
-            <pc:docMk/>
-            <pc:sldMk cId="2378294150" sldId="320"/>
-            <ac:picMk id="13" creationId="{8760D10C-0E27-4647-87DD-03BB6315569F}"/>
-          </ac:picMkLst>
-        </pc:picChg>
-        <pc:picChg chg="add mod">
-          <ac:chgData name="jeongkilyong" userId="42a1e730-e7ec-4950-9a60-48236c77d83b" providerId="ADAL" clId="{6932074E-482F-4F04-8510-30F029D456F7}" dt="2023-10-31T07:05:36.339" v="10487"/>
-          <ac:picMkLst>
-            <pc:docMk/>
-            <pc:sldMk cId="2378294150" sldId="320"/>
-            <ac:picMk id="15" creationId="{5AACC1E2-618D-4D8F-AC9F-11E1250F6085}"/>
-          </ac:picMkLst>
-        </pc:picChg>
-      </pc:sldChg>
-      <pc:sldChg chg="addSp modSp add del mod">
-        <pc:chgData name="jeongkilyong" userId="42a1e730-e7ec-4950-9a60-48236c77d83b" providerId="ADAL" clId="{6932074E-482F-4F04-8510-30F029D456F7}" dt="2023-10-31T00:55:16.769" v="5604" actId="47"/>
-        <pc:sldMkLst>
-          <pc:docMk/>
-          <pc:sldMk cId="3411960664" sldId="321"/>
-        </pc:sldMkLst>
-        <pc:spChg chg="mod">
-          <ac:chgData name="jeongkilyong" userId="42a1e730-e7ec-4950-9a60-48236c77d83b" providerId="ADAL" clId="{6932074E-482F-4F04-8510-30F029D456F7}" dt="2023-10-31T00:22:17.659" v="5502" actId="20577"/>
-          <ac:spMkLst>
-            <pc:docMk/>
-            <pc:sldMk cId="3411960664" sldId="321"/>
-            <ac:spMk id="4" creationId="{36A61F52-C7C9-44DD-A99A-6374000ED600}"/>
-          </ac:spMkLst>
-        </pc:spChg>
-        <pc:spChg chg="add mod">
-          <ac:chgData name="jeongkilyong" userId="42a1e730-e7ec-4950-9a60-48236c77d83b" providerId="ADAL" clId="{6932074E-482F-4F04-8510-30F029D456F7}" dt="2023-10-30T07:51:36.769" v="4151" actId="20577"/>
-          <ac:spMkLst>
-            <pc:docMk/>
-            <pc:sldMk cId="3411960664" sldId="321"/>
-            <ac:spMk id="7" creationId="{9F9ABABC-75B5-4ED3-B6E1-850EF8171B5F}"/>
-          </ac:spMkLst>
-        </pc:spChg>
-        <pc:spChg chg="add mod">
-          <ac:chgData name="jeongkilyong" userId="42a1e730-e7ec-4950-9a60-48236c77d83b" providerId="ADAL" clId="{6932074E-482F-4F04-8510-30F029D456F7}" dt="2023-10-31T00:22:21.487" v="5503" actId="1076"/>
-          <ac:spMkLst>
-            <pc:docMk/>
-            <pc:sldMk cId="3411960664" sldId="321"/>
-            <ac:spMk id="10" creationId="{EA44B287-EF83-42FA-9CF0-E9947AECA1CC}"/>
-          </ac:spMkLst>
-        </pc:spChg>
-        <pc:spChg chg="mod">
-          <ac:chgData name="jeongkilyong" userId="42a1e730-e7ec-4950-9a60-48236c77d83b" providerId="ADAL" clId="{6932074E-482F-4F04-8510-30F029D456F7}" dt="2023-10-30T23:48:33.737" v="5135" actId="20577"/>
-          <ac:spMkLst>
-            <pc:docMk/>
-            <pc:sldMk cId="3411960664" sldId="321"/>
-            <ac:spMk id="12" creationId="{10ACD4E5-1FFB-574E-8F99-C84FF7F7144F}"/>
-          </ac:spMkLst>
-        </pc:spChg>
-        <pc:picChg chg="add mod">
-          <ac:chgData name="jeongkilyong" userId="42a1e730-e7ec-4950-9a60-48236c77d83b" providerId="ADAL" clId="{6932074E-482F-4F04-8510-30F029D456F7}" dt="2023-10-30T07:18:23.318" v="3460"/>
-          <ac:picMkLst>
-            <pc:docMk/>
-            <pc:sldMk cId="3411960664" sldId="321"/>
-            <ac:picMk id="6" creationId="{CFEF24B9-B94F-4A95-9DCB-7A8E92B7AA4A}"/>
-          </ac:picMkLst>
-        </pc:picChg>
-      </pc:sldChg>
-      <pc:sldChg chg="addSp delSp modSp add mod">
-        <pc:chgData name="jeongkilyong" userId="42a1e730-e7ec-4950-9a60-48236c77d83b" providerId="ADAL" clId="{6932074E-482F-4F04-8510-30F029D456F7}" dt="2023-10-31T22:31:35.026" v="12547" actId="20577"/>
-        <pc:sldMkLst>
-          <pc:docMk/>
-          <pc:sldMk cId="2524346248" sldId="322"/>
-        </pc:sldMkLst>
-        <pc:spChg chg="del mod">
-          <ac:chgData name="jeongkilyong" userId="42a1e730-e7ec-4950-9a60-48236c77d83b" providerId="ADAL" clId="{6932074E-482F-4F04-8510-30F029D456F7}" dt="2023-10-30T07:49:38.748" v="4057" actId="478"/>
-          <ac:spMkLst>
-            <pc:docMk/>
-            <pc:sldMk cId="2524346248" sldId="322"/>
-            <ac:spMk id="4" creationId="{36A61F52-C7C9-44DD-A99A-6374000ED600}"/>
-          </ac:spMkLst>
-        </pc:spChg>
-        <pc:spChg chg="add mod">
-          <ac:chgData name="jeongkilyong" userId="42a1e730-e7ec-4950-9a60-48236c77d83b" providerId="ADAL" clId="{6932074E-482F-4F04-8510-30F029D456F7}" dt="2023-10-31T05:01:35.116" v="7597" actId="20577"/>
-          <ac:spMkLst>
-            <pc:docMk/>
-            <pc:sldMk cId="2524346248" sldId="322"/>
-            <ac:spMk id="6" creationId="{962B8DF6-ACCB-4F02-8A6A-23227785DE4F}"/>
-          </ac:spMkLst>
-        </pc:spChg>
-        <pc:spChg chg="add mod">
-          <ac:chgData name="jeongkilyong" userId="42a1e730-e7ec-4950-9a60-48236c77d83b" providerId="ADAL" clId="{6932074E-482F-4F04-8510-30F029D456F7}" dt="2023-10-31T22:31:35.026" v="12547" actId="20577"/>
-          <ac:spMkLst>
-            <pc:docMk/>
-            <pc:sldMk cId="2524346248" sldId="322"/>
-            <ac:spMk id="8" creationId="{C6032FC1-039D-42AE-BF7F-FEFC2409F224}"/>
-          </ac:spMkLst>
-        </pc:spChg>
-        <pc:spChg chg="add del mod">
-          <ac:chgData name="jeongkilyong" userId="42a1e730-e7ec-4950-9a60-48236c77d83b" providerId="ADAL" clId="{6932074E-482F-4F04-8510-30F029D456F7}" dt="2023-10-30T08:08:32.208" v="4240" actId="478"/>
-          <ac:spMkLst>
-            <pc:docMk/>
-            <pc:sldMk cId="2524346248" sldId="322"/>
-            <ac:spMk id="10" creationId="{CFD7EF67-1E38-499C-B5A9-657CC08AAEBE}"/>
-          </ac:spMkLst>
-        </pc:spChg>
-        <pc:spChg chg="mod">
-          <ac:chgData name="jeongkilyong" userId="42a1e730-e7ec-4950-9a60-48236c77d83b" providerId="ADAL" clId="{6932074E-482F-4F04-8510-30F029D456F7}" dt="2023-10-31T01:55:35.352" v="6806" actId="6549"/>
-          <ac:spMkLst>
-            <pc:docMk/>
-            <pc:sldMk cId="2524346248" sldId="322"/>
-            <ac:spMk id="12" creationId="{10ACD4E5-1FFB-574E-8F99-C84FF7F7144F}"/>
-          </ac:spMkLst>
-        </pc:spChg>
-        <pc:spChg chg="add mod">
-          <ac:chgData name="jeongkilyong" userId="42a1e730-e7ec-4950-9a60-48236c77d83b" providerId="ADAL" clId="{6932074E-482F-4F04-8510-30F029D456F7}" dt="2023-10-31T10:50:36.779" v="12235" actId="207"/>
-          <ac:spMkLst>
-            <pc:docMk/>
-            <pc:sldMk cId="2524346248" sldId="322"/>
-            <ac:spMk id="13" creationId="{B28F2CAD-648A-4CAC-A08F-7172F1E6173A}"/>
-          </ac:spMkLst>
-        </pc:spChg>
-        <pc:picChg chg="add mod">
-          <ac:chgData name="jeongkilyong" userId="42a1e730-e7ec-4950-9a60-48236c77d83b" providerId="ADAL" clId="{6932074E-482F-4F04-8510-30F029D456F7}" dt="2023-10-30T07:51:17.310" v="4147"/>
-          <ac:picMkLst>
-            <pc:docMk/>
-            <pc:sldMk cId="2524346248" sldId="322"/>
-            <ac:picMk id="7" creationId="{884927E3-8DDB-4A9F-9C88-CBFF67B9E99D}"/>
-          </ac:picMkLst>
-        </pc:picChg>
-      </pc:sldChg>
-      <pc:sldChg chg="addSp modSp add mod">
-        <pc:chgData name="jeongkilyong" userId="42a1e730-e7ec-4950-9a60-48236c77d83b" providerId="ADAL" clId="{6932074E-482F-4F04-8510-30F029D456F7}" dt="2023-10-30T08:21:09.242" v="4815" actId="20577"/>
-        <pc:sldMkLst>
-          <pc:docMk/>
-          <pc:sldMk cId="3833393831" sldId="323"/>
-        </pc:sldMkLst>
-        <pc:spChg chg="mod">
-          <ac:chgData name="jeongkilyong" userId="42a1e730-e7ec-4950-9a60-48236c77d83b" providerId="ADAL" clId="{6932074E-482F-4F04-8510-30F029D456F7}" dt="2023-10-30T08:21:09.242" v="4815" actId="20577"/>
-          <ac:spMkLst>
-            <pc:docMk/>
-            <pc:sldMk cId="3833393831" sldId="323"/>
-            <ac:spMk id="4" creationId="{36A61F52-C7C9-44DD-A99A-6374000ED600}"/>
-          </ac:spMkLst>
-        </pc:spChg>
-        <pc:spChg chg="add mod">
-          <ac:chgData name="jeongkilyong" userId="42a1e730-e7ec-4950-9a60-48236c77d83b" providerId="ADAL" clId="{6932074E-482F-4F04-8510-30F029D456F7}" dt="2023-10-30T08:16:48.800" v="4616" actId="1076"/>
-          <ac:spMkLst>
-            <pc:docMk/>
-            <pc:sldMk cId="3833393831" sldId="323"/>
-            <ac:spMk id="7" creationId="{7E972AEF-2F74-409A-B554-B68599834B8D}"/>
-          </ac:spMkLst>
-        </pc:spChg>
-        <pc:spChg chg="add mod">
-          <ac:chgData name="jeongkilyong" userId="42a1e730-e7ec-4950-9a60-48236c77d83b" providerId="ADAL" clId="{6932074E-482F-4F04-8510-30F029D456F7}" dt="2023-10-30T08:16:48.800" v="4616" actId="1076"/>
-          <ac:spMkLst>
-            <pc:docMk/>
-            <pc:sldMk cId="3833393831" sldId="323"/>
-            <ac:spMk id="10" creationId="{E9721DE6-0A4D-473A-9715-EFB25B12ADF8}"/>
-          </ac:spMkLst>
-        </pc:spChg>
-        <pc:spChg chg="mod">
-          <ac:chgData name="jeongkilyong" userId="42a1e730-e7ec-4950-9a60-48236c77d83b" providerId="ADAL" clId="{6932074E-482F-4F04-8510-30F029D456F7}" dt="2023-10-30T08:14:57.784" v="4568" actId="20577"/>
-          <ac:spMkLst>
-            <pc:docMk/>
-            <pc:sldMk cId="3833393831" sldId="323"/>
-            <ac:spMk id="12" creationId="{10ACD4E5-1FFB-574E-8F99-C84FF7F7144F}"/>
-          </ac:spMkLst>
-        </pc:spChg>
-      </pc:sldChg>
-      <pc:sldChg chg="addSp delSp modSp add mod">
-        <pc:chgData name="jeongkilyong" userId="42a1e730-e7ec-4950-9a60-48236c77d83b" providerId="ADAL" clId="{6932074E-482F-4F04-8510-30F029D456F7}" dt="2023-10-31T22:31:51.812" v="12567" actId="20577"/>
-        <pc:sldMkLst>
-          <pc:docMk/>
-          <pc:sldMk cId="3970146633" sldId="324"/>
-        </pc:sldMkLst>
-        <pc:spChg chg="del">
-          <ac:chgData name="jeongkilyong" userId="42a1e730-e7ec-4950-9a60-48236c77d83b" providerId="ADAL" clId="{6932074E-482F-4F04-8510-30F029D456F7}" dt="2023-10-30T08:18:09.803" v="4642" actId="478"/>
-          <ac:spMkLst>
-            <pc:docMk/>
-            <pc:sldMk cId="3970146633" sldId="324"/>
-            <ac:spMk id="4" creationId="{36A61F52-C7C9-44DD-A99A-6374000ED600}"/>
-          </ac:spMkLst>
-        </pc:spChg>
-        <pc:spChg chg="add mod">
-          <ac:chgData name="jeongkilyong" userId="42a1e730-e7ec-4950-9a60-48236c77d83b" providerId="ADAL" clId="{6932074E-482F-4F04-8510-30F029D456F7}" dt="2023-10-30T08:39:15.501" v="4881" actId="6549"/>
-          <ac:spMkLst>
-            <pc:docMk/>
-            <pc:sldMk cId="3970146633" sldId="324"/>
-            <ac:spMk id="6" creationId="{B6FF5489-8544-4AD1-9304-6E99DE7D748E}"/>
-          </ac:spMkLst>
-        </pc:spChg>
-        <pc:spChg chg="add mod">
-          <ac:chgData name="jeongkilyong" userId="42a1e730-e7ec-4950-9a60-48236c77d83b" providerId="ADAL" clId="{6932074E-482F-4F04-8510-30F029D456F7}" dt="2023-10-31T10:55:47.009" v="12308" actId="113"/>
-          <ac:spMkLst>
-            <pc:docMk/>
-            <pc:sldMk cId="3970146633" sldId="324"/>
-            <ac:spMk id="8" creationId="{4AA7B4B7-2481-4FD8-988B-0A85F61AAD76}"/>
-          </ac:spMkLst>
-        </pc:spChg>
-        <pc:spChg chg="add mod">
-          <ac:chgData name="jeongkilyong" userId="42a1e730-e7ec-4950-9a60-48236c77d83b" providerId="ADAL" clId="{6932074E-482F-4F04-8510-30F029D456F7}" dt="2023-10-31T22:31:51.812" v="12567" actId="20577"/>
-          <ac:spMkLst>
-            <pc:docMk/>
-            <pc:sldMk cId="3970146633" sldId="324"/>
-            <ac:spMk id="11" creationId="{C3CE91F7-8513-4B16-94F8-FB3E27A0A062}"/>
-          </ac:spMkLst>
-        </pc:spChg>
-        <pc:spChg chg="mod">
-          <ac:chgData name="jeongkilyong" userId="42a1e730-e7ec-4950-9a60-48236c77d83b" providerId="ADAL" clId="{6932074E-482F-4F04-8510-30F029D456F7}" dt="2023-10-31T01:57:18.154" v="6906" actId="6549"/>
-          <ac:spMkLst>
-            <pc:docMk/>
-            <pc:sldMk cId="3970146633" sldId="324"/>
-            <ac:spMk id="12" creationId="{10ACD4E5-1FFB-574E-8F99-C84FF7F7144F}"/>
-          </ac:spMkLst>
-        </pc:spChg>
-        <pc:picChg chg="add mod">
-          <ac:chgData name="jeongkilyong" userId="42a1e730-e7ec-4950-9a60-48236c77d83b" providerId="ADAL" clId="{6932074E-482F-4F04-8510-30F029D456F7}" dt="2023-10-31T00:57:10.220" v="5724"/>
-          <ac:picMkLst>
-            <pc:docMk/>
-            <pc:sldMk cId="3970146633" sldId="324"/>
-            <ac:picMk id="10" creationId="{84EAEAB7-79CE-49E8-B265-A5E1399BE277}"/>
-          </ac:picMkLst>
-        </pc:picChg>
-      </pc:sldChg>
-      <pc:sldChg chg="addSp modSp add mod">
-        <pc:chgData name="jeongkilyong" userId="42a1e730-e7ec-4950-9a60-48236c77d83b" providerId="ADAL" clId="{6932074E-482F-4F04-8510-30F029D456F7}" dt="2023-10-31T22:31:57.124" v="12571" actId="20577"/>
-        <pc:sldMkLst>
-          <pc:docMk/>
-          <pc:sldMk cId="278584242" sldId="325"/>
-        </pc:sldMkLst>
-        <pc:spChg chg="mod">
-          <ac:chgData name="jeongkilyong" userId="42a1e730-e7ec-4950-9a60-48236c77d83b" providerId="ADAL" clId="{6932074E-482F-4F04-8510-30F029D456F7}" dt="2023-10-30T23:42:46.846" v="5014" actId="20577"/>
-          <ac:spMkLst>
-            <pc:docMk/>
-            <pc:sldMk cId="278584242" sldId="325"/>
-            <ac:spMk id="4" creationId="{36A61F52-C7C9-44DD-A99A-6374000ED600}"/>
-          </ac:spMkLst>
-        </pc:spChg>
-        <pc:spChg chg="add mod">
-          <ac:chgData name="jeongkilyong" userId="42a1e730-e7ec-4950-9a60-48236c77d83b" providerId="ADAL" clId="{6932074E-482F-4F04-8510-30F029D456F7}" dt="2023-10-31T10:56:08.360" v="12314" actId="207"/>
-          <ac:spMkLst>
-            <pc:docMk/>
-            <pc:sldMk cId="278584242" sldId="325"/>
-            <ac:spMk id="7" creationId="{DF5AF342-3388-4572-890B-13FCA56DC953}"/>
-          </ac:spMkLst>
-        </pc:spChg>
-        <pc:spChg chg="add mod">
-          <ac:chgData name="jeongkilyong" userId="42a1e730-e7ec-4950-9a60-48236c77d83b" providerId="ADAL" clId="{6932074E-482F-4F04-8510-30F029D456F7}" dt="2023-10-31T22:31:57.124" v="12571" actId="20577"/>
-          <ac:spMkLst>
-            <pc:docMk/>
-            <pc:sldMk cId="278584242" sldId="325"/>
-            <ac:spMk id="10" creationId="{37C1948E-AF9E-4852-806F-6A99674F993B}"/>
-          </ac:spMkLst>
-        </pc:spChg>
-        <pc:spChg chg="mod">
-          <ac:chgData name="jeongkilyong" userId="42a1e730-e7ec-4950-9a60-48236c77d83b" providerId="ADAL" clId="{6932074E-482F-4F04-8510-30F029D456F7}" dt="2023-10-31T01:57:40.636" v="6950" actId="20577"/>
-          <ac:spMkLst>
-            <pc:docMk/>
-            <pc:sldMk cId="278584242" sldId="325"/>
-            <ac:spMk id="12" creationId="{10ACD4E5-1FFB-574E-8F99-C84FF7F7144F}"/>
-          </ac:spMkLst>
-        </pc:spChg>
-        <pc:picChg chg="add mod">
-          <ac:chgData name="jeongkilyong" userId="42a1e730-e7ec-4950-9a60-48236c77d83b" providerId="ADAL" clId="{6932074E-482F-4F04-8510-30F029D456F7}" dt="2023-10-31T00:57:43.492" v="5741"/>
-          <ac:picMkLst>
-            <pc:docMk/>
-            <pc:sldMk cId="278584242" sldId="325"/>
-            <ac:picMk id="8" creationId="{FC06489D-624D-49B1-8825-D5879C591E4F}"/>
-          </ac:picMkLst>
-        </pc:picChg>
-      </pc:sldChg>
-      <pc:sldChg chg="addSp modSp add mod">
-        <pc:chgData name="jeongkilyong" userId="42a1e730-e7ec-4950-9a60-48236c77d83b" providerId="ADAL" clId="{6932074E-482F-4F04-8510-30F029D456F7}" dt="2023-10-31T22:32:00.075" v="12573" actId="20577"/>
-        <pc:sldMkLst>
-          <pc:docMk/>
-          <pc:sldMk cId="4100588819" sldId="326"/>
-        </pc:sldMkLst>
-        <pc:spChg chg="mod">
-          <ac:chgData name="jeongkilyong" userId="42a1e730-e7ec-4950-9a60-48236c77d83b" providerId="ADAL" clId="{6932074E-482F-4F04-8510-30F029D456F7}" dt="2023-10-31T11:20:25.854" v="12361" actId="6549"/>
-          <ac:spMkLst>
-            <pc:docMk/>
-            <pc:sldMk cId="4100588819" sldId="326"/>
-            <ac:spMk id="4" creationId="{36A61F52-C7C9-44DD-A99A-6374000ED600}"/>
-          </ac:spMkLst>
-        </pc:spChg>
-        <pc:spChg chg="add mod">
-          <ac:chgData name="jeongkilyong" userId="42a1e730-e7ec-4950-9a60-48236c77d83b" providerId="ADAL" clId="{6932074E-482F-4F04-8510-30F029D456F7}" dt="2023-10-31T11:20:37.045" v="12364" actId="1076"/>
-          <ac:spMkLst>
-            <pc:docMk/>
-            <pc:sldMk cId="4100588819" sldId="326"/>
-            <ac:spMk id="7" creationId="{C28E8BBB-59E1-4FF1-A780-B649F9C59D9D}"/>
-          </ac:spMkLst>
-        </pc:spChg>
-        <pc:spChg chg="add mod">
-          <ac:chgData name="jeongkilyong" userId="42a1e730-e7ec-4950-9a60-48236c77d83b" providerId="ADAL" clId="{6932074E-482F-4F04-8510-30F029D456F7}" dt="2023-10-31T11:20:37.045" v="12364" actId="1076"/>
-          <ac:spMkLst>
-            <pc:docMk/>
-            <pc:sldMk cId="4100588819" sldId="326"/>
-            <ac:spMk id="8" creationId="{0545796D-09F7-417B-AA3B-9411A37CCC0C}"/>
-          </ac:spMkLst>
-        </pc:spChg>
-        <pc:spChg chg="add mod">
-          <ac:chgData name="jeongkilyong" userId="42a1e730-e7ec-4950-9a60-48236c77d83b" providerId="ADAL" clId="{6932074E-482F-4F04-8510-30F029D456F7}" dt="2023-10-31T22:32:00.075" v="12573" actId="20577"/>
-          <ac:spMkLst>
-            <pc:docMk/>
-            <pc:sldMk cId="4100588819" sldId="326"/>
-            <ac:spMk id="11" creationId="{1EF637A2-9250-4785-9DFC-A9411B6675F0}"/>
-          </ac:spMkLst>
-        </pc:spChg>
-        <pc:spChg chg="mod">
-          <ac:chgData name="jeongkilyong" userId="42a1e730-e7ec-4950-9a60-48236c77d83b" providerId="ADAL" clId="{6932074E-482F-4F04-8510-30F029D456F7}" dt="2023-10-31T07:12:57.426" v="10632" actId="20577"/>
-          <ac:spMkLst>
-            <pc:docMk/>
-            <pc:sldMk cId="4100588819" sldId="326"/>
-            <ac:spMk id="12" creationId="{10ACD4E5-1FFB-574E-8F99-C84FF7F7144F}"/>
-          </ac:spMkLst>
-        </pc:spChg>
-        <pc:picChg chg="add mod">
-          <ac:chgData name="jeongkilyong" userId="42a1e730-e7ec-4950-9a60-48236c77d83b" providerId="ADAL" clId="{6932074E-482F-4F04-8510-30F029D456F7}" dt="2023-10-31T11:39:41.380" v="12437"/>
-          <ac:picMkLst>
-            <pc:docMk/>
-            <pc:sldMk cId="4100588819" sldId="326"/>
-            <ac:picMk id="10" creationId="{26D24D0C-95F0-468F-9CB9-854FB291D3D0}"/>
-          </ac:picMkLst>
-        </pc:picChg>
-      </pc:sldChg>
-      <pc:sldChg chg="modSp add mod">
-        <pc:chgData name="jeongkilyong" userId="42a1e730-e7ec-4950-9a60-48236c77d83b" providerId="ADAL" clId="{6932074E-482F-4F04-8510-30F029D456F7}" dt="2023-10-31T10:21:19.191" v="11788" actId="6549"/>
-        <pc:sldMkLst>
-          <pc:docMk/>
-          <pc:sldMk cId="3685790839" sldId="327"/>
-        </pc:sldMkLst>
-        <pc:spChg chg="mod">
-          <ac:chgData name="jeongkilyong" userId="42a1e730-e7ec-4950-9a60-48236c77d83b" providerId="ADAL" clId="{6932074E-482F-4F04-8510-30F029D456F7}" dt="2023-10-31T10:21:19.191" v="11788" actId="6549"/>
-          <ac:spMkLst>
-            <pc:docMk/>
-            <pc:sldMk cId="3685790839" sldId="327"/>
-            <ac:spMk id="4" creationId="{36A61F52-C7C9-44DD-A99A-6374000ED600}"/>
-          </ac:spMkLst>
-        </pc:spChg>
-        <pc:spChg chg="mod">
-          <ac:chgData name="jeongkilyong" userId="42a1e730-e7ec-4950-9a60-48236c77d83b" providerId="ADAL" clId="{6932074E-482F-4F04-8510-30F029D456F7}" dt="2023-10-31T07:12:13.718" v="10596" actId="20577"/>
-          <ac:spMkLst>
-            <pc:docMk/>
-            <pc:sldMk cId="3685790839" sldId="327"/>
-            <ac:spMk id="12" creationId="{10ACD4E5-1FFB-574E-8F99-C84FF7F7144F}"/>
-          </ac:spMkLst>
-        </pc:spChg>
-      </pc:sldChg>
-      <pc:sldChg chg="add del">
-        <pc:chgData name="jeongkilyong" userId="42a1e730-e7ec-4950-9a60-48236c77d83b" providerId="ADAL" clId="{6932074E-482F-4F04-8510-30F029D456F7}" dt="2023-10-31T13:14:45.392" v="12486" actId="47"/>
-        <pc:sldMkLst>
-          <pc:docMk/>
-          <pc:sldMk cId="3752104192" sldId="328"/>
-        </pc:sldMkLst>
-      </pc:sldChg>
-      <pc:sldChg chg="add del">
-        <pc:chgData name="jeongkilyong" userId="42a1e730-e7ec-4950-9a60-48236c77d83b" providerId="ADAL" clId="{6932074E-482F-4F04-8510-30F029D456F7}" dt="2023-10-31T13:14:45.392" v="12486" actId="47"/>
-        <pc:sldMkLst>
-          <pc:docMk/>
-          <pc:sldMk cId="891037845" sldId="329"/>
-        </pc:sldMkLst>
-      </pc:sldChg>
-      <pc:sldChg chg="add del">
-        <pc:chgData name="jeongkilyong" userId="42a1e730-e7ec-4950-9a60-48236c77d83b" providerId="ADAL" clId="{6932074E-482F-4F04-8510-30F029D456F7}" dt="2023-10-31T13:14:45.392" v="12486" actId="47"/>
-        <pc:sldMkLst>
-          <pc:docMk/>
-          <pc:sldMk cId="2073124941" sldId="330"/>
-        </pc:sldMkLst>
-      </pc:sldChg>
-      <pc:sldChg chg="add del">
-        <pc:chgData name="jeongkilyong" userId="42a1e730-e7ec-4950-9a60-48236c77d83b" providerId="ADAL" clId="{6932074E-482F-4F04-8510-30F029D456F7}" dt="2023-10-31T13:14:45.392" v="12486" actId="47"/>
-        <pc:sldMkLst>
-          <pc:docMk/>
-          <pc:sldMk cId="705977026" sldId="331"/>
-        </pc:sldMkLst>
-      </pc:sldChg>
-      <pc:sldChg chg="add del">
-        <pc:chgData name="jeongkilyong" userId="42a1e730-e7ec-4950-9a60-48236c77d83b" providerId="ADAL" clId="{6932074E-482F-4F04-8510-30F029D456F7}" dt="2023-10-31T13:14:45.392" v="12486" actId="47"/>
-        <pc:sldMkLst>
-          <pc:docMk/>
-          <pc:sldMk cId="3015649758" sldId="332"/>
-        </pc:sldMkLst>
-      </pc:sldChg>
-      <pc:sldChg chg="add del">
-        <pc:chgData name="jeongkilyong" userId="42a1e730-e7ec-4950-9a60-48236c77d83b" providerId="ADAL" clId="{6932074E-482F-4F04-8510-30F029D456F7}" dt="2023-10-31T13:14:45.392" v="12486" actId="47"/>
-        <pc:sldMkLst>
-          <pc:docMk/>
-          <pc:sldMk cId="2076003393" sldId="333"/>
-        </pc:sldMkLst>
-      </pc:sldChg>
-      <pc:sldChg chg="add del">
-        <pc:chgData name="jeongkilyong" userId="42a1e730-e7ec-4950-9a60-48236c77d83b" providerId="ADAL" clId="{6932074E-482F-4F04-8510-30F029D456F7}" dt="2023-10-31T13:14:45.392" v="12486" actId="47"/>
-        <pc:sldMkLst>
-          <pc:docMk/>
-          <pc:sldMk cId="715325906" sldId="334"/>
-        </pc:sldMkLst>
-      </pc:sldChg>
-      <pc:sldChg chg="add del">
-        <pc:chgData name="jeongkilyong" userId="42a1e730-e7ec-4950-9a60-48236c77d83b" providerId="ADAL" clId="{6932074E-482F-4F04-8510-30F029D456F7}" dt="2023-10-31T13:14:45.392" v="12486" actId="47"/>
-        <pc:sldMkLst>
-          <pc:docMk/>
-          <pc:sldMk cId="1739597383" sldId="335"/>
-        </pc:sldMkLst>
-      </pc:sldChg>
-      <pc:sldChg chg="add del">
-        <pc:chgData name="jeongkilyong" userId="42a1e730-e7ec-4950-9a60-48236c77d83b" providerId="ADAL" clId="{6932074E-482F-4F04-8510-30F029D456F7}" dt="2023-10-31T13:14:45.392" v="12486" actId="47"/>
-        <pc:sldMkLst>
-          <pc:docMk/>
-          <pc:sldMk cId="3729402858" sldId="336"/>
-        </pc:sldMkLst>
-      </pc:sldChg>
-      <pc:sldChg chg="modSp add del mod">
-        <pc:chgData name="jeongkilyong" userId="42a1e730-e7ec-4950-9a60-48236c77d83b" providerId="ADAL" clId="{6932074E-482F-4F04-8510-30F029D456F7}" dt="2023-10-31T00:56:58.103" v="5723" actId="47"/>
-        <pc:sldMkLst>
-          <pc:docMk/>
-          <pc:sldMk cId="861063390" sldId="337"/>
-        </pc:sldMkLst>
-        <pc:spChg chg="mod">
-          <ac:chgData name="jeongkilyong" userId="42a1e730-e7ec-4950-9a60-48236c77d83b" providerId="ADAL" clId="{6932074E-482F-4F04-8510-30F029D456F7}" dt="2023-10-30T23:50:05.405" v="5302" actId="20577"/>
-          <ac:spMkLst>
-            <pc:docMk/>
-            <pc:sldMk cId="861063390" sldId="337"/>
-            <ac:spMk id="4" creationId="{36A61F52-C7C9-44DD-A99A-6374000ED600}"/>
-          </ac:spMkLst>
-        </pc:spChg>
-        <pc:spChg chg="mod">
-          <ac:chgData name="jeongkilyong" userId="42a1e730-e7ec-4950-9a60-48236c77d83b" providerId="ADAL" clId="{6932074E-482F-4F04-8510-30F029D456F7}" dt="2023-10-30T23:50:00.653" v="5300" actId="20577"/>
-          <ac:spMkLst>
-            <pc:docMk/>
-            <pc:sldMk cId="861063390" sldId="337"/>
-            <ac:spMk id="12" creationId="{10ACD4E5-1FFB-574E-8F99-C84FF7F7144F}"/>
-          </ac:spMkLst>
-        </pc:spChg>
-      </pc:sldChg>
-      <pc:sldChg chg="addSp delSp modSp add mod">
-        <pc:chgData name="jeongkilyong" userId="42a1e730-e7ec-4950-9a60-48236c77d83b" providerId="ADAL" clId="{6932074E-482F-4F04-8510-30F029D456F7}" dt="2023-10-31T22:31:24.355" v="12541" actId="20577"/>
-        <pc:sldMkLst>
-          <pc:docMk/>
-          <pc:sldMk cId="398385100" sldId="338"/>
-        </pc:sldMkLst>
-        <pc:spChg chg="mod">
-          <ac:chgData name="jeongkilyong" userId="42a1e730-e7ec-4950-9a60-48236c77d83b" providerId="ADAL" clId="{6932074E-482F-4F04-8510-30F029D456F7}" dt="2023-10-31T02:24:24.175" v="7361" actId="20577"/>
-          <ac:spMkLst>
-            <pc:docMk/>
-            <pc:sldMk cId="398385100" sldId="338"/>
-            <ac:spMk id="4" creationId="{36A61F52-C7C9-44DD-A99A-6374000ED600}"/>
-          </ac:spMkLst>
-        </pc:spChg>
-        <pc:spChg chg="add mod">
-          <ac:chgData name="jeongkilyong" userId="42a1e730-e7ec-4950-9a60-48236c77d83b" providerId="ADAL" clId="{6932074E-482F-4F04-8510-30F029D456F7}" dt="2023-10-31T10:48:15.318" v="12213" actId="1076"/>
-          <ac:spMkLst>
-            <pc:docMk/>
-            <pc:sldMk cId="398385100" sldId="338"/>
-            <ac:spMk id="7" creationId="{BD1FF75E-2E19-43D3-B358-29E4B004A368}"/>
-          </ac:spMkLst>
-        </pc:spChg>
-        <pc:spChg chg="del">
-          <ac:chgData name="jeongkilyong" userId="42a1e730-e7ec-4950-9a60-48236c77d83b" providerId="ADAL" clId="{6932074E-482F-4F04-8510-30F029D456F7}" dt="2023-10-31T00:24:30.613" v="5528" actId="478"/>
-          <ac:spMkLst>
-            <pc:docMk/>
-            <pc:sldMk cId="398385100" sldId="338"/>
-            <ac:spMk id="10" creationId="{846A01CB-9D1D-4707-B94F-E210FB365C69}"/>
-          </ac:spMkLst>
-        </pc:spChg>
-        <pc:spChg chg="add mod">
-          <ac:chgData name="jeongkilyong" userId="42a1e730-e7ec-4950-9a60-48236c77d83b" providerId="ADAL" clId="{6932074E-482F-4F04-8510-30F029D456F7}" dt="2023-10-31T22:31:24.355" v="12541" actId="20577"/>
-          <ac:spMkLst>
-            <pc:docMk/>
-            <pc:sldMk cId="398385100" sldId="338"/>
-            <ac:spMk id="11" creationId="{C5A6E300-81CF-4AB1-B91B-240FFC60776A}"/>
-          </ac:spMkLst>
-        </pc:spChg>
-        <pc:picChg chg="add mod">
-          <ac:chgData name="jeongkilyong" userId="42a1e730-e7ec-4950-9a60-48236c77d83b" providerId="ADAL" clId="{6932074E-482F-4F04-8510-30F029D456F7}" dt="2023-10-31T00:49:24.469" v="5600"/>
-          <ac:picMkLst>
-            <pc:docMk/>
-            <pc:sldMk cId="398385100" sldId="338"/>
-            <ac:picMk id="8" creationId="{65D2F357-1A23-4712-AB93-05C29AFE4A26}"/>
-          </ac:picMkLst>
-        </pc:picChg>
-      </pc:sldChg>
-      <pc:sldChg chg="addSp modSp add mod">
-        <pc:chgData name="jeongkilyong" userId="42a1e730-e7ec-4950-9a60-48236c77d83b" providerId="ADAL" clId="{6932074E-482F-4F04-8510-30F029D456F7}" dt="2023-10-31T22:31:31.195" v="12545" actId="20577"/>
-        <pc:sldMkLst>
-          <pc:docMk/>
-          <pc:sldMk cId="941473831" sldId="339"/>
-        </pc:sldMkLst>
-        <pc:spChg chg="mod">
-          <ac:chgData name="jeongkilyong" userId="42a1e730-e7ec-4950-9a60-48236c77d83b" providerId="ADAL" clId="{6932074E-482F-4F04-8510-30F029D456F7}" dt="2023-10-31T10:49:48.514" v="12226" actId="207"/>
-          <ac:spMkLst>
-            <pc:docMk/>
-            <pc:sldMk cId="941473831" sldId="339"/>
-            <ac:spMk id="4" creationId="{36A61F52-C7C9-44DD-A99A-6374000ED600}"/>
-          </ac:spMkLst>
-        </pc:spChg>
-        <pc:spChg chg="add mod">
-          <ac:chgData name="jeongkilyong" userId="42a1e730-e7ec-4950-9a60-48236c77d83b" providerId="ADAL" clId="{6932074E-482F-4F04-8510-30F029D456F7}" dt="2023-10-31T22:31:31.195" v="12545" actId="20577"/>
-          <ac:spMkLst>
-            <pc:docMk/>
-            <pc:sldMk cId="941473831" sldId="339"/>
-            <ac:spMk id="8" creationId="{6535FBC7-ADB0-4164-8EA3-E122A751FF66}"/>
-          </ac:spMkLst>
-        </pc:spChg>
-        <pc:spChg chg="mod">
-          <ac:chgData name="jeongkilyong" userId="42a1e730-e7ec-4950-9a60-48236c77d83b" providerId="ADAL" clId="{6932074E-482F-4F04-8510-30F029D456F7}" dt="2023-10-31T10:49:12.916" v="12221" actId="207"/>
-          <ac:spMkLst>
-            <pc:docMk/>
-            <pc:sldMk cId="941473831" sldId="339"/>
-            <ac:spMk id="10" creationId="{846A01CB-9D1D-4707-B94F-E210FB365C69}"/>
-          </ac:spMkLst>
-        </pc:spChg>
-        <pc:picChg chg="add mod">
-          <ac:chgData name="jeongkilyong" userId="42a1e730-e7ec-4950-9a60-48236c77d83b" providerId="ADAL" clId="{6932074E-482F-4F04-8510-30F029D456F7}" dt="2023-10-31T00:51:07.171" v="5601"/>
-          <ac:picMkLst>
-            <pc:docMk/>
-            <pc:sldMk cId="941473831" sldId="339"/>
-            <ac:picMk id="7" creationId="{A9D83FE7-7D0B-4D89-949E-3E4E1C367F5B}"/>
-          </ac:picMkLst>
-        </pc:picChg>
-      </pc:sldChg>
-      <pc:sldChg chg="addSp delSp modSp add mod">
-        <pc:chgData name="jeongkilyong" userId="42a1e730-e7ec-4950-9a60-48236c77d83b" providerId="ADAL" clId="{6932074E-482F-4F04-8510-30F029D456F7}" dt="2023-10-31T22:31:54.532" v="12569" actId="20577"/>
-        <pc:sldMkLst>
-          <pc:docMk/>
-          <pc:sldMk cId="3240753077" sldId="340"/>
-        </pc:sldMkLst>
-        <pc:spChg chg="mod">
-          <ac:chgData name="jeongkilyong" userId="42a1e730-e7ec-4950-9a60-48236c77d83b" providerId="ADAL" clId="{6932074E-482F-4F04-8510-30F029D456F7}" dt="2023-10-31T01:57:10.961" v="6896" actId="6549"/>
-          <ac:spMkLst>
-            <pc:docMk/>
-            <pc:sldMk cId="3240753077" sldId="340"/>
-            <ac:spMk id="6" creationId="{B6FF5489-8544-4AD1-9304-6E99DE7D748E}"/>
-          </ac:spMkLst>
-        </pc:spChg>
-        <pc:spChg chg="del mod">
-          <ac:chgData name="jeongkilyong" userId="42a1e730-e7ec-4950-9a60-48236c77d83b" providerId="ADAL" clId="{6932074E-482F-4F04-8510-30F029D456F7}" dt="2023-10-31T01:04:45.035" v="5989" actId="478"/>
-          <ac:spMkLst>
-            <pc:docMk/>
-            <pc:sldMk cId="3240753077" sldId="340"/>
-            <ac:spMk id="8" creationId="{4AA7B4B7-2481-4FD8-988B-0A85F61AAD76}"/>
-          </ac:spMkLst>
-        </pc:spChg>
-        <pc:spChg chg="mod">
-          <ac:chgData name="jeongkilyong" userId="42a1e730-e7ec-4950-9a60-48236c77d83b" providerId="ADAL" clId="{6932074E-482F-4F04-8510-30F029D456F7}" dt="2023-10-31T22:31:54.532" v="12569" actId="20577"/>
-          <ac:spMkLst>
-            <pc:docMk/>
-            <pc:sldMk cId="3240753077" sldId="340"/>
-            <ac:spMk id="11" creationId="{C3CE91F7-8513-4B16-94F8-FB3E27A0A062}"/>
-          </ac:spMkLst>
-        </pc:spChg>
-        <pc:spChg chg="mod">
-          <ac:chgData name="jeongkilyong" userId="42a1e730-e7ec-4950-9a60-48236c77d83b" providerId="ADAL" clId="{6932074E-482F-4F04-8510-30F029D456F7}" dt="2023-10-31T01:57:14.154" v="6904" actId="20577"/>
-          <ac:spMkLst>
-            <pc:docMk/>
-            <pc:sldMk cId="3240753077" sldId="340"/>
-            <ac:spMk id="12" creationId="{10ACD4E5-1FFB-574E-8F99-C84FF7F7144F}"/>
-          </ac:spMkLst>
-        </pc:spChg>
-        <pc:spChg chg="add mod">
-          <ac:chgData name="jeongkilyong" userId="42a1e730-e7ec-4950-9a60-48236c77d83b" providerId="ADAL" clId="{6932074E-482F-4F04-8510-30F029D456F7}" dt="2023-10-31T10:56:00.353" v="12312" actId="113"/>
-          <ac:spMkLst>
-            <pc:docMk/>
-            <pc:sldMk cId="3240753077" sldId="340"/>
-            <ac:spMk id="13" creationId="{9FF8EBA4-4109-40F0-945F-E090D00B54A8}"/>
-          </ac:spMkLst>
-        </pc:spChg>
-      </pc:sldChg>
-      <pc:sldChg chg="modSp add mod">
-        <pc:chgData name="jeongkilyong" userId="42a1e730-e7ec-4950-9a60-48236c77d83b" providerId="ADAL" clId="{6932074E-482F-4F04-8510-30F029D456F7}" dt="2023-10-31T22:31:37.643" v="12549" actId="20577"/>
-        <pc:sldMkLst>
-          <pc:docMk/>
-          <pc:sldMk cId="1431093418" sldId="341"/>
-        </pc:sldMkLst>
-        <pc:spChg chg="mod">
-          <ac:chgData name="jeongkilyong" userId="42a1e730-e7ec-4950-9a60-48236c77d83b" providerId="ADAL" clId="{6932074E-482F-4F04-8510-30F029D456F7}" dt="2023-10-31T10:52:47.019" v="12284" actId="20577"/>
-          <ac:spMkLst>
-            <pc:docMk/>
-            <pc:sldMk cId="1431093418" sldId="341"/>
-            <ac:spMk id="6" creationId="{962B8DF6-ACCB-4F02-8A6A-23227785DE4F}"/>
-          </ac:spMkLst>
-        </pc:spChg>
-        <pc:spChg chg="mod">
-          <ac:chgData name="jeongkilyong" userId="42a1e730-e7ec-4950-9a60-48236c77d83b" providerId="ADAL" clId="{6932074E-482F-4F04-8510-30F029D456F7}" dt="2023-10-31T22:31:37.643" v="12549" actId="20577"/>
-          <ac:spMkLst>
-            <pc:docMk/>
-            <pc:sldMk cId="1431093418" sldId="341"/>
-            <ac:spMk id="8" creationId="{C6032FC1-039D-42AE-BF7F-FEFC2409F224}"/>
-          </ac:spMkLst>
-        </pc:spChg>
-        <pc:spChg chg="mod">
-          <ac:chgData name="jeongkilyong" userId="42a1e730-e7ec-4950-9a60-48236c77d83b" providerId="ADAL" clId="{6932074E-482F-4F04-8510-30F029D456F7}" dt="2023-10-31T01:59:25.989" v="6968" actId="20577"/>
-          <ac:spMkLst>
-            <pc:docMk/>
-            <pc:sldMk cId="1431093418" sldId="341"/>
-            <ac:spMk id="12" creationId="{10ACD4E5-1FFB-574E-8F99-C84FF7F7144F}"/>
-          </ac:spMkLst>
-        </pc:spChg>
-        <pc:spChg chg="mod">
-          <ac:chgData name="jeongkilyong" userId="42a1e730-e7ec-4950-9a60-48236c77d83b" providerId="ADAL" clId="{6932074E-482F-4F04-8510-30F029D456F7}" dt="2023-10-31T10:52:33.016" v="12242" actId="1076"/>
-          <ac:spMkLst>
-            <pc:docMk/>
-            <pc:sldMk cId="1431093418" sldId="341"/>
-            <ac:spMk id="13" creationId="{B28F2CAD-648A-4CAC-A08F-7172F1E6173A}"/>
-          </ac:spMkLst>
-        </pc:spChg>
-      </pc:sldChg>
-      <pc:sldChg chg="addSp delSp modSp add mod">
-        <pc:chgData name="jeongkilyong" userId="42a1e730-e7ec-4950-9a60-48236c77d83b" providerId="ADAL" clId="{6932074E-482F-4F04-8510-30F029D456F7}" dt="2023-10-31T22:31:27.891" v="12543" actId="20577"/>
-        <pc:sldMkLst>
-          <pc:docMk/>
-          <pc:sldMk cId="2299188607" sldId="342"/>
-        </pc:sldMkLst>
-        <pc:spChg chg="mod">
-          <ac:chgData name="jeongkilyong" userId="42a1e730-e7ec-4950-9a60-48236c77d83b" providerId="ADAL" clId="{6932074E-482F-4F04-8510-30F029D456F7}" dt="2023-10-31T11:21:52.760" v="12368" actId="14100"/>
-          <ac:spMkLst>
-            <pc:docMk/>
-            <pc:sldMk cId="2299188607" sldId="342"/>
-            <ac:spMk id="4" creationId="{36A61F52-C7C9-44DD-A99A-6374000ED600}"/>
-          </ac:spMkLst>
-        </pc:spChg>
-        <pc:spChg chg="del">
-          <ac:chgData name="jeongkilyong" userId="42a1e730-e7ec-4950-9a60-48236c77d83b" providerId="ADAL" clId="{6932074E-482F-4F04-8510-30F029D456F7}" dt="2023-10-31T02:24:19.540" v="7357" actId="478"/>
-          <ac:spMkLst>
-            <pc:docMk/>
-            <pc:sldMk cId="2299188607" sldId="342"/>
-            <ac:spMk id="7" creationId="{BD1FF75E-2E19-43D3-B358-29E4B004A368}"/>
-          </ac:spMkLst>
-        </pc:spChg>
-        <pc:spChg chg="add mod">
-          <ac:chgData name="jeongkilyong" userId="42a1e730-e7ec-4950-9a60-48236c77d83b" providerId="ADAL" clId="{6932074E-482F-4F04-8510-30F029D456F7}" dt="2023-10-31T10:48:42.704" v="12217" actId="207"/>
-          <ac:spMkLst>
-            <pc:docMk/>
-            <pc:sldMk cId="2299188607" sldId="342"/>
-            <ac:spMk id="10" creationId="{540A34BB-AD14-4A8A-9A6D-0FD3B30E0FB1}"/>
-          </ac:spMkLst>
-        </pc:spChg>
-        <pc:spChg chg="mod">
-          <ac:chgData name="jeongkilyong" userId="42a1e730-e7ec-4950-9a60-48236c77d83b" providerId="ADAL" clId="{6932074E-482F-4F04-8510-30F029D456F7}" dt="2023-10-31T22:31:27.891" v="12543" actId="20577"/>
-          <ac:spMkLst>
-            <pc:docMk/>
-            <pc:sldMk cId="2299188607" sldId="342"/>
-            <ac:spMk id="11" creationId="{C5A6E300-81CF-4AB1-B91B-240FFC60776A}"/>
-          </ac:spMkLst>
-        </pc:spChg>
-      </pc:sldChg>
-      <pc:sldChg chg="add del">
-        <pc:chgData name="jeongkilyong" userId="42a1e730-e7ec-4950-9a60-48236c77d83b" providerId="ADAL" clId="{6932074E-482F-4F04-8510-30F029D456F7}" dt="2023-10-31T04:56:52.153" v="7585" actId="47"/>
-        <pc:sldMkLst>
-          <pc:docMk/>
-          <pc:sldMk cId="3808640523" sldId="343"/>
-        </pc:sldMkLst>
-      </pc:sldChg>
-      <pc:sldChg chg="addSp delSp modSp add mod">
-        <pc:chgData name="jeongkilyong" userId="42a1e730-e7ec-4950-9a60-48236c77d83b" providerId="ADAL" clId="{6932074E-482F-4F04-8510-30F029D456F7}" dt="2023-10-31T22:31:46.036" v="12565" actId="6549"/>
-        <pc:sldMkLst>
-          <pc:docMk/>
-          <pc:sldMk cId="4257425873" sldId="343"/>
-        </pc:sldMkLst>
-        <pc:spChg chg="add mod">
-          <ac:chgData name="jeongkilyong" userId="42a1e730-e7ec-4950-9a60-48236c77d83b" providerId="ADAL" clId="{6932074E-482F-4F04-8510-30F029D456F7}" dt="2023-10-31T05:17:06.666" v="8603" actId="207"/>
-          <ac:spMkLst>
-            <pc:docMk/>
-            <pc:sldMk cId="4257425873" sldId="343"/>
-            <ac:spMk id="5" creationId="{997863EC-D544-40B4-B866-58FD4EEB7886}"/>
-          </ac:spMkLst>
-        </pc:spChg>
-        <pc:spChg chg="mod">
-          <ac:chgData name="jeongkilyong" userId="42a1e730-e7ec-4950-9a60-48236c77d83b" providerId="ADAL" clId="{6932074E-482F-4F04-8510-30F029D456F7}" dt="2023-10-31T10:54:22.880" v="12306" actId="20577"/>
-          <ac:spMkLst>
-            <pc:docMk/>
-            <pc:sldMk cId="4257425873" sldId="343"/>
-            <ac:spMk id="6" creationId="{962B8DF6-ACCB-4F02-8A6A-23227785DE4F}"/>
-          </ac:spMkLst>
-        </pc:spChg>
-        <pc:spChg chg="mod">
-          <ac:chgData name="jeongkilyong" userId="42a1e730-e7ec-4950-9a60-48236c77d83b" providerId="ADAL" clId="{6932074E-482F-4F04-8510-30F029D456F7}" dt="2023-10-31T22:31:46.036" v="12565" actId="6549"/>
-          <ac:spMkLst>
-            <pc:docMk/>
-            <pc:sldMk cId="4257425873" sldId="343"/>
-            <ac:spMk id="8" creationId="{C6032FC1-039D-42AE-BF7F-FEFC2409F224}"/>
-          </ac:spMkLst>
-        </pc:spChg>
-        <pc:spChg chg="add mod">
-          <ac:chgData name="jeongkilyong" userId="42a1e730-e7ec-4950-9a60-48236c77d83b" providerId="ADAL" clId="{6932074E-482F-4F04-8510-30F029D456F7}" dt="2023-10-31T05:16:11.485" v="8586" actId="14100"/>
-          <ac:spMkLst>
-            <pc:docMk/>
-            <pc:sldMk cId="4257425873" sldId="343"/>
-            <ac:spMk id="10" creationId="{4343F214-7112-4450-8AFD-043C575D7569}"/>
-          </ac:spMkLst>
-        </pc:spChg>
-        <pc:spChg chg="mod">
-          <ac:chgData name="jeongkilyong" userId="42a1e730-e7ec-4950-9a60-48236c77d83b" providerId="ADAL" clId="{6932074E-482F-4F04-8510-30F029D456F7}" dt="2023-10-31T05:04:37.788" v="7694" actId="6549"/>
-          <ac:spMkLst>
-            <pc:docMk/>
-            <pc:sldMk cId="4257425873" sldId="343"/>
-            <ac:spMk id="12" creationId="{10ACD4E5-1FFB-574E-8F99-C84FF7F7144F}"/>
-          </ac:spMkLst>
-        </pc:spChg>
-        <pc:spChg chg="del">
-          <ac:chgData name="jeongkilyong" userId="42a1e730-e7ec-4950-9a60-48236c77d83b" providerId="ADAL" clId="{6932074E-482F-4F04-8510-30F029D456F7}" dt="2023-10-31T05:01:57.157" v="7603" actId="478"/>
-          <ac:spMkLst>
-            <pc:docMk/>
-            <pc:sldMk cId="4257425873" sldId="343"/>
-            <ac:spMk id="13" creationId="{B28F2CAD-648A-4CAC-A08F-7172F1E6173A}"/>
-          </ac:spMkLst>
-        </pc:spChg>
-        <pc:spChg chg="add mod">
-          <ac:chgData name="jeongkilyong" userId="42a1e730-e7ec-4950-9a60-48236c77d83b" providerId="ADAL" clId="{6932074E-482F-4F04-8510-30F029D456F7}" dt="2023-10-31T10:53:32.379" v="12290" actId="207"/>
-          <ac:spMkLst>
-            <pc:docMk/>
-            <pc:sldMk cId="4257425873" sldId="343"/>
-            <ac:spMk id="14" creationId="{76D10D22-61D8-49B6-8B9E-713AF3AAADA4}"/>
-          </ac:spMkLst>
-        </pc:spChg>
-        <pc:spChg chg="add mod">
-          <ac:chgData name="jeongkilyong" userId="42a1e730-e7ec-4950-9a60-48236c77d83b" providerId="ADAL" clId="{6932074E-482F-4F04-8510-30F029D456F7}" dt="2023-10-31T10:53:44.085" v="12292" actId="113"/>
-          <ac:spMkLst>
-            <pc:docMk/>
-            <pc:sldMk cId="4257425873" sldId="343"/>
-            <ac:spMk id="15" creationId="{02B3B090-289E-4A43-AA29-9B186EC9AAF8}"/>
-          </ac:spMkLst>
-        </pc:spChg>
-      </pc:sldChg>
-      <pc:sldChg chg="add del">
-        <pc:chgData name="jeongkilyong" userId="42a1e730-e7ec-4950-9a60-48236c77d83b" providerId="ADAL" clId="{6932074E-482F-4F04-8510-30F029D456F7}" dt="2023-10-31T07:09:45.635" v="10491" actId="47"/>
-        <pc:sldMkLst>
-          <pc:docMk/>
-          <pc:sldMk cId="3038181311" sldId="344"/>
-        </pc:sldMkLst>
-      </pc:sldChg>
-      <pc:sldChg chg="add del">
-        <pc:chgData name="jeongkilyong" userId="42a1e730-e7ec-4950-9a60-48236c77d83b" providerId="ADAL" clId="{6932074E-482F-4F04-8510-30F029D456F7}" dt="2023-10-31T05:01:59.197" v="7604" actId="47"/>
-        <pc:sldMkLst>
-          <pc:docMk/>
-          <pc:sldMk cId="3974154051" sldId="344"/>
-        </pc:sldMkLst>
-      </pc:sldChg>
-      <pc:sldChg chg="addSp delSp modSp add mod">
-        <pc:chgData name="jeongkilyong" userId="42a1e730-e7ec-4950-9a60-48236c77d83b" providerId="ADAL" clId="{6932074E-482F-4F04-8510-30F029D456F7}" dt="2023-10-31T22:31:10.163" v="12535" actId="6549"/>
-        <pc:sldMkLst>
-          <pc:docMk/>
-          <pc:sldMk cId="215276518" sldId="345"/>
-        </pc:sldMkLst>
-        <pc:spChg chg="mod">
-          <ac:chgData name="jeongkilyong" userId="42a1e730-e7ec-4950-9a60-48236c77d83b" providerId="ADAL" clId="{6932074E-482F-4F04-8510-30F029D456F7}" dt="2023-10-31T05:56:03.240" v="9217" actId="20577"/>
-          <ac:spMkLst>
-            <pc:docMk/>
-            <pc:sldMk cId="215276518" sldId="345"/>
-            <ac:spMk id="4" creationId="{36A61F52-C7C9-44DD-A99A-6374000ED600}"/>
-          </ac:spMkLst>
-        </pc:spChg>
-        <pc:spChg chg="del">
-          <ac:chgData name="jeongkilyong" userId="42a1e730-e7ec-4950-9a60-48236c77d83b" providerId="ADAL" clId="{6932074E-482F-4F04-8510-30F029D456F7}" dt="2023-10-31T05:19:38.116" v="8607" actId="478"/>
-          <ac:spMkLst>
-            <pc:docMk/>
-            <pc:sldMk cId="215276518" sldId="345"/>
-            <ac:spMk id="10" creationId="{4227A4F7-F125-4BA9-B8CD-2B75ECEE1812}"/>
-          </ac:spMkLst>
-        </pc:spChg>
-        <pc:spChg chg="del">
-          <ac:chgData name="jeongkilyong" userId="42a1e730-e7ec-4950-9a60-48236c77d83b" providerId="ADAL" clId="{6932074E-482F-4F04-8510-30F029D456F7}" dt="2023-10-31T05:19:40.318" v="8608" actId="478"/>
-          <ac:spMkLst>
-            <pc:docMk/>
-            <pc:sldMk cId="215276518" sldId="345"/>
-            <ac:spMk id="11" creationId="{7CC695E9-1999-421A-B931-EA30880DFF74}"/>
-          </ac:spMkLst>
-        </pc:spChg>
-        <pc:spChg chg="mod">
-          <ac:chgData name="jeongkilyong" userId="42a1e730-e7ec-4950-9a60-48236c77d83b" providerId="ADAL" clId="{6932074E-482F-4F04-8510-30F029D456F7}" dt="2023-10-31T05:19:45.631" v="8631" actId="6549"/>
-          <ac:spMkLst>
-            <pc:docMk/>
-            <pc:sldMk cId="215276518" sldId="345"/>
-            <ac:spMk id="12" creationId="{10ACD4E5-1FFB-574E-8F99-C84FF7F7144F}"/>
-          </ac:spMkLst>
-        </pc:spChg>
-        <pc:spChg chg="mod">
-          <ac:chgData name="jeongkilyong" userId="42a1e730-e7ec-4950-9a60-48236c77d83b" providerId="ADAL" clId="{6932074E-482F-4F04-8510-30F029D456F7}" dt="2023-10-31T22:31:10.163" v="12535" actId="6549"/>
-          <ac:spMkLst>
-            <pc:docMk/>
-            <pc:sldMk cId="215276518" sldId="345"/>
-            <ac:spMk id="14" creationId="{7FE73983-C0B3-410F-874D-8C32AA9122DB}"/>
-          </ac:spMkLst>
-        </pc:spChg>
-        <pc:spChg chg="add mod">
-          <ac:chgData name="jeongkilyong" userId="42a1e730-e7ec-4950-9a60-48236c77d83b" providerId="ADAL" clId="{6932074E-482F-4F04-8510-30F029D456F7}" dt="2023-10-31T10:39:08.516" v="11982" actId="207"/>
-          <ac:spMkLst>
-            <pc:docMk/>
-            <pc:sldMk cId="215276518" sldId="345"/>
-            <ac:spMk id="15" creationId="{CA439E41-FE75-4094-8EE2-356BBFD7BC3E}"/>
-          </ac:spMkLst>
-        </pc:spChg>
-      </pc:sldChg>
-      <pc:sldChg chg="add del">
-        <pc:chgData name="jeongkilyong" userId="42a1e730-e7ec-4950-9a60-48236c77d83b" providerId="ADAL" clId="{6932074E-482F-4F04-8510-30F029D456F7}" dt="2023-10-31T05:02:00.399" v="7605" actId="47"/>
-        <pc:sldMkLst>
-          <pc:docMk/>
-          <pc:sldMk cId="1633958281" sldId="345"/>
-        </pc:sldMkLst>
-      </pc:sldChg>
-      <pc:sldChg chg="add del">
-        <pc:chgData name="jeongkilyong" userId="42a1e730-e7ec-4950-9a60-48236c77d83b" providerId="ADAL" clId="{6932074E-482F-4F04-8510-30F029D456F7}" dt="2023-10-31T07:03:26.784" v="10394" actId="47"/>
-        <pc:sldMkLst>
-          <pc:docMk/>
-          <pc:sldMk cId="4118428399" sldId="346"/>
-        </pc:sldMkLst>
-      </pc:sldChg>
-      <pc:sldChg chg="addSp delSp modSp add mod">
-        <pc:chgData name="jeongkilyong" userId="42a1e730-e7ec-4950-9a60-48236c77d83b" providerId="ADAL" clId="{6932074E-482F-4F04-8510-30F029D456F7}" dt="2023-10-31T11:28:57.039" v="12385" actId="20577"/>
-        <pc:sldMkLst>
-          <pc:docMk/>
-          <pc:sldMk cId="2673785136" sldId="347"/>
-        </pc:sldMkLst>
-        <pc:spChg chg="mod">
-          <ac:chgData name="jeongkilyong" userId="42a1e730-e7ec-4950-9a60-48236c77d83b" providerId="ADAL" clId="{6932074E-482F-4F04-8510-30F029D456F7}" dt="2023-10-31T07:12:12.297" v="10594" actId="20577"/>
-          <ac:spMkLst>
-            <pc:docMk/>
-            <pc:sldMk cId="2673785136" sldId="347"/>
-            <ac:spMk id="4" creationId="{36A61F52-C7C9-44DD-A99A-6374000ED600}"/>
-          </ac:spMkLst>
-        </pc:spChg>
-        <pc:spChg chg="add del mod">
-          <ac:chgData name="jeongkilyong" userId="42a1e730-e7ec-4950-9a60-48236c77d83b" providerId="ADAL" clId="{6932074E-482F-4F04-8510-30F029D456F7}" dt="2023-10-31T07:03:02.318" v="10390" actId="478"/>
-          <ac:spMkLst>
-            <pc:docMk/>
-            <pc:sldMk cId="2673785136" sldId="347"/>
-            <ac:spMk id="10" creationId="{5D308E96-5C6E-4B4F-9974-EADA297945C9}"/>
-          </ac:spMkLst>
-        </pc:spChg>
-        <pc:spChg chg="mod">
-          <ac:chgData name="jeongkilyong" userId="42a1e730-e7ec-4950-9a60-48236c77d83b" providerId="ADAL" clId="{6932074E-482F-4F04-8510-30F029D456F7}" dt="2023-10-31T06:09:13.071" v="9252" actId="20577"/>
-          <ac:spMkLst>
-            <pc:docMk/>
-            <pc:sldMk cId="2673785136" sldId="347"/>
-            <ac:spMk id="12" creationId="{10ACD4E5-1FFB-574E-8F99-C84FF7F7144F}"/>
-          </ac:spMkLst>
-        </pc:spChg>
-        <pc:spChg chg="mod">
-          <ac:chgData name="jeongkilyong" userId="42a1e730-e7ec-4950-9a60-48236c77d83b" providerId="ADAL" clId="{6932074E-482F-4F04-8510-30F029D456F7}" dt="2023-10-31T11:28:57.039" v="12385" actId="20577"/>
-          <ac:spMkLst>
-            <pc:docMk/>
-            <pc:sldMk cId="2673785136" sldId="347"/>
-            <ac:spMk id="14" creationId="{7FE73983-C0B3-410F-874D-8C32AA9122DB}"/>
-          </ac:spMkLst>
-        </pc:spChg>
-        <pc:spChg chg="del">
-          <ac:chgData name="jeongkilyong" userId="42a1e730-e7ec-4950-9a60-48236c77d83b" providerId="ADAL" clId="{6932074E-482F-4F04-8510-30F029D456F7}" dt="2023-10-31T06:16:03.948" v="9438" actId="478"/>
-          <ac:spMkLst>
-            <pc:docMk/>
-            <pc:sldMk cId="2673785136" sldId="347"/>
-            <ac:spMk id="15" creationId="{CA439E41-FE75-4094-8EE2-356BBFD7BC3E}"/>
-          </ac:spMkLst>
-        </pc:spChg>
-        <pc:spChg chg="add mod">
-          <ac:chgData name="jeongkilyong" userId="42a1e730-e7ec-4950-9a60-48236c77d83b" providerId="ADAL" clId="{6932074E-482F-4F04-8510-30F029D456F7}" dt="2023-10-31T10:42:29.582" v="12020" actId="207"/>
-          <ac:spMkLst>
-            <pc:docMk/>
-            <pc:sldMk cId="2673785136" sldId="347"/>
-            <ac:spMk id="16" creationId="{D59418F8-0B6D-4287-B6CD-25DAFFE2D0CF}"/>
-          </ac:spMkLst>
-        </pc:spChg>
-      </pc:sldChg>
-      <pc:sldChg chg="addSp delSp modSp add mod">
-        <pc:chgData name="jeongkilyong" userId="42a1e730-e7ec-4950-9a60-48236c77d83b" providerId="ADAL" clId="{6932074E-482F-4F04-8510-30F029D456F7}" dt="2023-10-31T11:27:28.428" v="12377" actId="6549"/>
-        <pc:sldMkLst>
-          <pc:docMk/>
-          <pc:sldMk cId="3673660415" sldId="348"/>
-        </pc:sldMkLst>
-        <pc:spChg chg="mod">
-          <ac:chgData name="jeongkilyong" userId="42a1e730-e7ec-4950-9a60-48236c77d83b" providerId="ADAL" clId="{6932074E-482F-4F04-8510-30F029D456F7}" dt="2023-10-31T06:57:54.069" v="10386"/>
-          <ac:spMkLst>
-            <pc:docMk/>
-            <pc:sldMk cId="3673660415" sldId="348"/>
-            <ac:spMk id="4" creationId="{36A61F52-C7C9-44DD-A99A-6374000ED600}"/>
-          </ac:spMkLst>
-        </pc:spChg>
-        <pc:spChg chg="add del mod">
-          <ac:chgData name="jeongkilyong" userId="42a1e730-e7ec-4950-9a60-48236c77d83b" providerId="ADAL" clId="{6932074E-482F-4F04-8510-30F029D456F7}" dt="2023-10-31T06:29:25.957" v="9701" actId="478"/>
-          <ac:spMkLst>
-            <pc:docMk/>
-            <pc:sldMk cId="3673660415" sldId="348"/>
-            <ac:spMk id="10" creationId="{B4891562-C738-456E-AD93-E91CDAD4DEC9}"/>
-          </ac:spMkLst>
-        </pc:spChg>
-        <pc:spChg chg="mod">
-          <ac:chgData name="jeongkilyong" userId="42a1e730-e7ec-4950-9a60-48236c77d83b" providerId="ADAL" clId="{6932074E-482F-4F04-8510-30F029D456F7}" dt="2023-10-31T06:19:42.989" v="9465" actId="6549"/>
-          <ac:spMkLst>
-            <pc:docMk/>
-            <pc:sldMk cId="3673660415" sldId="348"/>
-            <ac:spMk id="12" creationId="{10ACD4E5-1FFB-574E-8F99-C84FF7F7144F}"/>
-          </ac:spMkLst>
-        </pc:spChg>
-        <pc:spChg chg="mod">
-          <ac:chgData name="jeongkilyong" userId="42a1e730-e7ec-4950-9a60-48236c77d83b" providerId="ADAL" clId="{6932074E-482F-4F04-8510-30F029D456F7}" dt="2023-10-31T11:27:28.428" v="12377" actId="6549"/>
-          <ac:spMkLst>
-            <pc:docMk/>
-            <pc:sldMk cId="3673660415" sldId="348"/>
-            <ac:spMk id="14" creationId="{7FE73983-C0B3-410F-874D-8C32AA9122DB}"/>
-          </ac:spMkLst>
-        </pc:spChg>
-        <pc:spChg chg="del">
-          <ac:chgData name="jeongkilyong" userId="42a1e730-e7ec-4950-9a60-48236c77d83b" providerId="ADAL" clId="{6932074E-482F-4F04-8510-30F029D456F7}" dt="2023-10-31T06:23:50.053" v="9640" actId="478"/>
-          <ac:spMkLst>
-            <pc:docMk/>
-            <pc:sldMk cId="3673660415" sldId="348"/>
-            <ac:spMk id="15" creationId="{CA439E41-FE75-4094-8EE2-356BBFD7BC3E}"/>
-          </ac:spMkLst>
-        </pc:spChg>
-        <pc:spChg chg="add mod">
-          <ac:chgData name="jeongkilyong" userId="42a1e730-e7ec-4950-9a60-48236c77d83b" providerId="ADAL" clId="{6932074E-482F-4F04-8510-30F029D456F7}" dt="2023-10-31T10:42:09.972" v="12018" actId="207"/>
-          <ac:spMkLst>
-            <pc:docMk/>
-            <pc:sldMk cId="3673660415" sldId="348"/>
-            <ac:spMk id="16" creationId="{8A633064-F3EF-4AC4-8C50-64572AAA144C}"/>
-          </ac:spMkLst>
-        </pc:spChg>
-        <pc:spChg chg="add mod">
-          <ac:chgData name="jeongkilyong" userId="42a1e730-e7ec-4950-9a60-48236c77d83b" providerId="ADAL" clId="{6932074E-482F-4F04-8510-30F029D456F7}" dt="2023-10-31T10:39:56.688" v="11990" actId="113"/>
-          <ac:spMkLst>
-            <pc:docMk/>
-            <pc:sldMk cId="3673660415" sldId="348"/>
-            <ac:spMk id="17" creationId="{8E421FC6-022D-45DA-B096-BD166BB589FC}"/>
-          </ac:spMkLst>
-        </pc:spChg>
-        <pc:spChg chg="add mod">
-          <ac:chgData name="jeongkilyong" userId="42a1e730-e7ec-4950-9a60-48236c77d83b" providerId="ADAL" clId="{6932074E-482F-4F04-8510-30F029D456F7}" dt="2023-10-31T06:50:11.387" v="10266" actId="1076"/>
-          <ac:spMkLst>
-            <pc:docMk/>
-            <pc:sldMk cId="3673660415" sldId="348"/>
-            <ac:spMk id="18" creationId="{56254FEB-691B-4F80-8039-BBD9BAF360D5}"/>
-          </ac:spMkLst>
-        </pc:spChg>
-        <pc:picChg chg="add mod">
-          <ac:chgData name="jeongkilyong" userId="42a1e730-e7ec-4950-9a60-48236c77d83b" providerId="ADAL" clId="{6932074E-482F-4F04-8510-30F029D456F7}" dt="2023-10-31T06:50:06.405" v="10265" actId="1036"/>
-          <ac:picMkLst>
-            <pc:docMk/>
-            <pc:sldMk cId="3673660415" sldId="348"/>
-            <ac:picMk id="19" creationId="{66DBEB94-80D7-46CE-ADF1-13AA8E1309BF}"/>
-          </ac:picMkLst>
-        </pc:picChg>
-        <pc:picChg chg="add mod">
-          <ac:chgData name="jeongkilyong" userId="42a1e730-e7ec-4950-9a60-48236c77d83b" providerId="ADAL" clId="{6932074E-482F-4F04-8510-30F029D456F7}" dt="2023-10-31T06:50:11.387" v="10266" actId="1076"/>
-          <ac:picMkLst>
-            <pc:docMk/>
-            <pc:sldMk cId="3673660415" sldId="348"/>
-            <ac:picMk id="20" creationId="{0643B350-38AF-48C3-9A99-BCF2EDD96813}"/>
-          </ac:picMkLst>
-        </pc:picChg>
-      </pc:sldChg>
-      <pc:sldChg chg="addSp delSp modSp add mod">
-        <pc:chgData name="jeongkilyong" userId="42a1e730-e7ec-4950-9a60-48236c77d83b" providerId="ADAL" clId="{6932074E-482F-4F04-8510-30F029D456F7}" dt="2023-10-31T11:28:25.278" v="12381" actId="20577"/>
-        <pc:sldMkLst>
-          <pc:docMk/>
-          <pc:sldMk cId="2325583960" sldId="349"/>
-        </pc:sldMkLst>
-        <pc:spChg chg="mod">
-          <ac:chgData name="jeongkilyong" userId="42a1e730-e7ec-4950-9a60-48236c77d83b" providerId="ADAL" clId="{6932074E-482F-4F04-8510-30F029D456F7}" dt="2023-10-31T06:54:22.812" v="10267" actId="6549"/>
-          <ac:spMkLst>
-            <pc:docMk/>
-            <pc:sldMk cId="2325583960" sldId="349"/>
-            <ac:spMk id="4" creationId="{36A61F52-C7C9-44DD-A99A-6374000ED600}"/>
-          </ac:spMkLst>
-        </pc:spChg>
-        <pc:spChg chg="add mod">
-          <ac:chgData name="jeongkilyong" userId="42a1e730-e7ec-4950-9a60-48236c77d83b" providerId="ADAL" clId="{6932074E-482F-4F04-8510-30F029D456F7}" dt="2023-10-31T10:41:43.770" v="12012" actId="207"/>
-          <ac:spMkLst>
-            <pc:docMk/>
-            <pc:sldMk cId="2325583960" sldId="349"/>
-            <ac:spMk id="10" creationId="{520CA09D-FD17-406E-A142-765D645B8E73}"/>
-          </ac:spMkLst>
-        </pc:spChg>
-        <pc:spChg chg="mod">
-          <ac:chgData name="jeongkilyong" userId="42a1e730-e7ec-4950-9a60-48236c77d83b" providerId="ADAL" clId="{6932074E-482F-4F04-8510-30F029D456F7}" dt="2023-10-31T11:28:25.278" v="12381" actId="20577"/>
-          <ac:spMkLst>
-            <pc:docMk/>
-            <pc:sldMk cId="2325583960" sldId="349"/>
-            <ac:spMk id="14" creationId="{7FE73983-C0B3-410F-874D-8C32AA9122DB}"/>
-          </ac:spMkLst>
-        </pc:spChg>
-        <pc:spChg chg="del">
-          <ac:chgData name="jeongkilyong" userId="42a1e730-e7ec-4950-9a60-48236c77d83b" providerId="ADAL" clId="{6932074E-482F-4F04-8510-30F029D456F7}" dt="2023-10-31T06:41:37.012" v="9885" actId="478"/>
-          <ac:spMkLst>
-            <pc:docMk/>
-            <pc:sldMk cId="2325583960" sldId="349"/>
-            <ac:spMk id="16" creationId="{8A633064-F3EF-4AC4-8C50-64572AAA144C}"/>
-          </ac:spMkLst>
-        </pc:spChg>
-        <pc:spChg chg="del">
-          <ac:chgData name="jeongkilyong" userId="42a1e730-e7ec-4950-9a60-48236c77d83b" providerId="ADAL" clId="{6932074E-482F-4F04-8510-30F029D456F7}" dt="2023-10-31T06:41:35.563" v="9884" actId="478"/>
-          <ac:spMkLst>
-            <pc:docMk/>
-            <pc:sldMk cId="2325583960" sldId="349"/>
-            <ac:spMk id="17" creationId="{8E421FC6-022D-45DA-B096-BD166BB589FC}"/>
-          </ac:spMkLst>
-        </pc:spChg>
-      </pc:sldChg>
-      <pc:sldChg chg="modSp add del mod">
-        <pc:chgData name="jeongkilyong" userId="42a1e730-e7ec-4950-9a60-48236c77d83b" providerId="ADAL" clId="{6932074E-482F-4F04-8510-30F029D456F7}" dt="2023-10-31T13:14:45.392" v="12486" actId="47"/>
-        <pc:sldMkLst>
-          <pc:docMk/>
-          <pc:sldMk cId="3975354517" sldId="350"/>
-        </pc:sldMkLst>
-        <pc:spChg chg="mod">
-          <ac:chgData name="jeongkilyong" userId="42a1e730-e7ec-4950-9a60-48236c77d83b" providerId="ADAL" clId="{6932074E-482F-4F04-8510-30F029D456F7}" dt="2023-10-31T12:01:40.440" v="12484" actId="20577"/>
-          <ac:spMkLst>
-            <pc:docMk/>
-            <pc:sldMk cId="3975354517" sldId="350"/>
-            <ac:spMk id="12" creationId="{10ACD4E5-1FFB-574E-8F99-C84FF7F7144F}"/>
-          </ac:spMkLst>
-        </pc:spChg>
-      </pc:sldChg>
-    </pc:docChg>
-  </pc:docChgLst>
 </pc:chgInfo>
 </file>
 
@@ -13709,7 +13711,7 @@
         <p:spPr bwMode="auto">
           <a:xfrm>
             <a:off x="395288" y="836613"/>
-            <a:ext cx="8353425" cy="1231106"/>
+            <a:ext cx="9070445" cy="1508105"/>
           </a:xfrm>
           <a:prstGeom prst="rect">
             <a:avLst/>
@@ -13723,7 +13725,7 @@
           </a:ln>
         </p:spPr>
         <p:txBody>
-          <a:bodyPr>
+          <a:bodyPr wrap="square">
             <a:spAutoFit/>
           </a:bodyPr>
           <a:lstStyle/>
@@ -13907,6 +13909,31 @@
               </a:rPr>
               <a:t>(call signature)</a:t>
             </a:r>
+          </a:p>
+          <a:p>
+            <a:pPr lvl="2">
+              <a:buFontTx/>
+              <a:buChar char="•"/>
+              <a:defRPr/>
+            </a:pPr>
+            <a:r>
+              <a:rPr lang="en-US" altLang="ko-KR">
+                <a:latin typeface="Noto Sans CJK KR Regular" panose="020B0500000000000000" pitchFamily="34" charset="-127"/>
+                <a:ea typeface="Noto Sans CJK KR Regular" panose="020B0500000000000000" pitchFamily="34" charset="-127"/>
+              </a:rPr>
+              <a:t> </a:t>
+            </a:r>
+            <a:r>
+              <a:rPr lang="ko-KR" altLang="en-US">
+                <a:latin typeface="Noto Sans CJK KR Regular" panose="020B0500000000000000" pitchFamily="34" charset="-127"/>
+                <a:ea typeface="Noto Sans CJK KR Regular" panose="020B0500000000000000" pitchFamily="34" charset="-127"/>
+              </a:rPr>
+              <a:t>해당 인터페이스가 지정된 함수 생성시 매개 변수와 리턴 타입을 명시할 필요 없음</a:t>
+            </a:r>
+            <a:endParaRPr lang="en-US" altLang="ko-KR">
+              <a:latin typeface="Noto Sans CJK KR Regular" panose="020B0500000000000000" pitchFamily="34" charset="-127"/>
+              <a:ea typeface="Noto Sans CJK KR Regular" panose="020B0500000000000000" pitchFamily="34" charset="-127"/>
+            </a:endParaRPr>
           </a:p>
         </p:txBody>
       </p:sp>
@@ -13953,7 +13980,7 @@
         </p:nvSpPr>
         <p:spPr>
           <a:xfrm>
-            <a:off x="993618" y="2274838"/>
+            <a:off x="993618" y="2672771"/>
             <a:ext cx="6097508" cy="2585323"/>
           </a:xfrm>
           <a:prstGeom prst="rect">
@@ -18721,7 +18748,7 @@
         <p:spPr bwMode="auto">
           <a:xfrm>
             <a:off x="395288" y="836613"/>
-            <a:ext cx="8353425" cy="954107"/>
+            <a:ext cx="9482137" cy="954107"/>
           </a:xfrm>
           <a:prstGeom prst="rect">
             <a:avLst/>
@@ -18735,7 +18762,7 @@
           </a:ln>
         </p:spPr>
         <p:txBody>
-          <a:bodyPr>
+          <a:bodyPr wrap="square">
             <a:spAutoFit/>
           </a:bodyPr>
           <a:lstStyle/>
@@ -18782,7 +18809,7 @@
                 <a:latin typeface="Noto Sans CJK KR Regular" panose="020B0500000000000000" pitchFamily="34" charset="-127"/>
                 <a:ea typeface="Noto Sans CJK KR Regular" panose="020B0500000000000000" pitchFamily="34" charset="-127"/>
               </a:rPr>
-              <a:t>부모 인터페이스의 속성과 메소드 정의를 자식 인터페이스가 물려 받고 확장</a:t>
+              <a:t>부모 인터페이스나 클래스의 속성과 메소드 정의를 자식 인터페이스가 물려 받고 확장</a:t>
             </a:r>
             <a:endParaRPr lang="en-US" altLang="ko-KR">
               <a:latin typeface="Noto Sans CJK KR Regular" panose="020B0500000000000000" pitchFamily="34" charset="-127"/>
@@ -18882,7 +18909,7 @@
         </p:nvSpPr>
         <p:spPr>
           <a:xfrm>
-            <a:off x="1047940" y="2138602"/>
+            <a:off x="1047940" y="2052877"/>
             <a:ext cx="6097508" cy="2585323"/>
           </a:xfrm>
           <a:prstGeom prst="rect">
@@ -21871,6 +21898,1659 @@
     <p:extLst>
       <p:ext uri="{BB962C8B-B14F-4D97-AF65-F5344CB8AC3E}">
         <p14:creationId xmlns:p14="http://schemas.microsoft.com/office/powerpoint/2010/main" val="3685790839"/>
+      </p:ext>
+    </p:extLst>
+  </p:cSld>
+  <p:clrMapOvr>
+    <a:masterClrMapping/>
+  </p:clrMapOvr>
+</p:sld>
+</file>
+
+<file path=ppt/slides/slide27.xml><?xml version="1.0" encoding="utf-8"?>
+<p:sld xmlns:a="http://schemas.openxmlformats.org/drawingml/2006/main" xmlns:r="http://schemas.openxmlformats.org/officeDocument/2006/relationships" xmlns:p="http://schemas.openxmlformats.org/presentationml/2006/main">
+  <p:cSld>
+    <p:spTree>
+      <p:nvGrpSpPr>
+        <p:cNvPr id="1" name=""/>
+        <p:cNvGrpSpPr/>
+        <p:nvPr/>
+      </p:nvGrpSpPr>
+      <p:grpSpPr>
+        <a:xfrm>
+          <a:off x="0" y="0"/>
+          <a:ext cx="0" cy="0"/>
+          <a:chOff x="0" y="0"/>
+          <a:chExt cx="0" cy="0"/>
+        </a:xfrm>
+      </p:grpSpPr>
+      <p:sp>
+        <p:nvSpPr>
+          <p:cNvPr id="12" name="TextBox 11">
+            <a:extLst>
+              <a:ext uri="{FF2B5EF4-FFF2-40B4-BE49-F238E27FC236}">
+                <a16:creationId xmlns:a16="http://schemas.microsoft.com/office/drawing/2014/main" id="{10ACD4E5-1FFB-574E-8F99-C84FF7F7144F}"/>
+              </a:ext>
+            </a:extLst>
+          </p:cNvPr>
+          <p:cNvSpPr txBox="1"/>
+          <p:nvPr/>
+        </p:nvSpPr>
+        <p:spPr>
+          <a:xfrm>
+            <a:off x="563667" y="443389"/>
+            <a:ext cx="4713514" cy="338554"/>
+          </a:xfrm>
+          <a:prstGeom prst="rect">
+            <a:avLst/>
+          </a:prstGeom>
+          <a:noFill/>
+        </p:spPr>
+        <p:txBody>
+          <a:bodyPr wrap="square" rtlCol="0">
+            <a:spAutoFit/>
+          </a:bodyPr>
+          <a:lstStyle/>
+          <a:p>
+            <a:r>
+              <a:rPr kumimoji="1" lang="ko-KR" altLang="en-US" sz="1600" spc="-60">
+                <a:solidFill>
+                  <a:srgbClr val="FF9E1B"/>
+                </a:solidFill>
+                <a:latin typeface="Noto Sans CJK KR Medium" panose="020B0500000000000000" pitchFamily="34" charset="-128"/>
+                <a:ea typeface="Noto Sans CJK KR Medium" panose="020B0500000000000000" pitchFamily="34" charset="-128"/>
+              </a:rPr>
+              <a:t>강의  </a:t>
+            </a:r>
+            <a:r>
+              <a:rPr kumimoji="1" lang="en-US" altLang="ko-KR" sz="1600" spc="-60">
+                <a:solidFill>
+                  <a:schemeClr val="tx1">
+                    <a:lumMod val="75000"/>
+                    <a:lumOff val="25000"/>
+                  </a:schemeClr>
+                </a:solidFill>
+                <a:latin typeface="Noto Sans CJK KR DemiLight" panose="020B0400000000000000" pitchFamily="34" charset="-128"/>
+                <a:ea typeface="Noto Sans CJK KR DemiLight" panose="020B0400000000000000" pitchFamily="34" charset="-128"/>
+              </a:rPr>
+              <a:t>|</a:t>
+            </a:r>
+            <a:r>
+              <a:rPr kumimoji="1" lang="ko-KR" altLang="en-US" sz="1600" spc="-60">
+                <a:solidFill>
+                  <a:schemeClr val="tx1">
+                    <a:lumMod val="75000"/>
+                    <a:lumOff val="25000"/>
+                  </a:schemeClr>
+                </a:solidFill>
+                <a:latin typeface="Noto Sans CJK KR DemiLight" panose="020B0400000000000000" pitchFamily="34" charset="-128"/>
+                <a:ea typeface="Noto Sans CJK KR DemiLight" panose="020B0400000000000000" pitchFamily="34" charset="-128"/>
+              </a:rPr>
+              <a:t>  변수와 상수</a:t>
+            </a:r>
+            <a:endParaRPr kumimoji="1" lang="ko-KR" altLang="en-US" sz="1600" spc="-60" dirty="0">
+              <a:solidFill>
+                <a:schemeClr val="tx1">
+                  <a:lumMod val="75000"/>
+                  <a:lumOff val="25000"/>
+                </a:schemeClr>
+              </a:solidFill>
+              <a:latin typeface="Noto Sans CJK KR DemiLight" panose="020B0400000000000000" pitchFamily="34" charset="-128"/>
+              <a:ea typeface="Noto Sans CJK KR DemiLight" panose="020B0400000000000000" pitchFamily="34" charset="-128"/>
+            </a:endParaRPr>
+          </a:p>
+        </p:txBody>
+      </p:sp>
+      <p:pic>
+        <p:nvPicPr>
+          <p:cNvPr id="4" name="그림 3" descr="모니터, 앉아있는, 컴퓨터, 노트북이(가) 표시된 사진&#10;&#10;자동 생성된 설명">
+            <a:extLst>
+              <a:ext uri="{FF2B5EF4-FFF2-40B4-BE49-F238E27FC236}">
+                <a16:creationId xmlns:a16="http://schemas.microsoft.com/office/drawing/2014/main" id="{11B22562-0242-7846-B4EF-7B0B4FAA194A}"/>
+              </a:ext>
+            </a:extLst>
+          </p:cNvPr>
+          <p:cNvPicPr>
+            <a:picLocks noChangeAspect="1"/>
+          </p:cNvPicPr>
+          <p:nvPr/>
+        </p:nvPicPr>
+        <p:blipFill>
+          <a:blip r:embed="rId2"/>
+          <a:stretch>
+            <a:fillRect/>
+          </a:stretch>
+        </p:blipFill>
+        <p:spPr>
+          <a:xfrm>
+            <a:off x="10478767" y="491271"/>
+            <a:ext cx="1087394" cy="170709"/>
+          </a:xfrm>
+          <a:prstGeom prst="rect">
+            <a:avLst/>
+          </a:prstGeom>
+        </p:spPr>
+      </p:pic>
+      <p:sp>
+        <p:nvSpPr>
+          <p:cNvPr id="5" name="Text Box 3">
+            <a:extLst>
+              <a:ext uri="{FF2B5EF4-FFF2-40B4-BE49-F238E27FC236}">
+                <a16:creationId xmlns:a16="http://schemas.microsoft.com/office/drawing/2014/main" id="{FB35D915-9598-4DE5-A561-CC6FE4D2171D}"/>
+              </a:ext>
+            </a:extLst>
+          </p:cNvPr>
+          <p:cNvSpPr txBox="1">
+            <a:spLocks noChangeArrowheads="1"/>
+          </p:cNvSpPr>
+          <p:nvPr/>
+        </p:nvSpPr>
+        <p:spPr bwMode="auto">
+          <a:xfrm>
+            <a:off x="395288" y="833820"/>
+            <a:ext cx="9889449" cy="2923877"/>
+          </a:xfrm>
+          <a:prstGeom prst="rect">
+            <a:avLst/>
+          </a:prstGeom>
+          <a:noFill/>
+          <a:ln w="9525">
+            <a:noFill/>
+            <a:miter lim="800000"/>
+            <a:headEnd/>
+            <a:tailEnd/>
+          </a:ln>
+        </p:spPr>
+        <p:txBody>
+          <a:bodyPr wrap="square">
+            <a:spAutoFit/>
+          </a:bodyPr>
+          <a:lstStyle/>
+          <a:p>
+            <a:pPr>
+              <a:buFont typeface="맑은 고딕" pitchFamily="50" charset="-127"/>
+              <a:buChar char="▶"/>
+            </a:pPr>
+            <a:r>
+              <a:rPr lang="en-US" altLang="ko-KR" sz="2000">
+                <a:latin typeface="Noto Sans CJK KR Regular" panose="020B0500000000000000" pitchFamily="34" charset="-127"/>
+                <a:ea typeface="Noto Sans CJK KR Regular" panose="020B0500000000000000" pitchFamily="34" charset="-127"/>
+              </a:rPr>
+              <a:t> </a:t>
+            </a:r>
+            <a:r>
+              <a:rPr lang="ko-KR" altLang="en-US" sz="2000">
+                <a:latin typeface="Noto Sans CJK KR Regular" panose="020B0500000000000000" pitchFamily="34" charset="-127"/>
+                <a:ea typeface="Noto Sans CJK KR Regular" panose="020B0500000000000000" pitchFamily="34" charset="-127"/>
+              </a:rPr>
+              <a:t>변수</a:t>
+            </a:r>
+            <a:endParaRPr lang="en-US" altLang="ko-KR" sz="2000" dirty="0">
+              <a:latin typeface="Noto Sans CJK KR Regular" panose="020B0500000000000000" pitchFamily="34" charset="-127"/>
+              <a:ea typeface="Noto Sans CJK KR Regular" panose="020B0500000000000000" pitchFamily="34" charset="-127"/>
+            </a:endParaRPr>
+          </a:p>
+          <a:p>
+            <a:pPr lvl="1">
+              <a:buFontTx/>
+              <a:buChar char="•"/>
+            </a:pPr>
+            <a:r>
+              <a:rPr lang="ko-KR" altLang="en-US" b="0">
+                <a:latin typeface="Noto Sans CJK KR Regular" panose="020B0500000000000000" pitchFamily="34" charset="-127"/>
+                <a:ea typeface="Noto Sans CJK KR Regular" panose="020B0500000000000000" pitchFamily="34" charset="-127"/>
+              </a:rPr>
+              <a:t> 변할 수 있는 값</a:t>
+            </a:r>
+            <a:endParaRPr lang="en-US" altLang="ko-KR">
+              <a:latin typeface="Noto Sans CJK KR Regular" panose="020B0500000000000000" pitchFamily="34" charset="-127"/>
+              <a:ea typeface="Noto Sans CJK KR Regular" panose="020B0500000000000000" pitchFamily="34" charset="-127"/>
+            </a:endParaRPr>
+          </a:p>
+          <a:p>
+            <a:pPr lvl="1">
+              <a:buFontTx/>
+              <a:buChar char="•"/>
+            </a:pPr>
+            <a:r>
+              <a:rPr lang="en-US" altLang="ko-KR">
+                <a:latin typeface="Noto Sans CJK KR Regular" panose="020B0500000000000000" pitchFamily="34" charset="-127"/>
+                <a:ea typeface="Noto Sans CJK KR Regular" panose="020B0500000000000000" pitchFamily="34" charset="-127"/>
+              </a:rPr>
+              <a:t> var, let </a:t>
+            </a:r>
+            <a:r>
+              <a:rPr lang="ko-KR" altLang="en-US">
+                <a:latin typeface="Noto Sans CJK KR Regular" panose="020B0500000000000000" pitchFamily="34" charset="-127"/>
+                <a:ea typeface="Noto Sans CJK KR Regular" panose="020B0500000000000000" pitchFamily="34" charset="-127"/>
+              </a:rPr>
+              <a:t>키워드로 선언</a:t>
+            </a:r>
+            <a:endParaRPr lang="en-US" altLang="ko-KR">
+              <a:latin typeface="Noto Sans CJK KR Regular" panose="020B0500000000000000" pitchFamily="34" charset="-127"/>
+              <a:ea typeface="Noto Sans CJK KR Regular" panose="020B0500000000000000" pitchFamily="34" charset="-127"/>
+            </a:endParaRPr>
+          </a:p>
+          <a:p>
+            <a:pPr lvl="1">
+              <a:buFontTx/>
+              <a:buChar char="•"/>
+            </a:pPr>
+            <a:endParaRPr lang="en-US" altLang="ko-KR">
+              <a:latin typeface="Noto Sans CJK KR Regular" panose="020B0500000000000000" pitchFamily="34" charset="-127"/>
+              <a:ea typeface="Noto Sans CJK KR Regular" panose="020B0500000000000000" pitchFamily="34" charset="-127"/>
+            </a:endParaRPr>
+          </a:p>
+          <a:p>
+            <a:pPr>
+              <a:buFont typeface="맑은 고딕" pitchFamily="50" charset="-127"/>
+              <a:buChar char="▶"/>
+            </a:pPr>
+            <a:r>
+              <a:rPr lang="en-US" altLang="ko-KR" sz="2000">
+                <a:latin typeface="Noto Sans CJK KR Regular" panose="020B0500000000000000" pitchFamily="34" charset="-127"/>
+                <a:ea typeface="Noto Sans CJK KR Regular" panose="020B0500000000000000" pitchFamily="34" charset="-127"/>
+              </a:rPr>
+              <a:t> </a:t>
+            </a:r>
+            <a:r>
+              <a:rPr lang="ko-KR" altLang="en-US" sz="2000">
+                <a:latin typeface="Noto Sans CJK KR Regular" panose="020B0500000000000000" pitchFamily="34" charset="-127"/>
+                <a:ea typeface="Noto Sans CJK KR Regular" panose="020B0500000000000000" pitchFamily="34" charset="-127"/>
+              </a:rPr>
+              <a:t>상수</a:t>
+            </a:r>
+            <a:endParaRPr lang="en-US" altLang="ko-KR" sz="2000">
+              <a:latin typeface="Noto Sans CJK KR Regular" panose="020B0500000000000000" pitchFamily="34" charset="-127"/>
+              <a:ea typeface="Noto Sans CJK KR Regular" panose="020B0500000000000000" pitchFamily="34" charset="-127"/>
+            </a:endParaRPr>
+          </a:p>
+          <a:p>
+            <a:pPr lvl="1">
+              <a:buFontTx/>
+              <a:buChar char="•"/>
+            </a:pPr>
+            <a:r>
+              <a:rPr lang="ko-KR" altLang="en-US" b="0">
+                <a:latin typeface="Noto Sans CJK KR Regular" panose="020B0500000000000000" pitchFamily="34" charset="-127"/>
+                <a:ea typeface="Noto Sans CJK KR Regular" panose="020B0500000000000000" pitchFamily="34" charset="-127"/>
+              </a:rPr>
+              <a:t> 변하지 않는 값 </a:t>
+            </a:r>
+            <a:endParaRPr lang="en-US" altLang="ko-KR" b="0">
+              <a:latin typeface="Noto Sans CJK KR Regular" panose="020B0500000000000000" pitchFamily="34" charset="-127"/>
+              <a:ea typeface="Noto Sans CJK KR Regular" panose="020B0500000000000000" pitchFamily="34" charset="-127"/>
+            </a:endParaRPr>
+          </a:p>
+          <a:p>
+            <a:pPr lvl="1">
+              <a:buFontTx/>
+              <a:buChar char="•"/>
+            </a:pPr>
+            <a:r>
+              <a:rPr lang="en-US" altLang="ko-KR">
+                <a:latin typeface="Noto Sans CJK KR Regular" panose="020B0500000000000000" pitchFamily="34" charset="-127"/>
+                <a:ea typeface="Noto Sans CJK KR Regular" panose="020B0500000000000000" pitchFamily="34" charset="-127"/>
+              </a:rPr>
+              <a:t> const </a:t>
+            </a:r>
+            <a:r>
+              <a:rPr lang="ko-KR" altLang="en-US">
+                <a:latin typeface="Noto Sans CJK KR Regular" panose="020B0500000000000000" pitchFamily="34" charset="-127"/>
+                <a:ea typeface="Noto Sans CJK KR Regular" panose="020B0500000000000000" pitchFamily="34" charset="-127"/>
+              </a:rPr>
+              <a:t>키워드로 선언</a:t>
+            </a:r>
+            <a:endParaRPr lang="en-US" altLang="ko-KR">
+              <a:latin typeface="Noto Sans CJK KR Regular" panose="020B0500000000000000" pitchFamily="34" charset="-127"/>
+              <a:ea typeface="Noto Sans CJK KR Regular" panose="020B0500000000000000" pitchFamily="34" charset="-127"/>
+            </a:endParaRPr>
+          </a:p>
+          <a:p>
+            <a:pPr lvl="1">
+              <a:buFontTx/>
+              <a:buChar char="•"/>
+            </a:pPr>
+            <a:r>
+              <a:rPr lang="en-US" altLang="ko-KR">
+                <a:latin typeface="Noto Sans CJK KR Regular" panose="020B0500000000000000" pitchFamily="34" charset="-127"/>
+                <a:ea typeface="Noto Sans CJK KR Regular" panose="020B0500000000000000" pitchFamily="34" charset="-127"/>
+              </a:rPr>
+              <a:t> </a:t>
+            </a:r>
+            <a:r>
+              <a:rPr lang="ko-KR" altLang="en-US">
+                <a:latin typeface="Noto Sans CJK KR Regular" panose="020B0500000000000000" pitchFamily="34" charset="-127"/>
+                <a:ea typeface="Noto Sans CJK KR Regular" panose="020B0500000000000000" pitchFamily="34" charset="-127"/>
+              </a:rPr>
+              <a:t>프로그램 실행중에 값이 변하지 않음을 보장</a:t>
+            </a:r>
+            <a:endParaRPr lang="en-US" altLang="ko-KR">
+              <a:latin typeface="Noto Sans CJK KR Regular" panose="020B0500000000000000" pitchFamily="34" charset="-127"/>
+              <a:ea typeface="Noto Sans CJK KR Regular" panose="020B0500000000000000" pitchFamily="34" charset="-127"/>
+            </a:endParaRPr>
+          </a:p>
+          <a:p>
+            <a:pPr lvl="1">
+              <a:buFontTx/>
+              <a:buChar char="•"/>
+            </a:pPr>
+            <a:r>
+              <a:rPr lang="en-US" altLang="ko-KR">
+                <a:latin typeface="Noto Sans CJK KR Regular" panose="020B0500000000000000" pitchFamily="34" charset="-127"/>
+                <a:ea typeface="Noto Sans CJK KR Regular" panose="020B0500000000000000" pitchFamily="34" charset="-127"/>
+              </a:rPr>
+              <a:t> </a:t>
+            </a:r>
+            <a:r>
+              <a:rPr lang="ko-KR" altLang="en-US">
+                <a:latin typeface="Noto Sans CJK KR Regular" panose="020B0500000000000000" pitchFamily="34" charset="-127"/>
+                <a:ea typeface="Noto Sans CJK KR Regular" panose="020B0500000000000000" pitchFamily="34" charset="-127"/>
+              </a:rPr>
+              <a:t>변수처럼 값에 의미를 부여해서 가독성 향상</a:t>
+            </a:r>
+            <a:endParaRPr lang="en-US" altLang="ko-KR">
+              <a:latin typeface="Noto Sans CJK KR Regular" panose="020B0500000000000000" pitchFamily="34" charset="-127"/>
+              <a:ea typeface="Noto Sans CJK KR Regular" panose="020B0500000000000000" pitchFamily="34" charset="-127"/>
+            </a:endParaRPr>
+          </a:p>
+          <a:p>
+            <a:pPr lvl="1">
+              <a:buFontTx/>
+              <a:buChar char="•"/>
+            </a:pPr>
+            <a:r>
+              <a:rPr lang="en-US" altLang="ko-KR">
+                <a:latin typeface="Noto Sans CJK KR Regular" panose="020B0500000000000000" pitchFamily="34" charset="-127"/>
+                <a:ea typeface="Noto Sans CJK KR Regular" panose="020B0500000000000000" pitchFamily="34" charset="-127"/>
+              </a:rPr>
+              <a:t> </a:t>
+            </a:r>
+            <a:r>
+              <a:rPr lang="ko-KR" altLang="en-US">
+                <a:latin typeface="Noto Sans CJK KR Regular" panose="020B0500000000000000" pitchFamily="34" charset="-127"/>
+                <a:ea typeface="Noto Sans CJK KR Regular" panose="020B0500000000000000" pitchFamily="34" charset="-127"/>
+              </a:rPr>
+              <a:t>변수명은 관례상 스네이크 케이스로 작성</a:t>
+            </a:r>
+            <a:r>
+              <a:rPr lang="en-US" altLang="ko-KR">
+                <a:latin typeface="Noto Sans CJK KR Regular" panose="020B0500000000000000" pitchFamily="34" charset="-127"/>
+                <a:ea typeface="Noto Sans CJK KR Regular" panose="020B0500000000000000" pitchFamily="34" charset="-127"/>
+              </a:rPr>
+              <a:t>(</a:t>
+            </a:r>
+            <a:r>
+              <a:rPr lang="ko-KR" altLang="en-US">
+                <a:latin typeface="Noto Sans CJK KR Regular" panose="020B0500000000000000" pitchFamily="34" charset="-127"/>
+                <a:ea typeface="Noto Sans CJK KR Regular" panose="020B0500000000000000" pitchFamily="34" charset="-127"/>
+              </a:rPr>
+              <a:t>대문자로 시작하고 단어 사이는 </a:t>
+            </a:r>
+            <a:r>
+              <a:rPr lang="en-US" altLang="ko-KR">
+                <a:latin typeface="Noto Sans CJK KR Regular" panose="020B0500000000000000" pitchFamily="34" charset="-127"/>
+                <a:ea typeface="Noto Sans CJK KR Regular" panose="020B0500000000000000" pitchFamily="34" charset="-127"/>
+              </a:rPr>
+              <a:t>_</a:t>
+            </a:r>
+            <a:r>
+              <a:rPr lang="ko-KR" altLang="en-US">
+                <a:latin typeface="Noto Sans CJK KR Regular" panose="020B0500000000000000" pitchFamily="34" charset="-127"/>
+                <a:ea typeface="Noto Sans CJK KR Regular" panose="020B0500000000000000" pitchFamily="34" charset="-127"/>
+              </a:rPr>
+              <a:t>로 구분</a:t>
+            </a:r>
+            <a:r>
+              <a:rPr lang="en-US" altLang="ko-KR">
+                <a:latin typeface="Noto Sans CJK KR Regular" panose="020B0500000000000000" pitchFamily="34" charset="-127"/>
+                <a:ea typeface="Noto Sans CJK KR Regular" panose="020B0500000000000000" pitchFamily="34" charset="-127"/>
+              </a:rPr>
+              <a:t>)</a:t>
+            </a:r>
+          </a:p>
+        </p:txBody>
+      </p:sp>
+      <p:sp>
+        <p:nvSpPr>
+          <p:cNvPr id="2" name="슬라이드 번호 개체 틀 1">
+            <a:extLst>
+              <a:ext uri="{FF2B5EF4-FFF2-40B4-BE49-F238E27FC236}">
+                <a16:creationId xmlns:a16="http://schemas.microsoft.com/office/drawing/2014/main" id="{C903C940-4878-447B-88DC-FCEAD9FA9392}"/>
+              </a:ext>
+            </a:extLst>
+          </p:cNvPr>
+          <p:cNvSpPr>
+            <a:spLocks noGrp="1"/>
+          </p:cNvSpPr>
+          <p:nvPr>
+            <p:ph type="sldNum" sz="quarter" idx="12"/>
+          </p:nvPr>
+        </p:nvSpPr>
+        <p:spPr/>
+        <p:txBody>
+          <a:bodyPr/>
+          <a:lstStyle/>
+          <a:p>
+            <a:fld id="{3D1FA427-4C48-8040-8FB9-DF0FCDFDEE83}" type="slidenum">
+              <a:rPr kumimoji="1" lang="ko-KR" altLang="en-US" smtClean="0"/>
+              <a:t>27</a:t>
+            </a:fld>
+            <a:endParaRPr kumimoji="1" lang="ko-KR" altLang="en-US"/>
+          </a:p>
+        </p:txBody>
+      </p:sp>
+      <p:pic>
+        <p:nvPicPr>
+          <p:cNvPr id="6" name="그림 5" descr="코딩아이콘.png">
+            <a:extLst>
+              <a:ext uri="{FF2B5EF4-FFF2-40B4-BE49-F238E27FC236}">
+                <a16:creationId xmlns:a16="http://schemas.microsoft.com/office/drawing/2014/main" id="{67C05582-C2CE-41D9-804B-117C48A4E96B}"/>
+              </a:ext>
+            </a:extLst>
+          </p:cNvPr>
+          <p:cNvPicPr>
+            <a:picLocks noChangeAspect="1"/>
+          </p:cNvPicPr>
+          <p:nvPr/>
+        </p:nvPicPr>
+        <p:blipFill>
+          <a:blip r:embed="rId3" cstate="print"/>
+          <a:stretch>
+            <a:fillRect/>
+          </a:stretch>
+        </p:blipFill>
+        <p:spPr>
+          <a:xfrm flipH="1">
+            <a:off x="11062105" y="692696"/>
+            <a:ext cx="504056" cy="440660"/>
+          </a:xfrm>
+          <a:prstGeom prst="rect">
+            <a:avLst/>
+          </a:prstGeom>
+        </p:spPr>
+      </p:pic>
+      <p:sp>
+        <p:nvSpPr>
+          <p:cNvPr id="7" name="TextBox 6">
+            <a:extLst>
+              <a:ext uri="{FF2B5EF4-FFF2-40B4-BE49-F238E27FC236}">
+                <a16:creationId xmlns:a16="http://schemas.microsoft.com/office/drawing/2014/main" id="{89EA463D-F46E-46B6-9065-CE98675A0B79}"/>
+              </a:ext>
+            </a:extLst>
+          </p:cNvPr>
+          <p:cNvSpPr txBox="1"/>
+          <p:nvPr/>
+        </p:nvSpPr>
+        <p:spPr>
+          <a:xfrm>
+            <a:off x="8685841" y="764704"/>
+            <a:ext cx="2360859" cy="369332"/>
+          </a:xfrm>
+          <a:prstGeom prst="rect">
+            <a:avLst/>
+          </a:prstGeom>
+          <a:noFill/>
+        </p:spPr>
+        <p:txBody>
+          <a:bodyPr wrap="square" rtlCol="0">
+            <a:spAutoFit/>
+          </a:bodyPr>
+          <a:lstStyle/>
+          <a:p>
+            <a:pPr algn="r"/>
+            <a:r>
+              <a:rPr lang="en-US" altLang="ko-KR">
+                <a:solidFill>
+                  <a:schemeClr val="tx1">
+                    <a:lumMod val="65000"/>
+                    <a:lumOff val="35000"/>
+                  </a:schemeClr>
+                </a:solidFill>
+                <a:latin typeface="Noto Sans CJK KR Regular" panose="020B0500000000000000" pitchFamily="34" charset="-127"/>
+                <a:ea typeface="Noto Sans CJK KR Regular" panose="020B0500000000000000" pitchFamily="34" charset="-127"/>
+              </a:rPr>
+              <a:t>ex01-18.ts, 19, 19-01</a:t>
+            </a:r>
+            <a:endParaRPr lang="ko-KR" altLang="en-US" dirty="0">
+              <a:solidFill>
+                <a:schemeClr val="tx1">
+                  <a:lumMod val="65000"/>
+                  <a:lumOff val="35000"/>
+                </a:schemeClr>
+              </a:solidFill>
+              <a:latin typeface="Noto Sans CJK KR Regular" panose="020B0500000000000000" pitchFamily="34" charset="-127"/>
+              <a:ea typeface="Noto Sans CJK KR Regular" panose="020B0500000000000000" pitchFamily="34" charset="-127"/>
+            </a:endParaRPr>
+          </a:p>
+        </p:txBody>
+      </p:sp>
+    </p:spTree>
+    <p:extLst>
+      <p:ext uri="{BB962C8B-B14F-4D97-AF65-F5344CB8AC3E}">
+        <p14:creationId xmlns:p14="http://schemas.microsoft.com/office/powerpoint/2010/main" val="3394918962"/>
+      </p:ext>
+    </p:extLst>
+  </p:cSld>
+  <p:clrMapOvr>
+    <a:masterClrMapping/>
+  </p:clrMapOvr>
+</p:sld>
+</file>
+
+<file path=ppt/slides/slide28.xml><?xml version="1.0" encoding="utf-8"?>
+<p:sld xmlns:a="http://schemas.openxmlformats.org/drawingml/2006/main" xmlns:r="http://schemas.openxmlformats.org/officeDocument/2006/relationships" xmlns:p="http://schemas.openxmlformats.org/presentationml/2006/main">
+  <p:cSld>
+    <p:spTree>
+      <p:nvGrpSpPr>
+        <p:cNvPr id="1" name=""/>
+        <p:cNvGrpSpPr/>
+        <p:nvPr/>
+      </p:nvGrpSpPr>
+      <p:grpSpPr>
+        <a:xfrm>
+          <a:off x="0" y="0"/>
+          <a:ext cx="0" cy="0"/>
+          <a:chOff x="0" y="0"/>
+          <a:chExt cx="0" cy="0"/>
+        </a:xfrm>
+      </p:grpSpPr>
+      <p:sp>
+        <p:nvSpPr>
+          <p:cNvPr id="12" name="TextBox 11">
+            <a:extLst>
+              <a:ext uri="{FF2B5EF4-FFF2-40B4-BE49-F238E27FC236}">
+                <a16:creationId xmlns:a16="http://schemas.microsoft.com/office/drawing/2014/main" id="{10ACD4E5-1FFB-574E-8F99-C84FF7F7144F}"/>
+              </a:ext>
+            </a:extLst>
+          </p:cNvPr>
+          <p:cNvSpPr txBox="1"/>
+          <p:nvPr/>
+        </p:nvSpPr>
+        <p:spPr>
+          <a:xfrm>
+            <a:off x="563667" y="443389"/>
+            <a:ext cx="4713514" cy="338554"/>
+          </a:xfrm>
+          <a:prstGeom prst="rect">
+            <a:avLst/>
+          </a:prstGeom>
+          <a:noFill/>
+        </p:spPr>
+        <p:txBody>
+          <a:bodyPr wrap="square" rtlCol="0">
+            <a:spAutoFit/>
+          </a:bodyPr>
+          <a:lstStyle/>
+          <a:p>
+            <a:r>
+              <a:rPr kumimoji="1" lang="ko-KR" altLang="en-US" sz="1600" spc="-60">
+                <a:solidFill>
+                  <a:srgbClr val="FF9E1B"/>
+                </a:solidFill>
+                <a:latin typeface="Noto Sans CJK KR Medium" panose="020B0500000000000000" pitchFamily="34" charset="-128"/>
+                <a:ea typeface="Noto Sans CJK KR Medium" panose="020B0500000000000000" pitchFamily="34" charset="-128"/>
+              </a:rPr>
+              <a:t>강의  </a:t>
+            </a:r>
+            <a:r>
+              <a:rPr kumimoji="1" lang="en-US" altLang="ko-KR" sz="1600" spc="-60">
+                <a:solidFill>
+                  <a:schemeClr val="tx1">
+                    <a:lumMod val="75000"/>
+                    <a:lumOff val="25000"/>
+                  </a:schemeClr>
+                </a:solidFill>
+                <a:latin typeface="Noto Sans CJK KR DemiLight" panose="020B0400000000000000" pitchFamily="34" charset="-128"/>
+                <a:ea typeface="Noto Sans CJK KR DemiLight" panose="020B0400000000000000" pitchFamily="34" charset="-128"/>
+              </a:rPr>
+              <a:t>|</a:t>
+            </a:r>
+            <a:r>
+              <a:rPr kumimoji="1" lang="ko-KR" altLang="en-US" sz="1600" spc="-60">
+                <a:solidFill>
+                  <a:schemeClr val="tx1">
+                    <a:lumMod val="75000"/>
+                    <a:lumOff val="25000"/>
+                  </a:schemeClr>
+                </a:solidFill>
+                <a:latin typeface="Noto Sans CJK KR DemiLight" panose="020B0400000000000000" pitchFamily="34" charset="-128"/>
+                <a:ea typeface="Noto Sans CJK KR DemiLight" panose="020B0400000000000000" pitchFamily="34" charset="-128"/>
+              </a:rPr>
+              <a:t>  </a:t>
+            </a:r>
+            <a:r>
+              <a:rPr kumimoji="1" lang="en-US" altLang="ko-KR" sz="1600" spc="-60">
+                <a:solidFill>
+                  <a:schemeClr val="tx1">
+                    <a:lumMod val="75000"/>
+                    <a:lumOff val="25000"/>
+                  </a:schemeClr>
+                </a:solidFill>
+                <a:latin typeface="Noto Sans CJK KR DemiLight" panose="020B0400000000000000" pitchFamily="34" charset="-128"/>
+                <a:ea typeface="Noto Sans CJK KR DemiLight" panose="020B0400000000000000" pitchFamily="34" charset="-128"/>
+              </a:rPr>
+              <a:t>Enum</a:t>
+            </a:r>
+            <a:endParaRPr kumimoji="1" lang="ko-KR" altLang="en-US" sz="1600" spc="-60" dirty="0">
+              <a:solidFill>
+                <a:schemeClr val="tx1">
+                  <a:lumMod val="75000"/>
+                  <a:lumOff val="25000"/>
+                </a:schemeClr>
+              </a:solidFill>
+              <a:latin typeface="Noto Sans CJK KR DemiLight" panose="020B0400000000000000" pitchFamily="34" charset="-128"/>
+              <a:ea typeface="Noto Sans CJK KR DemiLight" panose="020B0400000000000000" pitchFamily="34" charset="-128"/>
+            </a:endParaRPr>
+          </a:p>
+        </p:txBody>
+      </p:sp>
+      <p:pic>
+        <p:nvPicPr>
+          <p:cNvPr id="4" name="그림 3" descr="모니터, 앉아있는, 컴퓨터, 노트북이(가) 표시된 사진&#10;&#10;자동 생성된 설명">
+            <a:extLst>
+              <a:ext uri="{FF2B5EF4-FFF2-40B4-BE49-F238E27FC236}">
+                <a16:creationId xmlns:a16="http://schemas.microsoft.com/office/drawing/2014/main" id="{11B22562-0242-7846-B4EF-7B0B4FAA194A}"/>
+              </a:ext>
+            </a:extLst>
+          </p:cNvPr>
+          <p:cNvPicPr>
+            <a:picLocks noChangeAspect="1"/>
+          </p:cNvPicPr>
+          <p:nvPr/>
+        </p:nvPicPr>
+        <p:blipFill>
+          <a:blip r:embed="rId2"/>
+          <a:stretch>
+            <a:fillRect/>
+          </a:stretch>
+        </p:blipFill>
+        <p:spPr>
+          <a:xfrm>
+            <a:off x="10478767" y="491271"/>
+            <a:ext cx="1087394" cy="170709"/>
+          </a:xfrm>
+          <a:prstGeom prst="rect">
+            <a:avLst/>
+          </a:prstGeom>
+        </p:spPr>
+      </p:pic>
+      <p:sp>
+        <p:nvSpPr>
+          <p:cNvPr id="5" name="Text Box 3">
+            <a:extLst>
+              <a:ext uri="{FF2B5EF4-FFF2-40B4-BE49-F238E27FC236}">
+                <a16:creationId xmlns:a16="http://schemas.microsoft.com/office/drawing/2014/main" id="{FB35D915-9598-4DE5-A561-CC6FE4D2171D}"/>
+              </a:ext>
+            </a:extLst>
+          </p:cNvPr>
+          <p:cNvSpPr txBox="1">
+            <a:spLocks noChangeArrowheads="1"/>
+          </p:cNvSpPr>
+          <p:nvPr/>
+        </p:nvSpPr>
+        <p:spPr bwMode="auto">
+          <a:xfrm>
+            <a:off x="395288" y="833820"/>
+            <a:ext cx="9889449" cy="954107"/>
+          </a:xfrm>
+          <a:prstGeom prst="rect">
+            <a:avLst/>
+          </a:prstGeom>
+          <a:noFill/>
+          <a:ln w="9525">
+            <a:noFill/>
+            <a:miter lim="800000"/>
+            <a:headEnd/>
+            <a:tailEnd/>
+          </a:ln>
+        </p:spPr>
+        <p:txBody>
+          <a:bodyPr wrap="square">
+            <a:spAutoFit/>
+          </a:bodyPr>
+          <a:lstStyle/>
+          <a:p>
+            <a:pPr>
+              <a:buFont typeface="맑은 고딕" pitchFamily="50" charset="-127"/>
+              <a:buChar char="▶"/>
+            </a:pPr>
+            <a:r>
+              <a:rPr lang="en-US" altLang="ko-KR" sz="2000">
+                <a:latin typeface="Noto Sans CJK KR Regular" panose="020B0500000000000000" pitchFamily="34" charset="-127"/>
+                <a:ea typeface="Noto Sans CJK KR Regular" panose="020B0500000000000000" pitchFamily="34" charset="-127"/>
+              </a:rPr>
+              <a:t> Enum</a:t>
+            </a:r>
+            <a:endParaRPr lang="en-US" altLang="ko-KR" sz="2000" dirty="0">
+              <a:latin typeface="Noto Sans CJK KR Regular" panose="020B0500000000000000" pitchFamily="34" charset="-127"/>
+              <a:ea typeface="Noto Sans CJK KR Regular" panose="020B0500000000000000" pitchFamily="34" charset="-127"/>
+            </a:endParaRPr>
+          </a:p>
+          <a:p>
+            <a:pPr lvl="1">
+              <a:buFontTx/>
+              <a:buChar char="•"/>
+            </a:pPr>
+            <a:r>
+              <a:rPr lang="ko-KR" altLang="en-US" b="0">
+                <a:latin typeface="Noto Sans CJK KR Regular" panose="020B0500000000000000" pitchFamily="34" charset="-127"/>
+                <a:ea typeface="Noto Sans CJK KR Regular" panose="020B0500000000000000" pitchFamily="34" charset="-127"/>
+              </a:rPr>
+              <a:t> 타입스크립트에서 지원하는 열거형 데이터 타입</a:t>
+            </a:r>
+            <a:endParaRPr lang="en-US" altLang="ko-KR" b="0">
+              <a:latin typeface="Noto Sans CJK KR Regular" panose="020B0500000000000000" pitchFamily="34" charset="-127"/>
+              <a:ea typeface="Noto Sans CJK KR Regular" panose="020B0500000000000000" pitchFamily="34" charset="-127"/>
+            </a:endParaRPr>
+          </a:p>
+          <a:p>
+            <a:pPr lvl="1">
+              <a:buFontTx/>
+              <a:buChar char="•"/>
+            </a:pPr>
+            <a:r>
+              <a:rPr lang="en-US" altLang="ko-KR">
+                <a:latin typeface="Noto Sans CJK KR Regular" panose="020B0500000000000000" pitchFamily="34" charset="-127"/>
+                <a:ea typeface="Noto Sans CJK KR Regular" panose="020B0500000000000000" pitchFamily="34" charset="-127"/>
+              </a:rPr>
+              <a:t> </a:t>
+            </a:r>
+            <a:r>
+              <a:rPr lang="ko-KR" altLang="en-US">
+                <a:latin typeface="Noto Sans CJK KR Regular" panose="020B0500000000000000" pitchFamily="34" charset="-127"/>
+                <a:ea typeface="Noto Sans CJK KR Regular" panose="020B0500000000000000" pitchFamily="34" charset="-127"/>
+              </a:rPr>
+              <a:t>유사한 성격의 데이터 집합을 정의</a:t>
+            </a:r>
+            <a:endParaRPr lang="en-US" altLang="ko-KR">
+              <a:latin typeface="Noto Sans CJK KR Regular" panose="020B0500000000000000" pitchFamily="34" charset="-127"/>
+              <a:ea typeface="Noto Sans CJK KR Regular" panose="020B0500000000000000" pitchFamily="34" charset="-127"/>
+            </a:endParaRPr>
+          </a:p>
+        </p:txBody>
+      </p:sp>
+      <p:sp>
+        <p:nvSpPr>
+          <p:cNvPr id="2" name="슬라이드 번호 개체 틀 1">
+            <a:extLst>
+              <a:ext uri="{FF2B5EF4-FFF2-40B4-BE49-F238E27FC236}">
+                <a16:creationId xmlns:a16="http://schemas.microsoft.com/office/drawing/2014/main" id="{C903C940-4878-447B-88DC-FCEAD9FA9392}"/>
+              </a:ext>
+            </a:extLst>
+          </p:cNvPr>
+          <p:cNvSpPr>
+            <a:spLocks noGrp="1"/>
+          </p:cNvSpPr>
+          <p:nvPr>
+            <p:ph type="sldNum" sz="quarter" idx="12"/>
+          </p:nvPr>
+        </p:nvSpPr>
+        <p:spPr/>
+        <p:txBody>
+          <a:bodyPr/>
+          <a:lstStyle/>
+          <a:p>
+            <a:fld id="{3D1FA427-4C48-8040-8FB9-DF0FCDFDEE83}" type="slidenum">
+              <a:rPr kumimoji="1" lang="ko-KR" altLang="en-US" smtClean="0"/>
+              <a:t>28</a:t>
+            </a:fld>
+            <a:endParaRPr kumimoji="1" lang="ko-KR" altLang="en-US"/>
+          </a:p>
+        </p:txBody>
+      </p:sp>
+      <p:pic>
+        <p:nvPicPr>
+          <p:cNvPr id="6" name="그림 5" descr="코딩아이콘.png">
+            <a:extLst>
+              <a:ext uri="{FF2B5EF4-FFF2-40B4-BE49-F238E27FC236}">
+                <a16:creationId xmlns:a16="http://schemas.microsoft.com/office/drawing/2014/main" id="{1EE6C690-F554-41E5-A16B-D5D017011304}"/>
+              </a:ext>
+            </a:extLst>
+          </p:cNvPr>
+          <p:cNvPicPr>
+            <a:picLocks noChangeAspect="1"/>
+          </p:cNvPicPr>
+          <p:nvPr/>
+        </p:nvPicPr>
+        <p:blipFill>
+          <a:blip r:embed="rId3" cstate="print"/>
+          <a:stretch>
+            <a:fillRect/>
+          </a:stretch>
+        </p:blipFill>
+        <p:spPr>
+          <a:xfrm flipH="1">
+            <a:off x="11062105" y="692696"/>
+            <a:ext cx="504056" cy="440660"/>
+          </a:xfrm>
+          <a:prstGeom prst="rect">
+            <a:avLst/>
+          </a:prstGeom>
+        </p:spPr>
+      </p:pic>
+      <p:sp>
+        <p:nvSpPr>
+          <p:cNvPr id="7" name="TextBox 6">
+            <a:extLst>
+              <a:ext uri="{FF2B5EF4-FFF2-40B4-BE49-F238E27FC236}">
+                <a16:creationId xmlns:a16="http://schemas.microsoft.com/office/drawing/2014/main" id="{DCC0A043-B41A-435A-B1EB-86B4CBACF101}"/>
+              </a:ext>
+            </a:extLst>
+          </p:cNvPr>
+          <p:cNvSpPr txBox="1"/>
+          <p:nvPr/>
+        </p:nvSpPr>
+        <p:spPr>
+          <a:xfrm>
+            <a:off x="8685841" y="764704"/>
+            <a:ext cx="2360859" cy="369332"/>
+          </a:xfrm>
+          <a:prstGeom prst="rect">
+            <a:avLst/>
+          </a:prstGeom>
+          <a:noFill/>
+        </p:spPr>
+        <p:txBody>
+          <a:bodyPr wrap="square" rtlCol="0">
+            <a:spAutoFit/>
+          </a:bodyPr>
+          <a:lstStyle/>
+          <a:p>
+            <a:pPr algn="r"/>
+            <a:r>
+              <a:rPr lang="en-US" altLang="ko-KR">
+                <a:solidFill>
+                  <a:schemeClr val="tx1">
+                    <a:lumMod val="65000"/>
+                    <a:lumOff val="35000"/>
+                  </a:schemeClr>
+                </a:solidFill>
+                <a:latin typeface="Noto Sans CJK KR Regular" panose="020B0500000000000000" pitchFamily="34" charset="-127"/>
+                <a:ea typeface="Noto Sans CJK KR Regular" panose="020B0500000000000000" pitchFamily="34" charset="-127"/>
+              </a:rPr>
+              <a:t>ex01-20.ts, 21, 22</a:t>
+            </a:r>
+            <a:endParaRPr lang="ko-KR" altLang="en-US" dirty="0">
+              <a:solidFill>
+                <a:schemeClr val="tx1">
+                  <a:lumMod val="65000"/>
+                  <a:lumOff val="35000"/>
+                </a:schemeClr>
+              </a:solidFill>
+              <a:latin typeface="Noto Sans CJK KR Regular" panose="020B0500000000000000" pitchFamily="34" charset="-127"/>
+              <a:ea typeface="Noto Sans CJK KR Regular" panose="020B0500000000000000" pitchFamily="34" charset="-127"/>
+            </a:endParaRPr>
+          </a:p>
+        </p:txBody>
+      </p:sp>
+      <p:sp>
+        <p:nvSpPr>
+          <p:cNvPr id="9" name="TextBox 8">
+            <a:extLst>
+              <a:ext uri="{FF2B5EF4-FFF2-40B4-BE49-F238E27FC236}">
+                <a16:creationId xmlns:a16="http://schemas.microsoft.com/office/drawing/2014/main" id="{857F42A3-D432-4AC0-9C1A-B05F87480EC3}"/>
+              </a:ext>
+            </a:extLst>
+          </p:cNvPr>
+          <p:cNvSpPr txBox="1"/>
+          <p:nvPr/>
+        </p:nvSpPr>
+        <p:spPr>
+          <a:xfrm>
+            <a:off x="786824" y="1955687"/>
+            <a:ext cx="4267199" cy="2031325"/>
+          </a:xfrm>
+          <a:prstGeom prst="rect">
+            <a:avLst/>
+          </a:prstGeom>
+          <a:noFill/>
+          <a:ln>
+            <a:solidFill>
+              <a:schemeClr val="tx1"/>
+            </a:solidFill>
+          </a:ln>
+        </p:spPr>
+        <p:txBody>
+          <a:bodyPr wrap="square">
+            <a:spAutoFit/>
+          </a:bodyPr>
+          <a:lstStyle/>
+          <a:p>
+            <a:r>
+              <a:rPr lang="en-US" altLang="ko-KR" b="0">
+                <a:solidFill>
+                  <a:srgbClr val="0000FF"/>
+                </a:solidFill>
+                <a:effectLst/>
+                <a:latin typeface="Consolas" panose="020B0609020204030204" pitchFamily="49" charset="0"/>
+              </a:rPr>
+              <a:t>enum</a:t>
+            </a:r>
+            <a:r>
+              <a:rPr lang="en-US" altLang="ko-KR" b="0">
+                <a:solidFill>
+                  <a:srgbClr val="000000"/>
+                </a:solidFill>
+                <a:effectLst/>
+                <a:latin typeface="Consolas" panose="020B0609020204030204" pitchFamily="49" charset="0"/>
+              </a:rPr>
+              <a:t> Language {</a:t>
+            </a:r>
+          </a:p>
+          <a:p>
+            <a:r>
+              <a:rPr lang="en-US" altLang="ko-KR" b="0">
+                <a:solidFill>
+                  <a:srgbClr val="000000"/>
+                </a:solidFill>
+                <a:effectLst/>
+                <a:latin typeface="Consolas" panose="020B0609020204030204" pitchFamily="49" charset="0"/>
+              </a:rPr>
+              <a:t>  </a:t>
+            </a:r>
+            <a:r>
+              <a:rPr lang="en-US" altLang="ko-KR" b="0">
+                <a:solidFill>
+                  <a:srgbClr val="098658"/>
+                </a:solidFill>
+                <a:effectLst/>
+                <a:latin typeface="Consolas" panose="020B0609020204030204" pitchFamily="49" charset="0"/>
+              </a:rPr>
+              <a:t>Javascript</a:t>
+            </a:r>
+            <a:r>
+              <a:rPr lang="en-US" altLang="ko-KR" b="0">
+                <a:solidFill>
+                  <a:srgbClr val="000000"/>
+                </a:solidFill>
+                <a:effectLst/>
+                <a:latin typeface="Consolas" panose="020B0609020204030204" pitchFamily="49" charset="0"/>
+              </a:rPr>
+              <a:t>,</a:t>
+            </a:r>
+          </a:p>
+          <a:p>
+            <a:r>
+              <a:rPr lang="en-US" altLang="ko-KR" b="0">
+                <a:solidFill>
+                  <a:srgbClr val="000000"/>
+                </a:solidFill>
+                <a:effectLst/>
+                <a:latin typeface="Consolas" panose="020B0609020204030204" pitchFamily="49" charset="0"/>
+              </a:rPr>
+              <a:t>  </a:t>
+            </a:r>
+            <a:r>
+              <a:rPr lang="en-US" altLang="ko-KR" b="0">
+                <a:solidFill>
+                  <a:srgbClr val="098658"/>
+                </a:solidFill>
+                <a:effectLst/>
+                <a:latin typeface="Consolas" panose="020B0609020204030204" pitchFamily="49" charset="0"/>
+              </a:rPr>
+              <a:t>C</a:t>
+            </a:r>
+            <a:r>
+              <a:rPr lang="en-US" altLang="ko-KR" b="0">
+                <a:solidFill>
+                  <a:srgbClr val="000000"/>
+                </a:solidFill>
+                <a:effectLst/>
+                <a:latin typeface="Consolas" panose="020B0609020204030204" pitchFamily="49" charset="0"/>
+              </a:rPr>
+              <a:t>,</a:t>
+            </a:r>
+          </a:p>
+          <a:p>
+            <a:r>
+              <a:rPr lang="en-US" altLang="ko-KR" b="0">
+                <a:solidFill>
+                  <a:srgbClr val="000000"/>
+                </a:solidFill>
+                <a:effectLst/>
+                <a:latin typeface="Consolas" panose="020B0609020204030204" pitchFamily="49" charset="0"/>
+              </a:rPr>
+              <a:t>  </a:t>
+            </a:r>
+            <a:r>
+              <a:rPr lang="en-US" altLang="ko-KR" b="0">
+                <a:solidFill>
+                  <a:srgbClr val="098658"/>
+                </a:solidFill>
+                <a:effectLst/>
+                <a:latin typeface="Consolas" panose="020B0609020204030204" pitchFamily="49" charset="0"/>
+              </a:rPr>
+              <a:t>Python</a:t>
+            </a:r>
+            <a:r>
+              <a:rPr lang="en-US" altLang="ko-KR" b="0">
+                <a:solidFill>
+                  <a:srgbClr val="000000"/>
+                </a:solidFill>
+                <a:effectLst/>
+                <a:latin typeface="Consolas" panose="020B0609020204030204" pitchFamily="49" charset="0"/>
+              </a:rPr>
+              <a:t>,</a:t>
+            </a:r>
+          </a:p>
+          <a:p>
+            <a:r>
+              <a:rPr lang="en-US" altLang="ko-KR" b="0">
+                <a:solidFill>
+                  <a:srgbClr val="000000"/>
+                </a:solidFill>
+                <a:effectLst/>
+                <a:latin typeface="Consolas" panose="020B0609020204030204" pitchFamily="49" charset="0"/>
+              </a:rPr>
+              <a:t>  </a:t>
+            </a:r>
+            <a:r>
+              <a:rPr lang="en-US" altLang="ko-KR" b="0">
+                <a:solidFill>
+                  <a:srgbClr val="098658"/>
+                </a:solidFill>
+                <a:effectLst/>
+                <a:latin typeface="Consolas" panose="020B0609020204030204" pitchFamily="49" charset="0"/>
+              </a:rPr>
+              <a:t>Java</a:t>
+            </a:r>
+            <a:endParaRPr lang="en-US" altLang="ko-KR" b="0">
+              <a:solidFill>
+                <a:srgbClr val="000000"/>
+              </a:solidFill>
+              <a:effectLst/>
+              <a:latin typeface="Consolas" panose="020B0609020204030204" pitchFamily="49" charset="0"/>
+            </a:endParaRPr>
+          </a:p>
+          <a:p>
+            <a:r>
+              <a:rPr lang="en-US" altLang="ko-KR" b="0">
+                <a:solidFill>
+                  <a:srgbClr val="000000"/>
+                </a:solidFill>
+                <a:effectLst/>
+                <a:latin typeface="Consolas" panose="020B0609020204030204" pitchFamily="49" charset="0"/>
+              </a:rPr>
+              <a:t>}</a:t>
+            </a:r>
+          </a:p>
+          <a:p>
+            <a:r>
+              <a:rPr lang="en-US" altLang="ko-KR" b="0">
+                <a:solidFill>
+                  <a:srgbClr val="000000"/>
+                </a:solidFill>
+                <a:effectLst/>
+                <a:latin typeface="Consolas" panose="020B0609020204030204" pitchFamily="49" charset="0"/>
+              </a:rPr>
+              <a:t>console.log(Language);</a:t>
+            </a:r>
+          </a:p>
+        </p:txBody>
+      </p:sp>
+      <p:pic>
+        <p:nvPicPr>
+          <p:cNvPr id="13" name="그림 12">
+            <a:extLst>
+              <a:ext uri="{FF2B5EF4-FFF2-40B4-BE49-F238E27FC236}">
+                <a16:creationId xmlns:a16="http://schemas.microsoft.com/office/drawing/2014/main" id="{EFD714D2-C69A-4187-8153-F395FC1073AF}"/>
+              </a:ext>
+            </a:extLst>
+          </p:cNvPr>
+          <p:cNvPicPr>
+            <a:picLocks noChangeAspect="1"/>
+          </p:cNvPicPr>
+          <p:nvPr/>
+        </p:nvPicPr>
+        <p:blipFill>
+          <a:blip r:embed="rId4"/>
+          <a:stretch>
+            <a:fillRect/>
+          </a:stretch>
+        </p:blipFill>
+        <p:spPr>
+          <a:xfrm>
+            <a:off x="8024090" y="4156872"/>
+            <a:ext cx="2941575" cy="1546994"/>
+          </a:xfrm>
+          <a:prstGeom prst="rect">
+            <a:avLst/>
+          </a:prstGeom>
+        </p:spPr>
+      </p:pic>
+      <p:pic>
+        <p:nvPicPr>
+          <p:cNvPr id="15" name="그림 14">
+            <a:extLst>
+              <a:ext uri="{FF2B5EF4-FFF2-40B4-BE49-F238E27FC236}">
+                <a16:creationId xmlns:a16="http://schemas.microsoft.com/office/drawing/2014/main" id="{5BDF7D19-62E7-4950-A52E-23B020E49FF7}"/>
+              </a:ext>
+            </a:extLst>
+          </p:cNvPr>
+          <p:cNvPicPr>
+            <a:picLocks noChangeAspect="1"/>
+          </p:cNvPicPr>
+          <p:nvPr/>
+        </p:nvPicPr>
+        <p:blipFill>
+          <a:blip r:embed="rId5"/>
+          <a:stretch>
+            <a:fillRect/>
+          </a:stretch>
+        </p:blipFill>
+        <p:spPr>
+          <a:xfrm>
+            <a:off x="4366112" y="1620729"/>
+            <a:ext cx="2880610" cy="3063505"/>
+          </a:xfrm>
+          <a:prstGeom prst="rect">
+            <a:avLst/>
+          </a:prstGeom>
+        </p:spPr>
+      </p:pic>
+      <p:sp>
+        <p:nvSpPr>
+          <p:cNvPr id="17" name="TextBox 16">
+            <a:extLst>
+              <a:ext uri="{FF2B5EF4-FFF2-40B4-BE49-F238E27FC236}">
+                <a16:creationId xmlns:a16="http://schemas.microsoft.com/office/drawing/2014/main" id="{E49A4577-C28D-4C80-AAE8-EEE0C051356C}"/>
+              </a:ext>
+            </a:extLst>
+          </p:cNvPr>
+          <p:cNvSpPr txBox="1"/>
+          <p:nvPr/>
+        </p:nvSpPr>
+        <p:spPr>
+          <a:xfrm>
+            <a:off x="7685128" y="1947060"/>
+            <a:ext cx="3619500" cy="2585323"/>
+          </a:xfrm>
+          <a:prstGeom prst="rect">
+            <a:avLst/>
+          </a:prstGeom>
+          <a:noFill/>
+          <a:ln>
+            <a:solidFill>
+              <a:schemeClr val="tx1"/>
+            </a:solidFill>
+          </a:ln>
+        </p:spPr>
+        <p:txBody>
+          <a:bodyPr wrap="square">
+            <a:spAutoFit/>
+          </a:bodyPr>
+          <a:lstStyle/>
+          <a:p>
+            <a:r>
+              <a:rPr lang="en-US" altLang="ko-KR" b="0">
+                <a:solidFill>
+                  <a:srgbClr val="0000FF"/>
+                </a:solidFill>
+                <a:effectLst/>
+                <a:latin typeface="Consolas" panose="020B0609020204030204" pitchFamily="49" charset="0"/>
+              </a:rPr>
+              <a:t>enum</a:t>
+            </a:r>
+            <a:r>
+              <a:rPr lang="en-US" altLang="ko-KR" b="0">
+                <a:solidFill>
+                  <a:srgbClr val="000000"/>
+                </a:solidFill>
+                <a:effectLst/>
+                <a:latin typeface="Consolas" panose="020B0609020204030204" pitchFamily="49" charset="0"/>
+              </a:rPr>
+              <a:t> Language {</a:t>
+            </a:r>
+          </a:p>
+          <a:p>
+            <a:r>
+              <a:rPr lang="en-US" altLang="ko-KR" b="0">
+                <a:solidFill>
+                  <a:srgbClr val="000000"/>
+                </a:solidFill>
+                <a:effectLst/>
+                <a:latin typeface="Consolas" panose="020B0609020204030204" pitchFamily="49" charset="0"/>
+              </a:rPr>
+              <a:t>  </a:t>
+            </a:r>
+            <a:r>
+              <a:rPr lang="en-US" altLang="ko-KR" b="0">
+                <a:solidFill>
+                  <a:srgbClr val="098658"/>
+                </a:solidFill>
+                <a:effectLst/>
+                <a:latin typeface="Consolas" panose="020B0609020204030204" pitchFamily="49" charset="0"/>
+              </a:rPr>
+              <a:t>Javascript</a:t>
+            </a:r>
+            <a:r>
+              <a:rPr lang="en-US" altLang="ko-KR" b="0">
+                <a:solidFill>
+                  <a:srgbClr val="000000"/>
+                </a:solidFill>
+                <a:effectLst/>
+                <a:latin typeface="Consolas" panose="020B0609020204030204" pitchFamily="49" charset="0"/>
+              </a:rPr>
+              <a:t> = </a:t>
+            </a:r>
+            <a:r>
+              <a:rPr lang="en-US" altLang="ko-KR" b="0">
+                <a:solidFill>
+                  <a:srgbClr val="A31515"/>
+                </a:solidFill>
+                <a:effectLst/>
+                <a:latin typeface="Consolas" panose="020B0609020204030204" pitchFamily="49" charset="0"/>
+              </a:rPr>
+              <a:t>'JS'</a:t>
+            </a:r>
+            <a:r>
+              <a:rPr lang="en-US" altLang="ko-KR" b="0">
+                <a:solidFill>
+                  <a:srgbClr val="000000"/>
+                </a:solidFill>
+                <a:effectLst/>
+                <a:latin typeface="Consolas" panose="020B0609020204030204" pitchFamily="49" charset="0"/>
+              </a:rPr>
+              <a:t>,</a:t>
+            </a:r>
+          </a:p>
+          <a:p>
+            <a:r>
+              <a:rPr lang="en-US" altLang="ko-KR" b="0">
+                <a:solidFill>
+                  <a:srgbClr val="000000"/>
+                </a:solidFill>
+                <a:effectLst/>
+                <a:latin typeface="Consolas" panose="020B0609020204030204" pitchFamily="49" charset="0"/>
+              </a:rPr>
+              <a:t>  </a:t>
+            </a:r>
+            <a:r>
+              <a:rPr lang="en-US" altLang="ko-KR" b="0">
+                <a:solidFill>
+                  <a:srgbClr val="098658"/>
+                </a:solidFill>
+                <a:effectLst/>
+                <a:latin typeface="Consolas" panose="020B0609020204030204" pitchFamily="49" charset="0"/>
+              </a:rPr>
+              <a:t>C</a:t>
+            </a:r>
+            <a:r>
+              <a:rPr lang="en-US" altLang="ko-KR" b="0">
+                <a:solidFill>
+                  <a:srgbClr val="000000"/>
+                </a:solidFill>
+                <a:effectLst/>
+                <a:latin typeface="Consolas" panose="020B0609020204030204" pitchFamily="49" charset="0"/>
+              </a:rPr>
+              <a:t> = </a:t>
+            </a:r>
+            <a:r>
+              <a:rPr lang="en-US" altLang="ko-KR" b="0">
+                <a:solidFill>
+                  <a:srgbClr val="A31515"/>
+                </a:solidFill>
+                <a:effectLst/>
+                <a:latin typeface="Consolas" panose="020B0609020204030204" pitchFamily="49" charset="0"/>
+              </a:rPr>
+              <a:t>'C'</a:t>
+            </a:r>
+            <a:r>
+              <a:rPr lang="en-US" altLang="ko-KR" b="0">
+                <a:solidFill>
+                  <a:srgbClr val="000000"/>
+                </a:solidFill>
+                <a:effectLst/>
+                <a:latin typeface="Consolas" panose="020B0609020204030204" pitchFamily="49" charset="0"/>
+              </a:rPr>
+              <a:t>,</a:t>
+            </a:r>
+          </a:p>
+          <a:p>
+            <a:r>
+              <a:rPr lang="en-US" altLang="ko-KR" b="0">
+                <a:solidFill>
+                  <a:srgbClr val="000000"/>
+                </a:solidFill>
+                <a:effectLst/>
+                <a:latin typeface="Consolas" panose="020B0609020204030204" pitchFamily="49" charset="0"/>
+              </a:rPr>
+              <a:t>  </a:t>
+            </a:r>
+            <a:r>
+              <a:rPr lang="en-US" altLang="ko-KR" b="0">
+                <a:solidFill>
+                  <a:srgbClr val="098658"/>
+                </a:solidFill>
+                <a:effectLst/>
+                <a:latin typeface="Consolas" panose="020B0609020204030204" pitchFamily="49" charset="0"/>
+              </a:rPr>
+              <a:t>Python</a:t>
+            </a:r>
+            <a:r>
+              <a:rPr lang="en-US" altLang="ko-KR" b="0">
+                <a:solidFill>
+                  <a:srgbClr val="000000"/>
+                </a:solidFill>
+                <a:effectLst/>
+                <a:latin typeface="Consolas" panose="020B0609020204030204" pitchFamily="49" charset="0"/>
+              </a:rPr>
+              <a:t> = </a:t>
+            </a:r>
+            <a:r>
+              <a:rPr lang="en-US" altLang="ko-KR" b="0">
+                <a:solidFill>
+                  <a:srgbClr val="A31515"/>
+                </a:solidFill>
+                <a:effectLst/>
+                <a:latin typeface="Consolas" panose="020B0609020204030204" pitchFamily="49" charset="0"/>
+              </a:rPr>
+              <a:t>'PY'</a:t>
+            </a:r>
+            <a:r>
+              <a:rPr lang="en-US" altLang="ko-KR" b="0">
+                <a:solidFill>
+                  <a:srgbClr val="000000"/>
+                </a:solidFill>
+                <a:effectLst/>
+                <a:latin typeface="Consolas" panose="020B0609020204030204" pitchFamily="49" charset="0"/>
+              </a:rPr>
+              <a:t>,</a:t>
+            </a:r>
+          </a:p>
+          <a:p>
+            <a:r>
+              <a:rPr lang="en-US" altLang="ko-KR" b="0">
+                <a:solidFill>
+                  <a:srgbClr val="000000"/>
+                </a:solidFill>
+                <a:effectLst/>
+                <a:latin typeface="Consolas" panose="020B0609020204030204" pitchFamily="49" charset="0"/>
+              </a:rPr>
+              <a:t>  </a:t>
+            </a:r>
+            <a:r>
+              <a:rPr lang="en-US" altLang="ko-KR" b="0">
+                <a:solidFill>
+                  <a:srgbClr val="098658"/>
+                </a:solidFill>
+                <a:effectLst/>
+                <a:latin typeface="Consolas" panose="020B0609020204030204" pitchFamily="49" charset="0"/>
+              </a:rPr>
+              <a:t>Java</a:t>
+            </a:r>
+            <a:r>
+              <a:rPr lang="en-US" altLang="ko-KR" b="0">
+                <a:solidFill>
+                  <a:srgbClr val="000000"/>
+                </a:solidFill>
+                <a:effectLst/>
+                <a:latin typeface="Consolas" panose="020B0609020204030204" pitchFamily="49" charset="0"/>
+              </a:rPr>
+              <a:t> = </a:t>
+            </a:r>
+            <a:r>
+              <a:rPr lang="en-US" altLang="ko-KR" b="0">
+                <a:solidFill>
+                  <a:srgbClr val="A31515"/>
+                </a:solidFill>
+                <a:effectLst/>
+                <a:latin typeface="Consolas" panose="020B0609020204030204" pitchFamily="49" charset="0"/>
+              </a:rPr>
+              <a:t>'J'</a:t>
+            </a:r>
+            <a:endParaRPr lang="en-US" altLang="ko-KR" b="0">
+              <a:solidFill>
+                <a:srgbClr val="000000"/>
+              </a:solidFill>
+              <a:effectLst/>
+              <a:latin typeface="Consolas" panose="020B0609020204030204" pitchFamily="49" charset="0"/>
+            </a:endParaRPr>
+          </a:p>
+          <a:p>
+            <a:r>
+              <a:rPr lang="en-US" altLang="ko-KR" b="0">
+                <a:solidFill>
+                  <a:srgbClr val="000000"/>
+                </a:solidFill>
+                <a:effectLst/>
+                <a:latin typeface="Consolas" panose="020B0609020204030204" pitchFamily="49" charset="0"/>
+              </a:rPr>
+              <a:t>}</a:t>
+            </a:r>
+          </a:p>
+          <a:p>
+            <a:r>
+              <a:rPr lang="en-US" altLang="ko-KR" b="0">
+                <a:solidFill>
+                  <a:srgbClr val="000000"/>
+                </a:solidFill>
+                <a:effectLst/>
+                <a:latin typeface="Consolas" panose="020B0609020204030204" pitchFamily="49" charset="0"/>
+              </a:rPr>
+              <a:t>console.log(Language);</a:t>
+            </a:r>
+          </a:p>
+          <a:p>
+            <a:endParaRPr lang="en-US" altLang="ko-KR">
+              <a:solidFill>
+                <a:srgbClr val="000000"/>
+              </a:solidFill>
+              <a:latin typeface="Consolas" panose="020B0609020204030204" pitchFamily="49" charset="0"/>
+            </a:endParaRPr>
+          </a:p>
+          <a:p>
+            <a:endParaRPr lang="en-US" altLang="ko-KR" b="0">
+              <a:solidFill>
+                <a:srgbClr val="000000"/>
+              </a:solidFill>
+              <a:effectLst/>
+              <a:latin typeface="Consolas" panose="020B0609020204030204" pitchFamily="49" charset="0"/>
+            </a:endParaRPr>
+          </a:p>
+        </p:txBody>
+      </p:sp>
+      <p:sp>
+        <p:nvSpPr>
+          <p:cNvPr id="19" name="TextBox 18">
+            <a:extLst>
+              <a:ext uri="{FF2B5EF4-FFF2-40B4-BE49-F238E27FC236}">
+                <a16:creationId xmlns:a16="http://schemas.microsoft.com/office/drawing/2014/main" id="{FCBE5644-DE23-40FE-8182-6ECBB911A487}"/>
+              </a:ext>
+            </a:extLst>
+          </p:cNvPr>
+          <p:cNvSpPr txBox="1"/>
+          <p:nvPr/>
+        </p:nvSpPr>
+        <p:spPr>
+          <a:xfrm>
+            <a:off x="786824" y="4955186"/>
+            <a:ext cx="4089979" cy="1754326"/>
+          </a:xfrm>
+          <a:prstGeom prst="rect">
+            <a:avLst/>
+          </a:prstGeom>
+          <a:noFill/>
+          <a:ln>
+            <a:solidFill>
+              <a:schemeClr val="tx1"/>
+            </a:solidFill>
+          </a:ln>
+        </p:spPr>
+        <p:txBody>
+          <a:bodyPr wrap="square">
+            <a:spAutoFit/>
+          </a:bodyPr>
+          <a:lstStyle/>
+          <a:p>
+            <a:r>
+              <a:rPr lang="en-US" altLang="ko-KR" b="0">
+                <a:solidFill>
+                  <a:srgbClr val="0000FF"/>
+                </a:solidFill>
+                <a:effectLst/>
+                <a:latin typeface="Consolas" panose="020B0609020204030204" pitchFamily="49" charset="0"/>
+              </a:rPr>
+              <a:t>switch</a:t>
+            </a:r>
+            <a:r>
+              <a:rPr lang="en-US" altLang="ko-KR" b="0">
+                <a:solidFill>
+                  <a:srgbClr val="000000"/>
+                </a:solidFill>
+                <a:effectLst/>
+                <a:latin typeface="Consolas" panose="020B0609020204030204" pitchFamily="49" charset="0"/>
+              </a:rPr>
+              <a:t>(lang){</a:t>
+            </a:r>
+          </a:p>
+          <a:p>
+            <a:r>
+              <a:rPr lang="en-US" altLang="ko-KR" b="0">
+                <a:solidFill>
+                  <a:srgbClr val="000000"/>
+                </a:solidFill>
+                <a:effectLst/>
+                <a:latin typeface="Consolas" panose="020B0609020204030204" pitchFamily="49" charset="0"/>
+              </a:rPr>
+              <a:t>  </a:t>
+            </a:r>
+            <a:r>
+              <a:rPr lang="en-US" altLang="ko-KR" b="0">
+                <a:solidFill>
+                  <a:srgbClr val="0000FF"/>
+                </a:solidFill>
+                <a:effectLst/>
+                <a:latin typeface="Consolas" panose="020B0609020204030204" pitchFamily="49" charset="0"/>
+              </a:rPr>
+              <a:t>case</a:t>
+            </a:r>
+            <a:r>
+              <a:rPr lang="en-US" altLang="ko-KR" b="0">
+                <a:solidFill>
+                  <a:srgbClr val="000000"/>
+                </a:solidFill>
+                <a:effectLst/>
+                <a:latin typeface="Consolas" panose="020B0609020204030204" pitchFamily="49" charset="0"/>
+              </a:rPr>
+              <a:t> Language.</a:t>
+            </a:r>
+            <a:r>
+              <a:rPr lang="en-US" altLang="ko-KR" b="0">
+                <a:solidFill>
+                  <a:srgbClr val="098658"/>
+                </a:solidFill>
+                <a:effectLst/>
+                <a:latin typeface="Consolas" panose="020B0609020204030204" pitchFamily="49" charset="0"/>
+              </a:rPr>
+              <a:t>Javascript</a:t>
+            </a:r>
+            <a:r>
+              <a:rPr lang="en-US" altLang="ko-KR" b="0">
+                <a:solidFill>
+                  <a:srgbClr val="000000"/>
+                </a:solidFill>
+                <a:effectLst/>
+                <a:latin typeface="Consolas" panose="020B0609020204030204" pitchFamily="49" charset="0"/>
+              </a:rPr>
+              <a:t>:</a:t>
+            </a:r>
+          </a:p>
+          <a:p>
+            <a:r>
+              <a:rPr lang="en-US" altLang="ko-KR" b="0">
+                <a:solidFill>
+                  <a:srgbClr val="000000"/>
+                </a:solidFill>
+                <a:effectLst/>
+                <a:latin typeface="Consolas" panose="020B0609020204030204" pitchFamily="49" charset="0"/>
+              </a:rPr>
+              <a:t>    ...</a:t>
+            </a:r>
+          </a:p>
+          <a:p>
+            <a:r>
+              <a:rPr lang="en-US" altLang="ko-KR" b="0">
+                <a:solidFill>
+                  <a:srgbClr val="000000"/>
+                </a:solidFill>
+                <a:effectLst/>
+                <a:latin typeface="Consolas" panose="020B0609020204030204" pitchFamily="49" charset="0"/>
+              </a:rPr>
+              <a:t>  </a:t>
+            </a:r>
+            <a:r>
+              <a:rPr lang="en-US" altLang="ko-KR" b="0">
+                <a:solidFill>
+                  <a:srgbClr val="0000FF"/>
+                </a:solidFill>
+                <a:effectLst/>
+                <a:latin typeface="Consolas" panose="020B0609020204030204" pitchFamily="49" charset="0"/>
+              </a:rPr>
+              <a:t>case</a:t>
+            </a:r>
+            <a:r>
+              <a:rPr lang="en-US" altLang="ko-KR" b="0">
+                <a:solidFill>
+                  <a:srgbClr val="000000"/>
+                </a:solidFill>
+                <a:effectLst/>
+                <a:latin typeface="Consolas" panose="020B0609020204030204" pitchFamily="49" charset="0"/>
+              </a:rPr>
+              <a:t> Language.</a:t>
+            </a:r>
+            <a:r>
+              <a:rPr lang="en-US" altLang="ko-KR" b="0">
+                <a:solidFill>
+                  <a:srgbClr val="098658"/>
+                </a:solidFill>
+                <a:effectLst/>
+                <a:latin typeface="Consolas" panose="020B0609020204030204" pitchFamily="49" charset="0"/>
+              </a:rPr>
+              <a:t>C</a:t>
+            </a:r>
+            <a:r>
+              <a:rPr lang="en-US" altLang="ko-KR" b="0">
+                <a:solidFill>
+                  <a:srgbClr val="000000"/>
+                </a:solidFill>
+                <a:effectLst/>
+                <a:latin typeface="Consolas" panose="020B0609020204030204" pitchFamily="49" charset="0"/>
+              </a:rPr>
+              <a:t>:</a:t>
+            </a:r>
+          </a:p>
+          <a:p>
+            <a:r>
+              <a:rPr lang="en-US" altLang="ko-KR" b="0">
+                <a:solidFill>
+                  <a:srgbClr val="000000"/>
+                </a:solidFill>
+                <a:effectLst/>
+                <a:latin typeface="Consolas" panose="020B0609020204030204" pitchFamily="49" charset="0"/>
+              </a:rPr>
+              <a:t>    ...</a:t>
+            </a:r>
+          </a:p>
+          <a:p>
+            <a:r>
+              <a:rPr lang="en-US" altLang="ko-KR" b="0">
+                <a:solidFill>
+                  <a:srgbClr val="000000"/>
+                </a:solidFill>
+                <a:effectLst/>
+                <a:latin typeface="Consolas" panose="020B0609020204030204" pitchFamily="49" charset="0"/>
+              </a:rPr>
+              <a:t>}</a:t>
+            </a:r>
+          </a:p>
+        </p:txBody>
+      </p:sp>
+    </p:spTree>
+    <p:extLst>
+      <p:ext uri="{BB962C8B-B14F-4D97-AF65-F5344CB8AC3E}">
+        <p14:creationId xmlns:p14="http://schemas.microsoft.com/office/powerpoint/2010/main" val="2278020069"/>
       </p:ext>
     </p:extLst>
   </p:cSld>
